--- a/Whiteboard design session/WDS trainer presentation - Continuous delivery in VSTS and Azure.pptx
+++ b/Whiteboard design session/WDS trainer presentation - Continuous delivery in VSTS and Azure.pptx
@@ -3272,7 +3272,7 @@
                   <a:prstClr val="black"/>
                 </a:solidFill>
               </a:rPr>
-              <a:t>6/20/2018 6:53 AM</a:t>
+              <a:t>6/20/2018 7:30 AM</a:t>
             </a:fld>
             <a:endParaRPr lang="en-US" dirty="0">
               <a:solidFill>
@@ -17858,2459 +17858,36 @@
           </a:p>
         </p:txBody>
       </p:sp>
-      <p:grpSp>
-        <p:nvGrpSpPr>
-          <p:cNvPr id="3" name="Alt text group" descr="This diagram moves from left to right with arrows between icons that point in a straight line until the lines fork off to three icons in the Azure group at the far right.&#10;&#10;The Edit code (Visual Studio) icon points to an icon labeled Commit and push local branch to VSTS. This points to four icons that are collectively labeled Visual Studio Team Services. From left to right, they are Create a Pull Request for peer review, Merge to master, Continuous Integration (Build (+tests)), and Continuous Deployment (Release Management). &#10;&#10;The Continuous Deployment icon points at three groups of icons that are collectively labeled Azure and Application Insights. The three groups are development, test, and production, and each group includes App Service icons and Azure SQL icons." title="Preferred solution diagram">
+      <p:pic>
+        <p:nvPicPr>
+          <p:cNvPr id="5" name="Picture 4" descr="This diagram moves from left to right with arrows between icons that point in a straight line until the lines fork off to three icons in the Azure group at the far right.&#10;&#10;The Edit code (Visual Studio) icon points to an icon labeled Commit and push local branch to VSTS. This points to four icons that are collectively labeled Visual Studio Team Services. From left to right, they are Create a Pull Request for peer review, Merge to master, Continuous Integration (Build (+tests)), and Continuous Deployment (Release Management). &#10;&#10;The Continuous Deployment icon points at three groups of icons that are collectively labeled Azure and Application Insights. The three groups are development, test, and production, and each group includes App Service icons and Azure SQL icons." title="Preferred solution diagram">
             <a:extLst>
               <a:ext uri="{FF2B5EF4-FFF2-40B4-BE49-F238E27FC236}">
-                <a16:creationId xmlns:a16="http://schemas.microsoft.com/office/drawing/2014/main" id="{27F73796-7B26-4213-AA0C-FBB8216B6598}"/>
+                <a16:creationId xmlns:a16="http://schemas.microsoft.com/office/drawing/2014/main" id="{7E151259-B98D-46DB-AC9B-A3E24A921E7F}"/>
               </a:ext>
             </a:extLst>
           </p:cNvPr>
-          <p:cNvGrpSpPr/>
+          <p:cNvPicPr>
+            <a:picLocks noChangeAspect="1"/>
+          </p:cNvPicPr>
           <p:nvPr/>
-        </p:nvGrpSpPr>
-        <p:grpSpPr>
+        </p:nvPicPr>
+        <p:blipFill>
+          <a:blip r:embed="rId3"/>
+          <a:stretch>
+            <a:fillRect/>
+          </a:stretch>
+        </p:blipFill>
+        <p:spPr>
           <a:xfrm>
-            <a:off x="340550" y="1958796"/>
-            <a:ext cx="11128289" cy="3164850"/>
-            <a:chOff x="340550" y="1958796"/>
-            <a:chExt cx="11128289" cy="3164850"/>
+            <a:off x="839394" y="2769737"/>
+            <a:ext cx="10126151" cy="2902780"/>
           </a:xfrm>
-        </p:grpSpPr>
-        <p:sp>
-          <p:nvSpPr>
-            <p:cNvPr id="4" name="Rectangle 3">
-              <a:extLst>
-                <a:ext uri="{FF2B5EF4-FFF2-40B4-BE49-F238E27FC236}">
-                  <a16:creationId xmlns:a16="http://schemas.microsoft.com/office/drawing/2014/main" id="{4B7FA1B5-482B-4AA2-AFEB-A5548A018FBC}"/>
-                </a:ext>
-              </a:extLst>
-            </p:cNvPr>
-            <p:cNvSpPr/>
-            <p:nvPr/>
-          </p:nvSpPr>
-          <p:spPr bwMode="auto">
-            <a:xfrm>
-              <a:off x="458786" y="1958796"/>
-              <a:ext cx="11010053" cy="3164850"/>
-            </a:xfrm>
-            <a:prstGeom prst="rect">
-              <a:avLst/>
-            </a:prstGeom>
-            <a:solidFill>
-              <a:schemeClr val="tx1"/>
-            </a:solidFill>
-            <a:ln>
-              <a:noFill/>
-              <a:headEnd type="none" w="med" len="med"/>
-              <a:tailEnd type="none" w="med" len="med"/>
-            </a:ln>
-            <a:effectLst/>
-          </p:spPr>
-          <p:style>
-            <a:lnRef idx="1">
-              <a:schemeClr val="accent2"/>
-            </a:lnRef>
-            <a:fillRef idx="3">
-              <a:schemeClr val="accent2"/>
-            </a:fillRef>
-            <a:effectRef idx="2">
-              <a:schemeClr val="accent2"/>
-            </a:effectRef>
-            <a:fontRef idx="minor">
-              <a:schemeClr val="lt1"/>
-            </a:fontRef>
-          </p:style>
-          <p:txBody>
-            <a:bodyPr rot="0" spcFirstLastPara="0" vertOverflow="overflow" horzOverflow="overflow" vert="horz" wrap="square" lIns="182880" tIns="146304" rIns="182880" bIns="146304" numCol="1" spcCol="0" rtlCol="0" fromWordArt="0" anchor="t" anchorCtr="0" forceAA="0" compatLnSpc="1">
-              <a:prstTxWarp prst="textNoShape">
-                <a:avLst/>
-              </a:prstTxWarp>
-              <a:noAutofit/>
-            </a:bodyPr>
-            <a:lstStyle/>
-            <a:p>
-              <a:pPr algn="ctr" defTabSz="932472" fontAlgn="base">
-                <a:lnSpc>
-                  <a:spcPct val="90000"/>
-                </a:lnSpc>
-                <a:spcBef>
-                  <a:spcPct val="0"/>
-                </a:spcBef>
-                <a:spcAft>
-                  <a:spcPct val="0"/>
-                </a:spcAft>
-              </a:pPr>
-              <a:endParaRPr lang="en-US" sz="2400" dirty="0" err="1">
-                <a:gradFill>
-                  <a:gsLst>
-                    <a:gs pos="0">
-                      <a:srgbClr val="FFFFFF"/>
-                    </a:gs>
-                    <a:gs pos="100000">
-                      <a:srgbClr val="FFFFFF"/>
-                    </a:gs>
-                  </a:gsLst>
-                  <a:lin ang="5400000" scaled="0"/>
-                </a:gradFill>
-                <a:ea typeface="Segoe UI" pitchFamily="34" charset="0"/>
-                <a:cs typeface="Segoe UI" pitchFamily="34" charset="0"/>
-              </a:endParaRPr>
-            </a:p>
-          </p:txBody>
-        </p:sp>
-        <p:sp>
-          <p:nvSpPr>
-            <p:cNvPr id="6" name="Rectangle 5">
-              <a:extLst>
-                <a:ext uri="{FF2B5EF4-FFF2-40B4-BE49-F238E27FC236}">
-                  <a16:creationId xmlns:a16="http://schemas.microsoft.com/office/drawing/2014/main" id="{F9730417-F1C8-4E98-B9E9-E307CF41CD77}"/>
-                </a:ext>
-              </a:extLst>
-            </p:cNvPr>
-            <p:cNvSpPr/>
-            <p:nvPr/>
-          </p:nvSpPr>
-          <p:spPr bwMode="auto">
-            <a:xfrm>
-              <a:off x="2485002" y="2260710"/>
-              <a:ext cx="5425958" cy="2480181"/>
-            </a:xfrm>
-            <a:prstGeom prst="rect">
-              <a:avLst/>
-            </a:prstGeom>
-            <a:solidFill>
-              <a:schemeClr val="bg1">
-                <a:lumMod val="20000"/>
-                <a:lumOff val="80000"/>
-              </a:schemeClr>
-            </a:solidFill>
-            <a:ln>
-              <a:noFill/>
-              <a:headEnd type="none" w="med" len="med"/>
-              <a:tailEnd type="none" w="med" len="med"/>
-            </a:ln>
-            <a:effectLst/>
-          </p:spPr>
-          <p:style>
-            <a:lnRef idx="1">
-              <a:schemeClr val="accent2"/>
-            </a:lnRef>
-            <a:fillRef idx="3">
-              <a:schemeClr val="accent2"/>
-            </a:fillRef>
-            <a:effectRef idx="2">
-              <a:schemeClr val="accent2"/>
-            </a:effectRef>
-            <a:fontRef idx="minor">
-              <a:schemeClr val="lt1"/>
-            </a:fontRef>
-          </p:style>
-          <p:txBody>
-            <a:bodyPr rot="0" spcFirstLastPara="0" vertOverflow="overflow" horzOverflow="overflow" vert="horz" wrap="square" lIns="182880" tIns="146304" rIns="182880" bIns="146304" numCol="1" spcCol="0" rtlCol="0" fromWordArt="0" anchor="t" anchorCtr="0" forceAA="0" compatLnSpc="1">
-              <a:prstTxWarp prst="textNoShape">
-                <a:avLst/>
-              </a:prstTxWarp>
-              <a:noAutofit/>
-            </a:bodyPr>
-            <a:lstStyle/>
-            <a:p>
-              <a:pPr algn="ctr" defTabSz="932472" fontAlgn="base">
-                <a:lnSpc>
-                  <a:spcPct val="90000"/>
-                </a:lnSpc>
-                <a:spcBef>
-                  <a:spcPct val="0"/>
-                </a:spcBef>
-                <a:spcAft>
-                  <a:spcPct val="0"/>
-                </a:spcAft>
-              </a:pPr>
-              <a:endParaRPr lang="en-US" sz="2400" dirty="0" err="1">
-                <a:gradFill>
-                  <a:gsLst>
-                    <a:gs pos="0">
-                      <a:srgbClr val="FFFFFF"/>
-                    </a:gs>
-                    <a:gs pos="100000">
-                      <a:srgbClr val="FFFFFF"/>
-                    </a:gs>
-                  </a:gsLst>
-                  <a:lin ang="5400000" scaled="0"/>
-                </a:gradFill>
-                <a:ea typeface="Segoe UI" pitchFamily="34" charset="0"/>
-                <a:cs typeface="Segoe UI" pitchFamily="34" charset="0"/>
-              </a:endParaRPr>
-            </a:p>
-          </p:txBody>
-        </p:sp>
-        <p:grpSp>
-          <p:nvGrpSpPr>
-            <p:cNvPr id="8" name="Group 7">
-              <a:extLst>
-                <a:ext uri="{FF2B5EF4-FFF2-40B4-BE49-F238E27FC236}">
-                  <a16:creationId xmlns:a16="http://schemas.microsoft.com/office/drawing/2014/main" id="{E849414E-5D59-4245-9A0A-53E6D006AECB}"/>
-                </a:ext>
-              </a:extLst>
-            </p:cNvPr>
-            <p:cNvGrpSpPr/>
-            <p:nvPr/>
-          </p:nvGrpSpPr>
-          <p:grpSpPr>
-            <a:xfrm>
-              <a:off x="2957951" y="2331311"/>
-              <a:ext cx="3367168" cy="517065"/>
-              <a:chOff x="2741772" y="241381"/>
-              <a:chExt cx="3367168" cy="517065"/>
-            </a:xfrm>
-          </p:grpSpPr>
-          <p:sp>
-            <p:nvSpPr>
-              <p:cNvPr id="26" name="TextBox 25">
-                <a:extLst>
-                  <a:ext uri="{FF2B5EF4-FFF2-40B4-BE49-F238E27FC236}">
-                    <a16:creationId xmlns:a16="http://schemas.microsoft.com/office/drawing/2014/main" id="{725567A8-F563-4F2B-9AD7-225D0B2329A4}"/>
-                  </a:ext>
-                </a:extLst>
-              </p:cNvPr>
-              <p:cNvSpPr txBox="1"/>
-              <p:nvPr/>
-            </p:nvSpPr>
-            <p:spPr>
-              <a:xfrm>
-                <a:off x="2741772" y="241381"/>
-                <a:ext cx="3367168" cy="517065"/>
-              </a:xfrm>
-              <a:prstGeom prst="rect">
-                <a:avLst/>
-              </a:prstGeom>
-              <a:noFill/>
-            </p:spPr>
-            <p:txBody>
-              <a:bodyPr wrap="square" lIns="182880" tIns="146304" rIns="182880" bIns="146304" rtlCol="0">
-                <a:spAutoFit/>
-              </a:bodyPr>
-              <a:lstStyle/>
-              <a:p>
-                <a:pPr algn="ctr">
-                  <a:lnSpc>
-                    <a:spcPct val="90000"/>
-                  </a:lnSpc>
-                  <a:spcAft>
-                    <a:spcPts val="600"/>
-                  </a:spcAft>
-                </a:pPr>
-                <a:r>
-                  <a:rPr lang="en-US" sz="1600" b="1" dirty="0">
-                    <a:solidFill>
-                      <a:schemeClr val="bg1"/>
-                    </a:solidFill>
-                  </a:rPr>
-                  <a:t>Visual Studio Team Services</a:t>
-                </a:r>
-              </a:p>
-            </p:txBody>
-          </p:sp>
-          <p:pic>
-            <p:nvPicPr>
-              <p:cNvPr id="25" name="Picture 24">
-                <a:extLst>
-                  <a:ext uri="{FF2B5EF4-FFF2-40B4-BE49-F238E27FC236}">
-                    <a16:creationId xmlns:a16="http://schemas.microsoft.com/office/drawing/2014/main" id="{6EA5A08A-35F7-44FE-BB77-42BC7FC3793B}"/>
-                  </a:ext>
-                </a:extLst>
-              </p:cNvPr>
-              <p:cNvPicPr>
-                <a:picLocks noChangeAspect="1"/>
-              </p:cNvPicPr>
-              <p:nvPr/>
-            </p:nvPicPr>
-            <p:blipFill>
-              <a:blip r:embed="rId3" cstate="print">
-                <a:extLst>
-                  <a:ext uri="{28A0092B-C50C-407E-A947-70E740481C1C}">
-                    <a14:useLocalDpi xmlns:a14="http://schemas.microsoft.com/office/drawing/2010/main" val="0"/>
-                  </a:ext>
-                </a:extLst>
-              </a:blip>
-              <a:stretch>
-                <a:fillRect/>
-              </a:stretch>
-            </p:blipFill>
-            <p:spPr>
-              <a:xfrm>
-                <a:off x="5726213" y="364873"/>
-                <a:ext cx="270909" cy="270909"/>
-              </a:xfrm>
-              <a:prstGeom prst="rect">
-                <a:avLst/>
-              </a:prstGeom>
-            </p:spPr>
-          </p:pic>
-        </p:grpSp>
-        <p:sp>
-          <p:nvSpPr>
-            <p:cNvPr id="10" name="TextBox 9">
-              <a:extLst>
-                <a:ext uri="{FF2B5EF4-FFF2-40B4-BE49-F238E27FC236}">
-                  <a16:creationId xmlns:a16="http://schemas.microsoft.com/office/drawing/2014/main" id="{07685012-BA67-4977-9F35-0BE1B447315C}"/>
-                </a:ext>
-              </a:extLst>
-            </p:cNvPr>
-            <p:cNvSpPr txBox="1"/>
-            <p:nvPr/>
-          </p:nvSpPr>
-          <p:spPr>
-            <a:xfrm>
-              <a:off x="1176624" y="3547434"/>
-              <a:ext cx="1317555" cy="960263"/>
-            </a:xfrm>
-            <a:prstGeom prst="rect">
-              <a:avLst/>
-            </a:prstGeom>
-            <a:noFill/>
-          </p:spPr>
-          <p:txBody>
-            <a:bodyPr wrap="square" lIns="182880" tIns="146304" rIns="182880" bIns="146304" rtlCol="0">
-              <a:spAutoFit/>
-            </a:bodyPr>
-            <a:lstStyle/>
-            <a:p>
-              <a:pPr algn="ctr">
-                <a:lnSpc>
-                  <a:spcPct val="90000"/>
-                </a:lnSpc>
-                <a:spcAft>
-                  <a:spcPts val="600"/>
-                </a:spcAft>
-              </a:pPr>
-              <a:r>
-                <a:rPr lang="en-US" sz="1200" b="1" dirty="0">
-                  <a:solidFill>
-                    <a:schemeClr val="bg1"/>
-                  </a:solidFill>
-                </a:rPr>
-                <a:t>Commit and push local branch to VSTS</a:t>
-              </a:r>
-            </a:p>
-          </p:txBody>
-        </p:sp>
-        <p:pic>
-          <p:nvPicPr>
-            <p:cNvPr id="11" name="Picture 10">
-              <a:extLst>
-                <a:ext uri="{FF2B5EF4-FFF2-40B4-BE49-F238E27FC236}">
-                  <a16:creationId xmlns:a16="http://schemas.microsoft.com/office/drawing/2014/main" id="{98B8BAFB-0995-400A-9405-49B401FFEBA8}"/>
-                </a:ext>
-              </a:extLst>
-            </p:cNvPr>
-            <p:cNvPicPr>
-              <a:picLocks noChangeAspect="1"/>
-            </p:cNvPicPr>
-            <p:nvPr/>
-          </p:nvPicPr>
-          <p:blipFill>
-            <a:blip r:embed="rId4" cstate="print">
-              <a:extLst>
-                <a:ext uri="{28A0092B-C50C-407E-A947-70E740481C1C}">
-                  <a14:useLocalDpi xmlns:a14="http://schemas.microsoft.com/office/drawing/2010/main" val="0"/>
-                </a:ext>
-              </a:extLst>
-            </a:blip>
-            <a:stretch>
-              <a:fillRect/>
-            </a:stretch>
-          </p:blipFill>
-          <p:spPr>
-            <a:xfrm>
-              <a:off x="1546180" y="3080444"/>
-              <a:ext cx="472161" cy="472161"/>
-            </a:xfrm>
-            <a:prstGeom prst="rect">
-              <a:avLst/>
-            </a:prstGeom>
-          </p:spPr>
-        </p:pic>
-        <p:pic>
-          <p:nvPicPr>
-            <p:cNvPr id="23" name="Picture 22">
-              <a:extLst>
-                <a:ext uri="{FF2B5EF4-FFF2-40B4-BE49-F238E27FC236}">
-                  <a16:creationId xmlns:a16="http://schemas.microsoft.com/office/drawing/2014/main" id="{E561831D-28E6-49CD-AFC3-7355DDBEC484}"/>
-                </a:ext>
-              </a:extLst>
-            </p:cNvPr>
-            <p:cNvPicPr>
-              <a:picLocks noChangeAspect="1"/>
-            </p:cNvPicPr>
-            <p:nvPr/>
-          </p:nvPicPr>
-          <p:blipFill>
-            <a:blip r:embed="rId5" cstate="print">
-              <a:extLst>
-                <a:ext uri="{28A0092B-C50C-407E-A947-70E740481C1C}">
-                  <a14:useLocalDpi xmlns:a14="http://schemas.microsoft.com/office/drawing/2010/main" val="0"/>
-                </a:ext>
-              </a:extLst>
-            </a:blip>
-            <a:stretch>
-              <a:fillRect/>
-            </a:stretch>
-          </p:blipFill>
-          <p:spPr>
-            <a:xfrm>
-              <a:off x="548867" y="3127600"/>
-              <a:ext cx="417499" cy="417499"/>
-            </a:xfrm>
-            <a:prstGeom prst="rect">
-              <a:avLst/>
-            </a:prstGeom>
-          </p:spPr>
-        </p:pic>
-        <p:sp>
-          <p:nvSpPr>
-            <p:cNvPr id="24" name="TextBox 23">
-              <a:extLst>
-                <a:ext uri="{FF2B5EF4-FFF2-40B4-BE49-F238E27FC236}">
-                  <a16:creationId xmlns:a16="http://schemas.microsoft.com/office/drawing/2014/main" id="{AD765E71-002C-4E8D-99D6-D2E6B0639F01}"/>
-                </a:ext>
-              </a:extLst>
-            </p:cNvPr>
-            <p:cNvSpPr txBox="1"/>
-            <p:nvPr/>
-          </p:nvSpPr>
-          <p:spPr>
-            <a:xfrm>
-              <a:off x="340550" y="3593674"/>
-              <a:ext cx="851333" cy="627864"/>
-            </a:xfrm>
-            <a:prstGeom prst="rect">
-              <a:avLst/>
-            </a:prstGeom>
-            <a:noFill/>
-          </p:spPr>
-          <p:txBody>
-            <a:bodyPr wrap="square" lIns="182880" tIns="146304" rIns="182880" bIns="146304" rtlCol="0">
-              <a:spAutoFit/>
-            </a:bodyPr>
-            <a:lstStyle/>
-            <a:p>
-              <a:pPr algn="ctr">
-                <a:lnSpc>
-                  <a:spcPct val="90000"/>
-                </a:lnSpc>
-                <a:spcAft>
-                  <a:spcPts val="600"/>
-                </a:spcAft>
-              </a:pPr>
-              <a:r>
-                <a:rPr lang="en-US" sz="1200" b="1" dirty="0">
-                  <a:solidFill>
-                    <a:schemeClr val="bg1"/>
-                  </a:solidFill>
-                </a:rPr>
-                <a:t>Edit code</a:t>
-              </a:r>
-            </a:p>
-          </p:txBody>
-        </p:sp>
-        <p:sp>
-          <p:nvSpPr>
-            <p:cNvPr id="14" name="Rectangle 13">
-              <a:extLst>
-                <a:ext uri="{FF2B5EF4-FFF2-40B4-BE49-F238E27FC236}">
-                  <a16:creationId xmlns:a16="http://schemas.microsoft.com/office/drawing/2014/main" id="{9A5C76BA-E1B4-48EC-9AC0-7397AA9E27D6}"/>
-                </a:ext>
-              </a:extLst>
-            </p:cNvPr>
-            <p:cNvSpPr/>
-            <p:nvPr/>
-          </p:nvSpPr>
-          <p:spPr bwMode="auto">
-            <a:xfrm>
-              <a:off x="5092862" y="3121001"/>
-              <a:ext cx="959283" cy="767928"/>
-            </a:xfrm>
-            <a:prstGeom prst="rect">
-              <a:avLst/>
-            </a:prstGeom>
-            <a:solidFill>
-              <a:schemeClr val="bg2"/>
-            </a:solidFill>
-            <a:ln>
-              <a:noFill/>
-              <a:headEnd type="none" w="med" len="med"/>
-              <a:tailEnd type="none" w="med" len="med"/>
-            </a:ln>
-            <a:effectLst/>
-          </p:spPr>
-          <p:style>
-            <a:lnRef idx="1">
-              <a:schemeClr val="accent2"/>
-            </a:lnRef>
-            <a:fillRef idx="3">
-              <a:schemeClr val="accent2"/>
-            </a:fillRef>
-            <a:effectRef idx="2">
-              <a:schemeClr val="accent2"/>
-            </a:effectRef>
-            <a:fontRef idx="minor">
-              <a:schemeClr val="lt1"/>
-            </a:fontRef>
-          </p:style>
-          <p:txBody>
-            <a:bodyPr rot="0" spcFirstLastPara="0" vertOverflow="overflow" horzOverflow="overflow" vert="horz" wrap="square" lIns="182880" tIns="146304" rIns="182880" bIns="146304" numCol="1" spcCol="0" rtlCol="0" fromWordArt="0" anchor="ctr" anchorCtr="0" forceAA="0" compatLnSpc="1">
-              <a:prstTxWarp prst="textNoShape">
-                <a:avLst/>
-              </a:prstTxWarp>
-              <a:noAutofit/>
-            </a:bodyPr>
-            <a:lstStyle/>
-            <a:p>
-              <a:pPr algn="ctr" defTabSz="932472" fontAlgn="base">
-                <a:lnSpc>
-                  <a:spcPct val="90000"/>
-                </a:lnSpc>
-                <a:spcBef>
-                  <a:spcPct val="0"/>
-                </a:spcBef>
-                <a:spcAft>
-                  <a:spcPct val="0"/>
-                </a:spcAft>
-              </a:pPr>
-              <a:r>
-                <a:rPr lang="en-US" sz="1200" dirty="0">
-                  <a:gradFill>
-                    <a:gsLst>
-                      <a:gs pos="0">
-                        <a:srgbClr val="FFFFFF"/>
-                      </a:gs>
-                      <a:gs pos="100000">
-                        <a:srgbClr val="FFFFFF"/>
-                      </a:gs>
-                    </a:gsLst>
-                    <a:lin ang="5400000" scaled="0"/>
-                  </a:gradFill>
-                  <a:ea typeface="Segoe UI" pitchFamily="34" charset="0"/>
-                  <a:cs typeface="Segoe UI" pitchFamily="34" charset="0"/>
-                </a:rPr>
-                <a:t>Build (+tests)</a:t>
-              </a:r>
-            </a:p>
-          </p:txBody>
-        </p:sp>
-        <p:sp>
-          <p:nvSpPr>
-            <p:cNvPr id="15" name="Rectangle 14">
-              <a:extLst>
-                <a:ext uri="{FF2B5EF4-FFF2-40B4-BE49-F238E27FC236}">
-                  <a16:creationId xmlns:a16="http://schemas.microsoft.com/office/drawing/2014/main" id="{FE49BECC-4E76-4951-A9E0-45FE83FBF47F}"/>
-                </a:ext>
-              </a:extLst>
-            </p:cNvPr>
-            <p:cNvSpPr/>
-            <p:nvPr/>
-          </p:nvSpPr>
-          <p:spPr bwMode="auto">
-            <a:xfrm>
-              <a:off x="6441822" y="3118401"/>
-              <a:ext cx="1288876" cy="767928"/>
-            </a:xfrm>
-            <a:prstGeom prst="rect">
-              <a:avLst/>
-            </a:prstGeom>
-            <a:solidFill>
-              <a:schemeClr val="bg2"/>
-            </a:solidFill>
-            <a:ln>
-              <a:noFill/>
-              <a:headEnd type="none" w="med" len="med"/>
-              <a:tailEnd type="none" w="med" len="med"/>
-            </a:ln>
-            <a:effectLst/>
-          </p:spPr>
-          <p:style>
-            <a:lnRef idx="1">
-              <a:schemeClr val="accent2"/>
-            </a:lnRef>
-            <a:fillRef idx="3">
-              <a:schemeClr val="accent2"/>
-            </a:fillRef>
-            <a:effectRef idx="2">
-              <a:schemeClr val="accent2"/>
-            </a:effectRef>
-            <a:fontRef idx="minor">
-              <a:schemeClr val="lt1"/>
-            </a:fontRef>
-          </p:style>
-          <p:txBody>
-            <a:bodyPr rot="0" spcFirstLastPara="0" vertOverflow="overflow" horzOverflow="overflow" vert="horz" wrap="square" lIns="182880" tIns="146304" rIns="182880" bIns="146304" numCol="1" spcCol="0" rtlCol="0" fromWordArt="0" anchor="ctr" anchorCtr="0" forceAA="0" compatLnSpc="1">
-              <a:prstTxWarp prst="textNoShape">
-                <a:avLst/>
-              </a:prstTxWarp>
-              <a:noAutofit/>
-            </a:bodyPr>
-            <a:lstStyle/>
-            <a:p>
-              <a:pPr algn="ctr" defTabSz="932472" fontAlgn="base">
-                <a:lnSpc>
-                  <a:spcPct val="90000"/>
-                </a:lnSpc>
-                <a:spcBef>
-                  <a:spcPct val="0"/>
-                </a:spcBef>
-                <a:spcAft>
-                  <a:spcPct val="0"/>
-                </a:spcAft>
-              </a:pPr>
-              <a:r>
-                <a:rPr lang="en-US" sz="1200" dirty="0">
-                  <a:gradFill>
-                    <a:gsLst>
-                      <a:gs pos="0">
-                        <a:srgbClr val="FFFFFF"/>
-                      </a:gs>
-                      <a:gs pos="100000">
-                        <a:srgbClr val="FFFFFF"/>
-                      </a:gs>
-                    </a:gsLst>
-                    <a:lin ang="5400000" scaled="0"/>
-                  </a:gradFill>
-                  <a:ea typeface="Segoe UI" pitchFamily="34" charset="0"/>
-                  <a:cs typeface="Segoe UI" pitchFamily="34" charset="0"/>
-                </a:rPr>
-                <a:t>Release Management</a:t>
-              </a:r>
-            </a:p>
-          </p:txBody>
-        </p:sp>
-        <p:sp>
-          <p:nvSpPr>
-            <p:cNvPr id="16" name="TextBox 15">
-              <a:extLst>
-                <a:ext uri="{FF2B5EF4-FFF2-40B4-BE49-F238E27FC236}">
-                  <a16:creationId xmlns:a16="http://schemas.microsoft.com/office/drawing/2014/main" id="{476C3060-630D-4444-82F6-B2AC00B824B8}"/>
-                </a:ext>
-              </a:extLst>
-            </p:cNvPr>
-            <p:cNvSpPr txBox="1"/>
-            <p:nvPr/>
-          </p:nvSpPr>
-          <p:spPr>
-            <a:xfrm>
-              <a:off x="5008146" y="3827099"/>
-              <a:ext cx="1128713" cy="627864"/>
-            </a:xfrm>
-            <a:prstGeom prst="rect">
-              <a:avLst/>
-            </a:prstGeom>
-            <a:noFill/>
-          </p:spPr>
-          <p:txBody>
-            <a:bodyPr wrap="square" lIns="182880" tIns="146304" rIns="182880" bIns="146304" rtlCol="0">
-              <a:spAutoFit/>
-            </a:bodyPr>
-            <a:lstStyle/>
-            <a:p>
-              <a:pPr algn="ctr">
-                <a:lnSpc>
-                  <a:spcPct val="90000"/>
-                </a:lnSpc>
-                <a:spcAft>
-                  <a:spcPts val="600"/>
-                </a:spcAft>
-              </a:pPr>
-              <a:r>
-                <a:rPr lang="en-US" sz="1200" b="1" dirty="0">
-                  <a:solidFill>
-                    <a:schemeClr val="bg1"/>
-                  </a:solidFill>
-                </a:rPr>
-                <a:t>Continuous Integration</a:t>
-              </a:r>
-            </a:p>
-          </p:txBody>
-        </p:sp>
-        <p:sp>
-          <p:nvSpPr>
-            <p:cNvPr id="17" name="TextBox 16">
-              <a:extLst>
-                <a:ext uri="{FF2B5EF4-FFF2-40B4-BE49-F238E27FC236}">
-                  <a16:creationId xmlns:a16="http://schemas.microsoft.com/office/drawing/2014/main" id="{F8F31F79-B846-4F92-8DAE-C22A5E8B59E0}"/>
-                </a:ext>
-              </a:extLst>
-            </p:cNvPr>
-            <p:cNvSpPr txBox="1"/>
-            <p:nvPr/>
-          </p:nvSpPr>
-          <p:spPr>
-            <a:xfrm>
-              <a:off x="6496972" y="3827099"/>
-              <a:ext cx="1185717" cy="627864"/>
-            </a:xfrm>
-            <a:prstGeom prst="rect">
-              <a:avLst/>
-            </a:prstGeom>
-            <a:noFill/>
-          </p:spPr>
-          <p:txBody>
-            <a:bodyPr wrap="square" lIns="182880" tIns="146304" rIns="182880" bIns="146304" rtlCol="0">
-              <a:spAutoFit/>
-            </a:bodyPr>
-            <a:lstStyle/>
-            <a:p>
-              <a:pPr algn="ctr">
-                <a:lnSpc>
-                  <a:spcPct val="90000"/>
-                </a:lnSpc>
-                <a:spcAft>
-                  <a:spcPts val="600"/>
-                </a:spcAft>
-              </a:pPr>
-              <a:r>
-                <a:rPr lang="en-US" sz="1200" b="1" dirty="0">
-                  <a:solidFill>
-                    <a:schemeClr val="bg1"/>
-                  </a:solidFill>
-                </a:rPr>
-                <a:t>Continuous Deployment</a:t>
-              </a:r>
-            </a:p>
-          </p:txBody>
-        </p:sp>
-        <p:cxnSp>
-          <p:nvCxnSpPr>
-            <p:cNvPr id="19" name="Straight Arrow Connector 18">
-              <a:extLst>
-                <a:ext uri="{FF2B5EF4-FFF2-40B4-BE49-F238E27FC236}">
-                  <a16:creationId xmlns:a16="http://schemas.microsoft.com/office/drawing/2014/main" id="{05DD6E2E-FEAF-48AC-9159-1126C6F352B9}"/>
-                </a:ext>
-              </a:extLst>
-            </p:cNvPr>
-            <p:cNvCxnSpPr>
-              <a:cxnSpLocks/>
-            </p:cNvCxnSpPr>
-            <p:nvPr/>
-          </p:nvCxnSpPr>
-          <p:spPr>
-            <a:xfrm>
-              <a:off x="6094260" y="3467581"/>
-              <a:ext cx="316506" cy="0"/>
-            </a:xfrm>
-            <a:prstGeom prst="straightConnector1">
-              <a:avLst/>
-            </a:prstGeom>
-            <a:ln>
-              <a:solidFill>
-                <a:schemeClr val="bg1">
-                  <a:lumMod val="50000"/>
-                </a:schemeClr>
-              </a:solidFill>
-              <a:headEnd type="none"/>
-              <a:tailEnd type="triangle"/>
-            </a:ln>
-          </p:spPr>
-          <p:style>
-            <a:lnRef idx="1">
-              <a:schemeClr val="accent1"/>
-            </a:lnRef>
-            <a:fillRef idx="0">
-              <a:schemeClr val="accent1"/>
-            </a:fillRef>
-            <a:effectRef idx="0">
-              <a:schemeClr val="accent1"/>
-            </a:effectRef>
-            <a:fontRef idx="minor">
-              <a:schemeClr val="tx1"/>
-            </a:fontRef>
-          </p:style>
-        </p:cxnSp>
-        <p:cxnSp>
-          <p:nvCxnSpPr>
-            <p:cNvPr id="20" name="Straight Arrow Connector 19">
-              <a:extLst>
-                <a:ext uri="{FF2B5EF4-FFF2-40B4-BE49-F238E27FC236}">
-                  <a16:creationId xmlns:a16="http://schemas.microsoft.com/office/drawing/2014/main" id="{1DA91AF7-C2BC-4A20-BA07-2DB20D9318A2}"/>
-                </a:ext>
-              </a:extLst>
-            </p:cNvPr>
-            <p:cNvCxnSpPr>
-              <a:cxnSpLocks/>
-            </p:cNvCxnSpPr>
-            <p:nvPr/>
-          </p:nvCxnSpPr>
-          <p:spPr>
-            <a:xfrm flipV="1">
-              <a:off x="7819102" y="3460726"/>
-              <a:ext cx="2197741" cy="1"/>
-            </a:xfrm>
-            <a:prstGeom prst="straightConnector1">
-              <a:avLst/>
-            </a:prstGeom>
-            <a:ln>
-              <a:solidFill>
-                <a:schemeClr val="bg1">
-                  <a:lumMod val="50000"/>
-                </a:schemeClr>
-              </a:solidFill>
-              <a:headEnd type="none"/>
-              <a:tailEnd type="triangle"/>
-            </a:ln>
-          </p:spPr>
-          <p:style>
-            <a:lnRef idx="1">
-              <a:schemeClr val="accent1"/>
-            </a:lnRef>
-            <a:fillRef idx="0">
-              <a:schemeClr val="accent1"/>
-            </a:fillRef>
-            <a:effectRef idx="0">
-              <a:schemeClr val="accent1"/>
-            </a:effectRef>
-            <a:fontRef idx="minor">
-              <a:schemeClr val="tx1"/>
-            </a:fontRef>
-          </p:style>
-        </p:cxnSp>
-        <p:grpSp>
-          <p:nvGrpSpPr>
-            <p:cNvPr id="34" name="Group 33">
-              <a:extLst>
-                <a:ext uri="{FF2B5EF4-FFF2-40B4-BE49-F238E27FC236}">
-                  <a16:creationId xmlns:a16="http://schemas.microsoft.com/office/drawing/2014/main" id="{815B6739-AFB4-469B-B065-6A8CE0FBC121}"/>
-                </a:ext>
-              </a:extLst>
-            </p:cNvPr>
-            <p:cNvGrpSpPr/>
-            <p:nvPr/>
-          </p:nvGrpSpPr>
-          <p:grpSpPr>
-            <a:xfrm>
-              <a:off x="8993508" y="1999561"/>
-              <a:ext cx="1591109" cy="517065"/>
-              <a:chOff x="9888112" y="2331311"/>
-              <a:chExt cx="1591109" cy="517065"/>
-            </a:xfrm>
-          </p:grpSpPr>
-          <p:sp>
-            <p:nvSpPr>
-              <p:cNvPr id="22" name="TextBox 21">
-                <a:extLst>
-                  <a:ext uri="{FF2B5EF4-FFF2-40B4-BE49-F238E27FC236}">
-                    <a16:creationId xmlns:a16="http://schemas.microsoft.com/office/drawing/2014/main" id="{C07EB4B1-90AC-46E7-BF9C-24520B28C8D2}"/>
-                  </a:ext>
-                </a:extLst>
-              </p:cNvPr>
-              <p:cNvSpPr txBox="1"/>
-              <p:nvPr/>
-            </p:nvSpPr>
-            <p:spPr>
-              <a:xfrm>
-                <a:off x="9888112" y="2331311"/>
-                <a:ext cx="1591109" cy="517065"/>
-              </a:xfrm>
-              <a:prstGeom prst="rect">
-                <a:avLst/>
-              </a:prstGeom>
-              <a:noFill/>
-            </p:spPr>
-            <p:txBody>
-              <a:bodyPr wrap="square" lIns="182880" tIns="146304" rIns="182880" bIns="146304" rtlCol="0">
-                <a:spAutoFit/>
-              </a:bodyPr>
-              <a:lstStyle/>
-              <a:p>
-                <a:pPr algn="ctr">
-                  <a:lnSpc>
-                    <a:spcPct val="90000"/>
-                  </a:lnSpc>
-                  <a:spcAft>
-                    <a:spcPts val="600"/>
-                  </a:spcAft>
-                </a:pPr>
-                <a:r>
-                  <a:rPr lang="en-US" sz="1600" b="1" dirty="0">
-                    <a:solidFill>
-                      <a:schemeClr val="bg1"/>
-                    </a:solidFill>
-                  </a:rPr>
-                  <a:t>Azure</a:t>
-                </a:r>
-              </a:p>
-            </p:txBody>
-          </p:sp>
-          <p:pic>
-            <p:nvPicPr>
-              <p:cNvPr id="21" name="Picture 20">
-                <a:extLst>
-                  <a:ext uri="{FF2B5EF4-FFF2-40B4-BE49-F238E27FC236}">
-                    <a16:creationId xmlns:a16="http://schemas.microsoft.com/office/drawing/2014/main" id="{63862F9B-C237-4E51-8F84-B7CEB3B08B80}"/>
-                  </a:ext>
-                </a:extLst>
-              </p:cNvPr>
-              <p:cNvPicPr>
-                <a:picLocks noChangeAspect="1"/>
-              </p:cNvPicPr>
-              <p:nvPr/>
-            </p:nvPicPr>
-            <p:blipFill>
-              <a:blip r:embed="rId6" cstate="print">
-                <a:extLst>
-                  <a:ext uri="{28A0092B-C50C-407E-A947-70E740481C1C}">
-                    <a14:useLocalDpi xmlns:a14="http://schemas.microsoft.com/office/drawing/2010/main" val="0"/>
-                  </a:ext>
-                </a:extLst>
-              </a:blip>
-              <a:stretch>
-                <a:fillRect/>
-              </a:stretch>
-            </p:blipFill>
-            <p:spPr>
-              <a:xfrm>
-                <a:off x="10994412" y="2381342"/>
-                <a:ext cx="382470" cy="382470"/>
-              </a:xfrm>
-              <a:prstGeom prst="rect">
-                <a:avLst/>
-              </a:prstGeom>
-            </p:spPr>
-          </p:pic>
-        </p:grpSp>
-        <p:grpSp>
-          <p:nvGrpSpPr>
-            <p:cNvPr id="47" name="Group 46">
-              <a:extLst>
-                <a:ext uri="{FF2B5EF4-FFF2-40B4-BE49-F238E27FC236}">
-                  <a16:creationId xmlns:a16="http://schemas.microsoft.com/office/drawing/2014/main" id="{00895157-05E9-4E8B-90D7-1EA910665D90}"/>
-                </a:ext>
-              </a:extLst>
-            </p:cNvPr>
-            <p:cNvGrpSpPr/>
-            <p:nvPr/>
-          </p:nvGrpSpPr>
-          <p:grpSpPr>
-            <a:xfrm>
-              <a:off x="8577324" y="2486976"/>
-              <a:ext cx="1206390" cy="998405"/>
-              <a:chOff x="8577324" y="2506028"/>
-              <a:chExt cx="1206390" cy="998405"/>
-            </a:xfrm>
-          </p:grpSpPr>
-          <p:sp>
-            <p:nvSpPr>
-              <p:cNvPr id="35" name="Rectangle 34">
-                <a:extLst>
-                  <a:ext uri="{FF2B5EF4-FFF2-40B4-BE49-F238E27FC236}">
-                    <a16:creationId xmlns:a16="http://schemas.microsoft.com/office/drawing/2014/main" id="{FBA9D8B8-5971-44A5-81C2-DE4192A49A19}"/>
-                  </a:ext>
-                </a:extLst>
-              </p:cNvPr>
-              <p:cNvSpPr/>
-              <p:nvPr/>
-            </p:nvSpPr>
-            <p:spPr bwMode="auto">
-              <a:xfrm>
-                <a:off x="8640135" y="2506028"/>
-                <a:ext cx="1076276" cy="858017"/>
-              </a:xfrm>
-              <a:prstGeom prst="rect">
-                <a:avLst/>
-              </a:prstGeom>
-              <a:solidFill>
-                <a:schemeClr val="bg2">
-                  <a:lumMod val="60000"/>
-                  <a:lumOff val="40000"/>
-                </a:schemeClr>
-              </a:solidFill>
-              <a:ln>
-                <a:noFill/>
-                <a:headEnd type="none" w="med" len="med"/>
-                <a:tailEnd type="none" w="med" len="med"/>
-              </a:ln>
-              <a:effectLst/>
-            </p:spPr>
-            <p:style>
-              <a:lnRef idx="1">
-                <a:schemeClr val="accent2"/>
-              </a:lnRef>
-              <a:fillRef idx="3">
-                <a:schemeClr val="accent2"/>
-              </a:fillRef>
-              <a:effectRef idx="2">
-                <a:schemeClr val="accent2"/>
-              </a:effectRef>
-              <a:fontRef idx="minor">
-                <a:schemeClr val="lt1"/>
-              </a:fontRef>
-            </p:style>
-            <p:txBody>
-              <a:bodyPr rot="0" spcFirstLastPara="0" vertOverflow="overflow" horzOverflow="overflow" vert="horz" wrap="square" lIns="182880" tIns="146304" rIns="182880" bIns="146304" numCol="1" spcCol="0" rtlCol="0" fromWordArt="0" anchor="t" anchorCtr="0" forceAA="0" compatLnSpc="1">
-                <a:prstTxWarp prst="textNoShape">
-                  <a:avLst/>
-                </a:prstTxWarp>
-                <a:noAutofit/>
-              </a:bodyPr>
-              <a:lstStyle/>
-              <a:p>
-                <a:pPr algn="ctr" defTabSz="932472" fontAlgn="base">
-                  <a:lnSpc>
-                    <a:spcPct val="90000"/>
-                  </a:lnSpc>
-                  <a:spcBef>
-                    <a:spcPct val="0"/>
-                  </a:spcBef>
-                  <a:spcAft>
-                    <a:spcPct val="0"/>
-                  </a:spcAft>
-                </a:pPr>
-                <a:r>
-                  <a:rPr lang="en-US" sz="900" b="1" dirty="0">
-                    <a:gradFill>
-                      <a:gsLst>
-                        <a:gs pos="0">
-                          <a:srgbClr val="FFFFFF"/>
-                        </a:gs>
-                        <a:gs pos="100000">
-                          <a:srgbClr val="FFFFFF"/>
-                        </a:gs>
-                      </a:gsLst>
-                      <a:lin ang="5400000" scaled="0"/>
-                    </a:gradFill>
-                    <a:ea typeface="Segoe UI" pitchFamily="34" charset="0"/>
-                    <a:cs typeface="Segoe UI" pitchFamily="34" charset="0"/>
-                  </a:rPr>
-                  <a:t>development</a:t>
-                </a:r>
-              </a:p>
-            </p:txBody>
-          </p:sp>
-          <p:sp>
-            <p:nvSpPr>
-              <p:cNvPr id="43" name="TextBox 42">
-                <a:extLst>
-                  <a:ext uri="{FF2B5EF4-FFF2-40B4-BE49-F238E27FC236}">
-                    <a16:creationId xmlns:a16="http://schemas.microsoft.com/office/drawing/2014/main" id="{C6A64E70-6ADC-4293-A24E-238A877A01F1}"/>
-                  </a:ext>
-                </a:extLst>
-              </p:cNvPr>
-              <p:cNvSpPr txBox="1"/>
-              <p:nvPr/>
-            </p:nvSpPr>
-            <p:spPr>
-              <a:xfrm>
-                <a:off x="8577324" y="2959668"/>
-                <a:ext cx="739729" cy="544765"/>
-              </a:xfrm>
-              <a:prstGeom prst="rect">
-                <a:avLst/>
-              </a:prstGeom>
-              <a:noFill/>
-            </p:spPr>
-            <p:txBody>
-              <a:bodyPr wrap="square" lIns="182880" tIns="146304" rIns="182880" bIns="146304" rtlCol="0">
-                <a:spAutoFit/>
-              </a:bodyPr>
-              <a:lstStyle/>
-              <a:p>
-                <a:pPr algn="ctr">
-                  <a:lnSpc>
-                    <a:spcPct val="90000"/>
-                  </a:lnSpc>
-                  <a:spcAft>
-                    <a:spcPts val="600"/>
-                  </a:spcAft>
-                </a:pPr>
-                <a:r>
-                  <a:rPr lang="en-US" sz="900" b="1" dirty="0">
-                    <a:solidFill>
-                      <a:schemeClr val="bg1"/>
-                    </a:solidFill>
-                  </a:rPr>
-                  <a:t>App Service</a:t>
-                </a:r>
-              </a:p>
-            </p:txBody>
-          </p:sp>
-          <p:pic>
-            <p:nvPicPr>
-              <p:cNvPr id="42" name="Picture 41">
-                <a:extLst>
-                  <a:ext uri="{FF2B5EF4-FFF2-40B4-BE49-F238E27FC236}">
-                    <a16:creationId xmlns:a16="http://schemas.microsoft.com/office/drawing/2014/main" id="{600FB7AC-575F-484D-9CEB-2613731043DA}"/>
-                  </a:ext>
-                </a:extLst>
-              </p:cNvPr>
-              <p:cNvPicPr>
-                <a:picLocks noChangeAspect="1"/>
-              </p:cNvPicPr>
-              <p:nvPr/>
-            </p:nvPicPr>
-            <p:blipFill>
-              <a:blip r:embed="rId7" cstate="print">
-                <a:extLst>
-                  <a:ext uri="{28A0092B-C50C-407E-A947-70E740481C1C}">
-                    <a14:useLocalDpi xmlns:a14="http://schemas.microsoft.com/office/drawing/2010/main" val="0"/>
-                  </a:ext>
-                </a:extLst>
-              </a:blip>
-              <a:stretch>
-                <a:fillRect/>
-              </a:stretch>
-            </p:blipFill>
-            <p:spPr>
-              <a:xfrm>
-                <a:off x="8850393" y="2892169"/>
-                <a:ext cx="193592" cy="193592"/>
-              </a:xfrm>
-              <a:prstGeom prst="rect">
-                <a:avLst/>
-              </a:prstGeom>
-            </p:spPr>
-          </p:pic>
-          <p:sp>
-            <p:nvSpPr>
-              <p:cNvPr id="46" name="TextBox 45">
-                <a:extLst>
-                  <a:ext uri="{FF2B5EF4-FFF2-40B4-BE49-F238E27FC236}">
-                    <a16:creationId xmlns:a16="http://schemas.microsoft.com/office/drawing/2014/main" id="{B642C9D8-B998-488D-AD57-219D2041E304}"/>
-                  </a:ext>
-                </a:extLst>
-              </p:cNvPr>
-              <p:cNvSpPr txBox="1"/>
-              <p:nvPr/>
-            </p:nvSpPr>
-            <p:spPr>
-              <a:xfrm>
-                <a:off x="9043985" y="2953869"/>
-                <a:ext cx="739729" cy="544765"/>
-              </a:xfrm>
-              <a:prstGeom prst="rect">
-                <a:avLst/>
-              </a:prstGeom>
-              <a:noFill/>
-            </p:spPr>
-            <p:txBody>
-              <a:bodyPr wrap="square" lIns="182880" tIns="146304" rIns="182880" bIns="146304" rtlCol="0">
-                <a:spAutoFit/>
-              </a:bodyPr>
-              <a:lstStyle/>
-              <a:p>
-                <a:pPr algn="ctr">
-                  <a:lnSpc>
-                    <a:spcPct val="90000"/>
-                  </a:lnSpc>
-                  <a:spcAft>
-                    <a:spcPts val="600"/>
-                  </a:spcAft>
-                </a:pPr>
-                <a:r>
-                  <a:rPr lang="en-US" sz="900" b="1" dirty="0">
-                    <a:solidFill>
-                      <a:schemeClr val="bg1"/>
-                    </a:solidFill>
-                  </a:rPr>
-                  <a:t>Azure SQL</a:t>
-                </a:r>
-              </a:p>
-            </p:txBody>
-          </p:sp>
-          <p:pic>
-            <p:nvPicPr>
-              <p:cNvPr id="45" name="Picture 44">
-                <a:extLst>
-                  <a:ext uri="{FF2B5EF4-FFF2-40B4-BE49-F238E27FC236}">
-                    <a16:creationId xmlns:a16="http://schemas.microsoft.com/office/drawing/2014/main" id="{5B230F2E-7C64-4CD1-9774-21FBBFA92B41}"/>
-                  </a:ext>
-                </a:extLst>
-              </p:cNvPr>
-              <p:cNvPicPr>
-                <a:picLocks noChangeAspect="1"/>
-              </p:cNvPicPr>
-              <p:nvPr/>
-            </p:nvPicPr>
-            <p:blipFill>
-              <a:blip r:embed="rId8" cstate="print">
-                <a:extLst>
-                  <a:ext uri="{28A0092B-C50C-407E-A947-70E740481C1C}">
-                    <a14:useLocalDpi xmlns:a14="http://schemas.microsoft.com/office/drawing/2010/main" val="0"/>
-                  </a:ext>
-                </a:extLst>
-              </a:blip>
-              <a:stretch>
-                <a:fillRect/>
-              </a:stretch>
-            </p:blipFill>
-            <p:spPr>
-              <a:xfrm>
-                <a:off x="9322911" y="2881361"/>
-                <a:ext cx="204400" cy="204400"/>
-              </a:xfrm>
-              <a:prstGeom prst="rect">
-                <a:avLst/>
-              </a:prstGeom>
-            </p:spPr>
-          </p:pic>
-        </p:grpSp>
-        <p:grpSp>
-          <p:nvGrpSpPr>
-            <p:cNvPr id="48" name="Group 47">
-              <a:extLst>
-                <a:ext uri="{FF2B5EF4-FFF2-40B4-BE49-F238E27FC236}">
-                  <a16:creationId xmlns:a16="http://schemas.microsoft.com/office/drawing/2014/main" id="{03BAEAB4-E307-4B8E-BE70-CFC98CBD6A51}"/>
-                </a:ext>
-              </a:extLst>
-            </p:cNvPr>
-            <p:cNvGrpSpPr/>
-            <p:nvPr/>
-          </p:nvGrpSpPr>
-          <p:grpSpPr>
-            <a:xfrm>
-              <a:off x="10016843" y="3013941"/>
-              <a:ext cx="1206390" cy="998405"/>
-              <a:chOff x="8577324" y="2506028"/>
-              <a:chExt cx="1206390" cy="998405"/>
-            </a:xfrm>
-          </p:grpSpPr>
-          <p:sp>
-            <p:nvSpPr>
-              <p:cNvPr id="49" name="Rectangle 48">
-                <a:extLst>
-                  <a:ext uri="{FF2B5EF4-FFF2-40B4-BE49-F238E27FC236}">
-                    <a16:creationId xmlns:a16="http://schemas.microsoft.com/office/drawing/2014/main" id="{52175594-3261-47D1-958F-4083807501AD}"/>
-                  </a:ext>
-                </a:extLst>
-              </p:cNvPr>
-              <p:cNvSpPr/>
-              <p:nvPr/>
-            </p:nvSpPr>
-            <p:spPr bwMode="auto">
-              <a:xfrm>
-                <a:off x="8640135" y="2506028"/>
-                <a:ext cx="1076276" cy="858017"/>
-              </a:xfrm>
-              <a:prstGeom prst="rect">
-                <a:avLst/>
-              </a:prstGeom>
-              <a:solidFill>
-                <a:schemeClr val="bg2">
-                  <a:lumMod val="60000"/>
-                  <a:lumOff val="40000"/>
-                </a:schemeClr>
-              </a:solidFill>
-              <a:ln>
-                <a:noFill/>
-                <a:headEnd type="none" w="med" len="med"/>
-                <a:tailEnd type="none" w="med" len="med"/>
-              </a:ln>
-              <a:effectLst/>
-            </p:spPr>
-            <p:style>
-              <a:lnRef idx="1">
-                <a:schemeClr val="accent2"/>
-              </a:lnRef>
-              <a:fillRef idx="3">
-                <a:schemeClr val="accent2"/>
-              </a:fillRef>
-              <a:effectRef idx="2">
-                <a:schemeClr val="accent2"/>
-              </a:effectRef>
-              <a:fontRef idx="minor">
-                <a:schemeClr val="lt1"/>
-              </a:fontRef>
-            </p:style>
-            <p:txBody>
-              <a:bodyPr rot="0" spcFirstLastPara="0" vertOverflow="overflow" horzOverflow="overflow" vert="horz" wrap="square" lIns="182880" tIns="146304" rIns="182880" bIns="146304" numCol="1" spcCol="0" rtlCol="0" fromWordArt="0" anchor="t" anchorCtr="0" forceAA="0" compatLnSpc="1">
-                <a:prstTxWarp prst="textNoShape">
-                  <a:avLst/>
-                </a:prstTxWarp>
-                <a:noAutofit/>
-              </a:bodyPr>
-              <a:lstStyle/>
-              <a:p>
-                <a:pPr algn="ctr" defTabSz="932472" fontAlgn="base">
-                  <a:lnSpc>
-                    <a:spcPct val="90000"/>
-                  </a:lnSpc>
-                  <a:spcBef>
-                    <a:spcPct val="0"/>
-                  </a:spcBef>
-                  <a:spcAft>
-                    <a:spcPct val="0"/>
-                  </a:spcAft>
-                </a:pPr>
-                <a:r>
-                  <a:rPr lang="en-US" sz="900" b="1" dirty="0">
-                    <a:gradFill>
-                      <a:gsLst>
-                        <a:gs pos="0">
-                          <a:srgbClr val="FFFFFF"/>
-                        </a:gs>
-                        <a:gs pos="100000">
-                          <a:srgbClr val="FFFFFF"/>
-                        </a:gs>
-                      </a:gsLst>
-                      <a:lin ang="5400000" scaled="0"/>
-                    </a:gradFill>
-                    <a:ea typeface="Segoe UI" pitchFamily="34" charset="0"/>
-                    <a:cs typeface="Segoe UI" pitchFamily="34" charset="0"/>
-                  </a:rPr>
-                  <a:t>test</a:t>
-                </a:r>
-              </a:p>
-            </p:txBody>
-          </p:sp>
-          <p:sp>
-            <p:nvSpPr>
-              <p:cNvPr id="50" name="TextBox 49">
-                <a:extLst>
-                  <a:ext uri="{FF2B5EF4-FFF2-40B4-BE49-F238E27FC236}">
-                    <a16:creationId xmlns:a16="http://schemas.microsoft.com/office/drawing/2014/main" id="{979418CD-134F-463A-908E-A98F70EC88F6}"/>
-                  </a:ext>
-                </a:extLst>
-              </p:cNvPr>
-              <p:cNvSpPr txBox="1"/>
-              <p:nvPr/>
-            </p:nvSpPr>
-            <p:spPr>
-              <a:xfrm>
-                <a:off x="8577324" y="2959668"/>
-                <a:ext cx="739729" cy="544765"/>
-              </a:xfrm>
-              <a:prstGeom prst="rect">
-                <a:avLst/>
-              </a:prstGeom>
-              <a:noFill/>
-            </p:spPr>
-            <p:txBody>
-              <a:bodyPr wrap="square" lIns="182880" tIns="146304" rIns="182880" bIns="146304" rtlCol="0">
-                <a:spAutoFit/>
-              </a:bodyPr>
-              <a:lstStyle/>
-              <a:p>
-                <a:pPr algn="ctr">
-                  <a:lnSpc>
-                    <a:spcPct val="90000"/>
-                  </a:lnSpc>
-                  <a:spcAft>
-                    <a:spcPts val="600"/>
-                  </a:spcAft>
-                </a:pPr>
-                <a:r>
-                  <a:rPr lang="en-US" sz="900" b="1" dirty="0">
-                    <a:solidFill>
-                      <a:schemeClr val="bg1"/>
-                    </a:solidFill>
-                  </a:rPr>
-                  <a:t>App Service</a:t>
-                </a:r>
-              </a:p>
-            </p:txBody>
-          </p:sp>
-          <p:pic>
-            <p:nvPicPr>
-              <p:cNvPr id="51" name="Picture 50">
-                <a:extLst>
-                  <a:ext uri="{FF2B5EF4-FFF2-40B4-BE49-F238E27FC236}">
-                    <a16:creationId xmlns:a16="http://schemas.microsoft.com/office/drawing/2014/main" id="{6DAEE564-F3A9-4642-8F85-557348495503}"/>
-                  </a:ext>
-                </a:extLst>
-              </p:cNvPr>
-              <p:cNvPicPr>
-                <a:picLocks noChangeAspect="1"/>
-              </p:cNvPicPr>
-              <p:nvPr/>
-            </p:nvPicPr>
-            <p:blipFill>
-              <a:blip r:embed="rId7" cstate="print">
-                <a:extLst>
-                  <a:ext uri="{28A0092B-C50C-407E-A947-70E740481C1C}">
-                    <a14:useLocalDpi xmlns:a14="http://schemas.microsoft.com/office/drawing/2010/main" val="0"/>
-                  </a:ext>
-                </a:extLst>
-              </a:blip>
-              <a:stretch>
-                <a:fillRect/>
-              </a:stretch>
-            </p:blipFill>
-            <p:spPr>
-              <a:xfrm>
-                <a:off x="8850393" y="2892169"/>
-                <a:ext cx="193592" cy="193592"/>
-              </a:xfrm>
-              <a:prstGeom prst="rect">
-                <a:avLst/>
-              </a:prstGeom>
-            </p:spPr>
-          </p:pic>
-          <p:sp>
-            <p:nvSpPr>
-              <p:cNvPr id="52" name="TextBox 51">
-                <a:extLst>
-                  <a:ext uri="{FF2B5EF4-FFF2-40B4-BE49-F238E27FC236}">
-                    <a16:creationId xmlns:a16="http://schemas.microsoft.com/office/drawing/2014/main" id="{C37D9D57-F7B7-4EED-A901-102D99D33BF7}"/>
-                  </a:ext>
-                </a:extLst>
-              </p:cNvPr>
-              <p:cNvSpPr txBox="1"/>
-              <p:nvPr/>
-            </p:nvSpPr>
-            <p:spPr>
-              <a:xfrm>
-                <a:off x="9043985" y="2953869"/>
-                <a:ext cx="739729" cy="544765"/>
-              </a:xfrm>
-              <a:prstGeom prst="rect">
-                <a:avLst/>
-              </a:prstGeom>
-              <a:noFill/>
-            </p:spPr>
-            <p:txBody>
-              <a:bodyPr wrap="square" lIns="182880" tIns="146304" rIns="182880" bIns="146304" rtlCol="0">
-                <a:spAutoFit/>
-              </a:bodyPr>
-              <a:lstStyle/>
-              <a:p>
-                <a:pPr algn="ctr">
-                  <a:lnSpc>
-                    <a:spcPct val="90000"/>
-                  </a:lnSpc>
-                  <a:spcAft>
-                    <a:spcPts val="600"/>
-                  </a:spcAft>
-                </a:pPr>
-                <a:r>
-                  <a:rPr lang="en-US" sz="900" b="1" dirty="0">
-                    <a:solidFill>
-                      <a:schemeClr val="bg1"/>
-                    </a:solidFill>
-                  </a:rPr>
-                  <a:t>Azure SQL</a:t>
-                </a:r>
-              </a:p>
-            </p:txBody>
-          </p:sp>
-          <p:pic>
-            <p:nvPicPr>
-              <p:cNvPr id="53" name="Picture 52">
-                <a:extLst>
-                  <a:ext uri="{FF2B5EF4-FFF2-40B4-BE49-F238E27FC236}">
-                    <a16:creationId xmlns:a16="http://schemas.microsoft.com/office/drawing/2014/main" id="{E93CAF00-41CC-4F84-942F-801428782204}"/>
-                  </a:ext>
-                </a:extLst>
-              </p:cNvPr>
-              <p:cNvPicPr>
-                <a:picLocks noChangeAspect="1"/>
-              </p:cNvPicPr>
-              <p:nvPr/>
-            </p:nvPicPr>
-            <p:blipFill>
-              <a:blip r:embed="rId8" cstate="print">
-                <a:extLst>
-                  <a:ext uri="{28A0092B-C50C-407E-A947-70E740481C1C}">
-                    <a14:useLocalDpi xmlns:a14="http://schemas.microsoft.com/office/drawing/2010/main" val="0"/>
-                  </a:ext>
-                </a:extLst>
-              </a:blip>
-              <a:stretch>
-                <a:fillRect/>
-              </a:stretch>
-            </p:blipFill>
-            <p:spPr>
-              <a:xfrm>
-                <a:off x="9322911" y="2881361"/>
-                <a:ext cx="204400" cy="204400"/>
-              </a:xfrm>
-              <a:prstGeom prst="rect">
-                <a:avLst/>
-              </a:prstGeom>
-            </p:spPr>
-          </p:pic>
-        </p:grpSp>
-        <p:grpSp>
-          <p:nvGrpSpPr>
-            <p:cNvPr id="54" name="Group 53">
-              <a:extLst>
-                <a:ext uri="{FF2B5EF4-FFF2-40B4-BE49-F238E27FC236}">
-                  <a16:creationId xmlns:a16="http://schemas.microsoft.com/office/drawing/2014/main" id="{0F40A586-9316-41ED-84A3-F336109DAD9C}"/>
-                </a:ext>
-              </a:extLst>
-            </p:cNvPr>
-            <p:cNvGrpSpPr/>
-            <p:nvPr/>
-          </p:nvGrpSpPr>
-          <p:grpSpPr>
-            <a:xfrm>
-              <a:off x="8580705" y="3561298"/>
-              <a:ext cx="1206390" cy="998405"/>
-              <a:chOff x="8577324" y="2506028"/>
-              <a:chExt cx="1206390" cy="998405"/>
-            </a:xfrm>
-          </p:grpSpPr>
-          <p:sp>
-            <p:nvSpPr>
-              <p:cNvPr id="55" name="Rectangle 54">
-                <a:extLst>
-                  <a:ext uri="{FF2B5EF4-FFF2-40B4-BE49-F238E27FC236}">
-                    <a16:creationId xmlns:a16="http://schemas.microsoft.com/office/drawing/2014/main" id="{79282ECA-E157-4DEF-959C-0569137B2A82}"/>
-                  </a:ext>
-                </a:extLst>
-              </p:cNvPr>
-              <p:cNvSpPr/>
-              <p:nvPr/>
-            </p:nvSpPr>
-            <p:spPr bwMode="auto">
-              <a:xfrm>
-                <a:off x="8640135" y="2506028"/>
-                <a:ext cx="1076276" cy="858017"/>
-              </a:xfrm>
-              <a:prstGeom prst="rect">
-                <a:avLst/>
-              </a:prstGeom>
-              <a:solidFill>
-                <a:schemeClr val="bg2">
-                  <a:lumMod val="60000"/>
-                  <a:lumOff val="40000"/>
-                </a:schemeClr>
-              </a:solidFill>
-              <a:ln>
-                <a:noFill/>
-                <a:headEnd type="none" w="med" len="med"/>
-                <a:tailEnd type="none" w="med" len="med"/>
-              </a:ln>
-              <a:effectLst/>
-            </p:spPr>
-            <p:style>
-              <a:lnRef idx="1">
-                <a:schemeClr val="accent2"/>
-              </a:lnRef>
-              <a:fillRef idx="3">
-                <a:schemeClr val="accent2"/>
-              </a:fillRef>
-              <a:effectRef idx="2">
-                <a:schemeClr val="accent2"/>
-              </a:effectRef>
-              <a:fontRef idx="minor">
-                <a:schemeClr val="lt1"/>
-              </a:fontRef>
-            </p:style>
-            <p:txBody>
-              <a:bodyPr rot="0" spcFirstLastPara="0" vertOverflow="overflow" horzOverflow="overflow" vert="horz" wrap="square" lIns="182880" tIns="146304" rIns="182880" bIns="146304" numCol="1" spcCol="0" rtlCol="0" fromWordArt="0" anchor="t" anchorCtr="0" forceAA="0" compatLnSpc="1">
-                <a:prstTxWarp prst="textNoShape">
-                  <a:avLst/>
-                </a:prstTxWarp>
-                <a:noAutofit/>
-              </a:bodyPr>
-              <a:lstStyle/>
-              <a:p>
-                <a:pPr algn="ctr" defTabSz="932472" fontAlgn="base">
-                  <a:lnSpc>
-                    <a:spcPct val="90000"/>
-                  </a:lnSpc>
-                  <a:spcBef>
-                    <a:spcPct val="0"/>
-                  </a:spcBef>
-                  <a:spcAft>
-                    <a:spcPct val="0"/>
-                  </a:spcAft>
-                </a:pPr>
-                <a:r>
-                  <a:rPr lang="en-US" sz="900" b="1" dirty="0">
-                    <a:gradFill>
-                      <a:gsLst>
-                        <a:gs pos="0">
-                          <a:srgbClr val="FFFFFF"/>
-                        </a:gs>
-                        <a:gs pos="100000">
-                          <a:srgbClr val="FFFFFF"/>
-                        </a:gs>
-                      </a:gsLst>
-                      <a:lin ang="5400000" scaled="0"/>
-                    </a:gradFill>
-                    <a:ea typeface="Segoe UI" pitchFamily="34" charset="0"/>
-                    <a:cs typeface="Segoe UI" pitchFamily="34" charset="0"/>
-                  </a:rPr>
-                  <a:t>production</a:t>
-                </a:r>
-              </a:p>
-            </p:txBody>
-          </p:sp>
-          <p:sp>
-            <p:nvSpPr>
-              <p:cNvPr id="56" name="TextBox 55">
-                <a:extLst>
-                  <a:ext uri="{FF2B5EF4-FFF2-40B4-BE49-F238E27FC236}">
-                    <a16:creationId xmlns:a16="http://schemas.microsoft.com/office/drawing/2014/main" id="{5E67D748-6871-4959-A18F-05FAB1F9D8BB}"/>
-                  </a:ext>
-                </a:extLst>
-              </p:cNvPr>
-              <p:cNvSpPr txBox="1"/>
-              <p:nvPr/>
-            </p:nvSpPr>
-            <p:spPr>
-              <a:xfrm>
-                <a:off x="8577324" y="2959668"/>
-                <a:ext cx="739729" cy="544765"/>
-              </a:xfrm>
-              <a:prstGeom prst="rect">
-                <a:avLst/>
-              </a:prstGeom>
-              <a:noFill/>
-            </p:spPr>
-            <p:txBody>
-              <a:bodyPr wrap="square" lIns="182880" tIns="146304" rIns="182880" bIns="146304" rtlCol="0">
-                <a:spAutoFit/>
-              </a:bodyPr>
-              <a:lstStyle/>
-              <a:p>
-                <a:pPr algn="ctr">
-                  <a:lnSpc>
-                    <a:spcPct val="90000"/>
-                  </a:lnSpc>
-                  <a:spcAft>
-                    <a:spcPts val="600"/>
-                  </a:spcAft>
-                </a:pPr>
-                <a:r>
-                  <a:rPr lang="en-US" sz="900" b="1" dirty="0">
-                    <a:solidFill>
-                      <a:schemeClr val="bg1"/>
-                    </a:solidFill>
-                  </a:rPr>
-                  <a:t>App Service</a:t>
-                </a:r>
-              </a:p>
-            </p:txBody>
-          </p:sp>
-          <p:pic>
-            <p:nvPicPr>
-              <p:cNvPr id="57" name="Picture 56">
-                <a:extLst>
-                  <a:ext uri="{FF2B5EF4-FFF2-40B4-BE49-F238E27FC236}">
-                    <a16:creationId xmlns:a16="http://schemas.microsoft.com/office/drawing/2014/main" id="{C38A4DA4-34AF-4BB3-B7EE-E22517106D23}"/>
-                  </a:ext>
-                </a:extLst>
-              </p:cNvPr>
-              <p:cNvPicPr>
-                <a:picLocks noChangeAspect="1"/>
-              </p:cNvPicPr>
-              <p:nvPr/>
-            </p:nvPicPr>
-            <p:blipFill>
-              <a:blip r:embed="rId7" cstate="print">
-                <a:extLst>
-                  <a:ext uri="{28A0092B-C50C-407E-A947-70E740481C1C}">
-                    <a14:useLocalDpi xmlns:a14="http://schemas.microsoft.com/office/drawing/2010/main" val="0"/>
-                  </a:ext>
-                </a:extLst>
-              </a:blip>
-              <a:stretch>
-                <a:fillRect/>
-              </a:stretch>
-            </p:blipFill>
-            <p:spPr>
-              <a:xfrm>
-                <a:off x="8850393" y="2892169"/>
-                <a:ext cx="193592" cy="193592"/>
-              </a:xfrm>
-              <a:prstGeom prst="rect">
-                <a:avLst/>
-              </a:prstGeom>
-            </p:spPr>
-          </p:pic>
-          <p:sp>
-            <p:nvSpPr>
-              <p:cNvPr id="58" name="TextBox 57">
-                <a:extLst>
-                  <a:ext uri="{FF2B5EF4-FFF2-40B4-BE49-F238E27FC236}">
-                    <a16:creationId xmlns:a16="http://schemas.microsoft.com/office/drawing/2014/main" id="{8D9399A2-681E-4B4D-9373-2F2675FADE8A}"/>
-                  </a:ext>
-                </a:extLst>
-              </p:cNvPr>
-              <p:cNvSpPr txBox="1"/>
-              <p:nvPr/>
-            </p:nvSpPr>
-            <p:spPr>
-              <a:xfrm>
-                <a:off x="9043985" y="2953869"/>
-                <a:ext cx="739729" cy="544765"/>
-              </a:xfrm>
-              <a:prstGeom prst="rect">
-                <a:avLst/>
-              </a:prstGeom>
-              <a:noFill/>
-            </p:spPr>
-            <p:txBody>
-              <a:bodyPr wrap="square" lIns="182880" tIns="146304" rIns="182880" bIns="146304" rtlCol="0">
-                <a:spAutoFit/>
-              </a:bodyPr>
-              <a:lstStyle/>
-              <a:p>
-                <a:pPr algn="ctr">
-                  <a:lnSpc>
-                    <a:spcPct val="90000"/>
-                  </a:lnSpc>
-                  <a:spcAft>
-                    <a:spcPts val="600"/>
-                  </a:spcAft>
-                </a:pPr>
-                <a:r>
-                  <a:rPr lang="en-US" sz="900" b="1" dirty="0">
-                    <a:solidFill>
-                      <a:schemeClr val="bg1"/>
-                    </a:solidFill>
-                  </a:rPr>
-                  <a:t>Azure SQL</a:t>
-                </a:r>
-              </a:p>
-            </p:txBody>
-          </p:sp>
-          <p:pic>
-            <p:nvPicPr>
-              <p:cNvPr id="59" name="Picture 58">
-                <a:extLst>
-                  <a:ext uri="{FF2B5EF4-FFF2-40B4-BE49-F238E27FC236}">
-                    <a16:creationId xmlns:a16="http://schemas.microsoft.com/office/drawing/2014/main" id="{95C3DE0E-A204-41D0-B8EA-6107F481651E}"/>
-                  </a:ext>
-                </a:extLst>
-              </p:cNvPr>
-              <p:cNvPicPr>
-                <a:picLocks noChangeAspect="1"/>
-              </p:cNvPicPr>
-              <p:nvPr/>
-            </p:nvPicPr>
-            <p:blipFill>
-              <a:blip r:embed="rId8" cstate="print">
-                <a:extLst>
-                  <a:ext uri="{28A0092B-C50C-407E-A947-70E740481C1C}">
-                    <a14:useLocalDpi xmlns:a14="http://schemas.microsoft.com/office/drawing/2010/main" val="0"/>
-                  </a:ext>
-                </a:extLst>
-              </a:blip>
-              <a:stretch>
-                <a:fillRect/>
-              </a:stretch>
-            </p:blipFill>
-            <p:spPr>
-              <a:xfrm>
-                <a:off x="9322911" y="2881361"/>
-                <a:ext cx="204400" cy="204400"/>
-              </a:xfrm>
-              <a:prstGeom prst="rect">
-                <a:avLst/>
-              </a:prstGeom>
-            </p:spPr>
-          </p:pic>
-        </p:grpSp>
-        <p:grpSp>
-          <p:nvGrpSpPr>
-            <p:cNvPr id="60" name="Group 59">
-              <a:extLst>
-                <a:ext uri="{FF2B5EF4-FFF2-40B4-BE49-F238E27FC236}">
-                  <a16:creationId xmlns:a16="http://schemas.microsoft.com/office/drawing/2014/main" id="{AD9EE178-E2FA-467D-9FF9-06D256BB3CA7}"/>
-                </a:ext>
-              </a:extLst>
-            </p:cNvPr>
-            <p:cNvGrpSpPr/>
-            <p:nvPr/>
-          </p:nvGrpSpPr>
-          <p:grpSpPr>
-            <a:xfrm>
-              <a:off x="8821295" y="4589707"/>
-              <a:ext cx="1924498" cy="461665"/>
-              <a:chOff x="9298735" y="4498682"/>
-              <a:chExt cx="1924498" cy="461665"/>
-            </a:xfrm>
-          </p:grpSpPr>
-          <p:sp>
-            <p:nvSpPr>
-              <p:cNvPr id="32" name="TextBox 31">
-                <a:extLst>
-                  <a:ext uri="{FF2B5EF4-FFF2-40B4-BE49-F238E27FC236}">
-                    <a16:creationId xmlns:a16="http://schemas.microsoft.com/office/drawing/2014/main" id="{5B5BBC6E-0F61-48D3-A022-812C13620B05}"/>
-                  </a:ext>
-                </a:extLst>
-              </p:cNvPr>
-              <p:cNvSpPr txBox="1"/>
-              <p:nvPr/>
-            </p:nvSpPr>
-            <p:spPr>
-              <a:xfrm>
-                <a:off x="9298735" y="4498682"/>
-                <a:ext cx="1924498" cy="461665"/>
-              </a:xfrm>
-              <a:prstGeom prst="rect">
-                <a:avLst/>
-              </a:prstGeom>
-              <a:noFill/>
-            </p:spPr>
-            <p:txBody>
-              <a:bodyPr wrap="square" lIns="182880" tIns="146304" rIns="182880" bIns="146304" rtlCol="0">
-                <a:spAutoFit/>
-              </a:bodyPr>
-              <a:lstStyle/>
-              <a:p>
-                <a:pPr algn="ctr">
-                  <a:lnSpc>
-                    <a:spcPct val="90000"/>
-                  </a:lnSpc>
-                  <a:spcAft>
-                    <a:spcPts val="600"/>
-                  </a:spcAft>
-                </a:pPr>
-                <a:r>
-                  <a:rPr lang="en-US" sz="1100" b="1" dirty="0">
-                    <a:solidFill>
-                      <a:schemeClr val="bg1"/>
-                    </a:solidFill>
-                  </a:rPr>
-                  <a:t>Application Insights</a:t>
-                </a:r>
-              </a:p>
-            </p:txBody>
-          </p:sp>
-          <p:pic>
-            <p:nvPicPr>
-              <p:cNvPr id="31" name="Picture 30">
-                <a:extLst>
-                  <a:ext uri="{FF2B5EF4-FFF2-40B4-BE49-F238E27FC236}">
-                    <a16:creationId xmlns:a16="http://schemas.microsoft.com/office/drawing/2014/main" id="{E46132AA-E846-4081-A97D-337A6958527F}"/>
-                  </a:ext>
-                </a:extLst>
-              </p:cNvPr>
-              <p:cNvPicPr>
-                <a:picLocks noChangeAspect="1"/>
-              </p:cNvPicPr>
-              <p:nvPr/>
-            </p:nvPicPr>
-            <p:blipFill>
-              <a:blip r:embed="rId9" cstate="print">
-                <a:extLst>
-                  <a:ext uri="{28A0092B-C50C-407E-A947-70E740481C1C}">
-                    <a14:useLocalDpi xmlns:a14="http://schemas.microsoft.com/office/drawing/2010/main" val="0"/>
-                  </a:ext>
-                </a:extLst>
-              </a:blip>
-              <a:stretch>
-                <a:fillRect/>
-              </a:stretch>
-            </p:blipFill>
-            <p:spPr>
-              <a:xfrm>
-                <a:off x="10853368" y="4603762"/>
-                <a:ext cx="251503" cy="251503"/>
-              </a:xfrm>
-              <a:prstGeom prst="rect">
-                <a:avLst/>
-              </a:prstGeom>
-            </p:spPr>
-          </p:pic>
-        </p:grpSp>
-        <p:cxnSp>
-          <p:nvCxnSpPr>
-            <p:cNvPr id="62" name="Straight Arrow Connector 61">
-              <a:extLst>
-                <a:ext uri="{FF2B5EF4-FFF2-40B4-BE49-F238E27FC236}">
-                  <a16:creationId xmlns:a16="http://schemas.microsoft.com/office/drawing/2014/main" id="{387A355A-79E9-4C9D-8259-99B3648BA00F}"/>
-                </a:ext>
-              </a:extLst>
-            </p:cNvPr>
-            <p:cNvCxnSpPr>
-              <a:cxnSpLocks/>
-            </p:cNvCxnSpPr>
-            <p:nvPr/>
-          </p:nvCxnSpPr>
-          <p:spPr>
-            <a:xfrm>
-              <a:off x="7819101" y="3500801"/>
-              <a:ext cx="794720" cy="534430"/>
-            </a:xfrm>
-            <a:prstGeom prst="straightConnector1">
-              <a:avLst/>
-            </a:prstGeom>
-            <a:ln>
-              <a:solidFill>
-                <a:schemeClr val="bg1">
-                  <a:lumMod val="50000"/>
-                </a:schemeClr>
-              </a:solidFill>
-              <a:headEnd type="none"/>
-              <a:tailEnd type="triangle"/>
-            </a:ln>
-          </p:spPr>
-          <p:style>
-            <a:lnRef idx="1">
-              <a:schemeClr val="accent1"/>
-            </a:lnRef>
-            <a:fillRef idx="0">
-              <a:schemeClr val="accent1"/>
-            </a:fillRef>
-            <a:effectRef idx="0">
-              <a:schemeClr val="accent1"/>
-            </a:effectRef>
-            <a:fontRef idx="minor">
-              <a:schemeClr val="tx1"/>
-            </a:fontRef>
-          </p:style>
-        </p:cxnSp>
-        <p:cxnSp>
-          <p:nvCxnSpPr>
-            <p:cNvPr id="64" name="Straight Arrow Connector 63">
-              <a:extLst>
-                <a:ext uri="{FF2B5EF4-FFF2-40B4-BE49-F238E27FC236}">
-                  <a16:creationId xmlns:a16="http://schemas.microsoft.com/office/drawing/2014/main" id="{03E8E8C4-01F8-478A-95E8-F8AFF54E6383}"/>
-                </a:ext>
-              </a:extLst>
-            </p:cNvPr>
-            <p:cNvCxnSpPr>
-              <a:cxnSpLocks/>
-            </p:cNvCxnSpPr>
-            <p:nvPr/>
-          </p:nvCxnSpPr>
-          <p:spPr>
-            <a:xfrm flipV="1">
-              <a:off x="7821658" y="2925196"/>
-              <a:ext cx="765886" cy="476542"/>
-            </a:xfrm>
-            <a:prstGeom prst="straightConnector1">
-              <a:avLst/>
-            </a:prstGeom>
-            <a:ln>
-              <a:solidFill>
-                <a:schemeClr val="bg1">
-                  <a:lumMod val="50000"/>
-                </a:schemeClr>
-              </a:solidFill>
-              <a:headEnd type="none"/>
-              <a:tailEnd type="triangle"/>
-            </a:ln>
-          </p:spPr>
-          <p:style>
-            <a:lnRef idx="1">
-              <a:schemeClr val="accent1"/>
-            </a:lnRef>
-            <a:fillRef idx="0">
-              <a:schemeClr val="accent1"/>
-            </a:fillRef>
-            <a:effectRef idx="0">
-              <a:schemeClr val="accent1"/>
-            </a:effectRef>
-            <a:fontRef idx="minor">
-              <a:schemeClr val="tx1"/>
-            </a:fontRef>
-          </p:style>
-        </p:cxnSp>
-        <p:grpSp>
-          <p:nvGrpSpPr>
-            <p:cNvPr id="75" name="Group 74">
-              <a:extLst>
-                <a:ext uri="{FF2B5EF4-FFF2-40B4-BE49-F238E27FC236}">
-                  <a16:creationId xmlns:a16="http://schemas.microsoft.com/office/drawing/2014/main" id="{1928E889-DF8F-4143-AC81-660B667C75CA}"/>
-                </a:ext>
-              </a:extLst>
-            </p:cNvPr>
-            <p:cNvGrpSpPr/>
-            <p:nvPr/>
-          </p:nvGrpSpPr>
-          <p:grpSpPr>
-            <a:xfrm>
-              <a:off x="8587544" y="4525877"/>
-              <a:ext cx="2635689" cy="121755"/>
-              <a:chOff x="8587544" y="4373477"/>
-              <a:chExt cx="2635689" cy="121755"/>
-            </a:xfrm>
-          </p:grpSpPr>
-          <p:cxnSp>
-            <p:nvCxnSpPr>
-              <p:cNvPr id="69" name="Straight Connector 68">
-                <a:extLst>
-                  <a:ext uri="{FF2B5EF4-FFF2-40B4-BE49-F238E27FC236}">
-                    <a16:creationId xmlns:a16="http://schemas.microsoft.com/office/drawing/2014/main" id="{1985135F-3DCB-4B86-93A7-8A16579DBA1B}"/>
-                  </a:ext>
-                </a:extLst>
-              </p:cNvPr>
-              <p:cNvCxnSpPr>
-                <a:cxnSpLocks/>
-              </p:cNvCxnSpPr>
-              <p:nvPr/>
-            </p:nvCxnSpPr>
-            <p:spPr>
-              <a:xfrm>
-                <a:off x="8587544" y="4495232"/>
-                <a:ext cx="2635689" cy="0"/>
-              </a:xfrm>
-              <a:prstGeom prst="line">
-                <a:avLst/>
-              </a:prstGeom>
-              <a:ln w="19050">
-                <a:solidFill>
-                  <a:schemeClr val="bg1"/>
-                </a:solidFill>
-                <a:headEnd type="none"/>
-                <a:tailEnd type="none"/>
-              </a:ln>
-            </p:spPr>
-            <p:style>
-              <a:lnRef idx="1">
-                <a:schemeClr val="accent1"/>
-              </a:lnRef>
-              <a:fillRef idx="0">
-                <a:schemeClr val="accent1"/>
-              </a:fillRef>
-              <a:effectRef idx="0">
-                <a:schemeClr val="accent1"/>
-              </a:effectRef>
-              <a:fontRef idx="minor">
-                <a:schemeClr val="tx1"/>
-              </a:fontRef>
-            </p:style>
-          </p:cxnSp>
-          <p:cxnSp>
-            <p:nvCxnSpPr>
-              <p:cNvPr id="72" name="Straight Connector 71">
-                <a:extLst>
-                  <a:ext uri="{FF2B5EF4-FFF2-40B4-BE49-F238E27FC236}">
-                    <a16:creationId xmlns:a16="http://schemas.microsoft.com/office/drawing/2014/main" id="{08943D53-8960-4522-9BA0-BC128737084E}"/>
-                  </a:ext>
-                </a:extLst>
-              </p:cNvPr>
-              <p:cNvCxnSpPr>
-                <a:cxnSpLocks/>
-              </p:cNvCxnSpPr>
-              <p:nvPr/>
-            </p:nvCxnSpPr>
-            <p:spPr>
-              <a:xfrm flipV="1">
-                <a:off x="8588814" y="4373477"/>
-                <a:ext cx="0" cy="117945"/>
-              </a:xfrm>
-              <a:prstGeom prst="line">
-                <a:avLst/>
-              </a:prstGeom>
-              <a:ln w="19050">
-                <a:solidFill>
-                  <a:schemeClr val="bg1"/>
-                </a:solidFill>
-                <a:headEnd type="none"/>
-                <a:tailEnd type="none"/>
-              </a:ln>
-            </p:spPr>
-            <p:style>
-              <a:lnRef idx="1">
-                <a:schemeClr val="accent1"/>
-              </a:lnRef>
-              <a:fillRef idx="0">
-                <a:schemeClr val="accent1"/>
-              </a:fillRef>
-              <a:effectRef idx="0">
-                <a:schemeClr val="accent1"/>
-              </a:effectRef>
-              <a:fontRef idx="minor">
-                <a:schemeClr val="tx1"/>
-              </a:fontRef>
-            </p:style>
-          </p:cxnSp>
-          <p:cxnSp>
-            <p:nvCxnSpPr>
-              <p:cNvPr id="74" name="Straight Connector 73">
-                <a:extLst>
-                  <a:ext uri="{FF2B5EF4-FFF2-40B4-BE49-F238E27FC236}">
-                    <a16:creationId xmlns:a16="http://schemas.microsoft.com/office/drawing/2014/main" id="{E5C80895-D361-4581-A12A-433F0B7B7370}"/>
-                  </a:ext>
-                </a:extLst>
-              </p:cNvPr>
-              <p:cNvCxnSpPr>
-                <a:cxnSpLocks/>
-              </p:cNvCxnSpPr>
-              <p:nvPr/>
-            </p:nvCxnSpPr>
-            <p:spPr>
-              <a:xfrm flipV="1">
-                <a:off x="11215417" y="4377287"/>
-                <a:ext cx="0" cy="117945"/>
-              </a:xfrm>
-              <a:prstGeom prst="line">
-                <a:avLst/>
-              </a:prstGeom>
-              <a:ln w="19050">
-                <a:solidFill>
-                  <a:schemeClr val="bg1"/>
-                </a:solidFill>
-                <a:headEnd type="none"/>
-                <a:tailEnd type="none"/>
-              </a:ln>
-            </p:spPr>
-            <p:style>
-              <a:lnRef idx="1">
-                <a:schemeClr val="accent1"/>
-              </a:lnRef>
-              <a:fillRef idx="0">
-                <a:schemeClr val="accent1"/>
-              </a:fillRef>
-              <a:effectRef idx="0">
-                <a:schemeClr val="accent1"/>
-              </a:effectRef>
-              <a:fontRef idx="minor">
-                <a:schemeClr val="tx1"/>
-              </a:fontRef>
-            </p:style>
-          </p:cxnSp>
-        </p:grpSp>
-        <p:cxnSp>
-          <p:nvCxnSpPr>
-            <p:cNvPr id="65" name="Straight Arrow Connector 64">
-              <a:extLst>
-                <a:ext uri="{FF2B5EF4-FFF2-40B4-BE49-F238E27FC236}">
-                  <a16:creationId xmlns:a16="http://schemas.microsoft.com/office/drawing/2014/main" id="{F9A19C74-9579-4F0F-BC11-9C66B9EB2835}"/>
-                </a:ext>
-              </a:extLst>
-            </p:cNvPr>
-            <p:cNvCxnSpPr>
-              <a:cxnSpLocks/>
-            </p:cNvCxnSpPr>
-            <p:nvPr/>
-          </p:nvCxnSpPr>
-          <p:spPr>
-            <a:xfrm flipV="1">
-              <a:off x="4529418" y="3467199"/>
-              <a:ext cx="549631" cy="382"/>
-            </a:xfrm>
-            <a:prstGeom prst="straightConnector1">
-              <a:avLst/>
-            </a:prstGeom>
-            <a:ln>
-              <a:solidFill>
-                <a:schemeClr val="bg1">
-                  <a:lumMod val="50000"/>
-                </a:schemeClr>
-              </a:solidFill>
-              <a:headEnd type="none"/>
-              <a:tailEnd type="triangle"/>
-            </a:ln>
-          </p:spPr>
-          <p:style>
-            <a:lnRef idx="1">
-              <a:schemeClr val="accent1"/>
-            </a:lnRef>
-            <a:fillRef idx="0">
-              <a:schemeClr val="accent1"/>
-            </a:fillRef>
-            <a:effectRef idx="0">
-              <a:schemeClr val="accent1"/>
-            </a:effectRef>
-            <a:fontRef idx="minor">
-              <a:schemeClr val="tx1"/>
-            </a:fontRef>
-          </p:style>
-        </p:cxnSp>
-        <p:sp>
-          <p:nvSpPr>
-            <p:cNvPr id="66" name="TextBox 65">
-              <a:extLst>
-                <a:ext uri="{FF2B5EF4-FFF2-40B4-BE49-F238E27FC236}">
-                  <a16:creationId xmlns:a16="http://schemas.microsoft.com/office/drawing/2014/main" id="{A067B8A3-B08D-4C0B-964E-F3D174D62722}"/>
-                </a:ext>
-              </a:extLst>
-            </p:cNvPr>
-            <p:cNvSpPr txBox="1"/>
-            <p:nvPr/>
-          </p:nvSpPr>
-          <p:spPr>
-            <a:xfrm>
-              <a:off x="2479144" y="3539599"/>
-              <a:ext cx="1320599" cy="794064"/>
-            </a:xfrm>
-            <a:prstGeom prst="rect">
-              <a:avLst/>
-            </a:prstGeom>
-            <a:noFill/>
-          </p:spPr>
-          <p:txBody>
-            <a:bodyPr wrap="square" lIns="182880" tIns="146304" rIns="182880" bIns="146304" rtlCol="0">
-              <a:spAutoFit/>
-            </a:bodyPr>
-            <a:lstStyle/>
-            <a:p>
-              <a:pPr algn="ctr">
-                <a:lnSpc>
-                  <a:spcPct val="90000"/>
-                </a:lnSpc>
-                <a:spcAft>
-                  <a:spcPts val="600"/>
-                </a:spcAft>
-              </a:pPr>
-              <a:r>
-                <a:rPr lang="en-US" sz="1200" b="1" dirty="0">
-                  <a:solidFill>
-                    <a:schemeClr val="bg1"/>
-                  </a:solidFill>
-                </a:rPr>
-                <a:t>Create a Pull Request for peer review</a:t>
-              </a:r>
-            </a:p>
-          </p:txBody>
-        </p:sp>
-        <p:pic>
-          <p:nvPicPr>
-            <p:cNvPr id="67" name="Picture 66">
-              <a:extLst>
-                <a:ext uri="{FF2B5EF4-FFF2-40B4-BE49-F238E27FC236}">
-                  <a16:creationId xmlns:a16="http://schemas.microsoft.com/office/drawing/2014/main" id="{A697DEE4-4FBB-4759-A227-BCAAC11CAC99}"/>
-                </a:ext>
-              </a:extLst>
-            </p:cNvPr>
-            <p:cNvPicPr>
-              <a:picLocks noChangeAspect="1"/>
-            </p:cNvPicPr>
-            <p:nvPr/>
-          </p:nvPicPr>
-          <p:blipFill>
-            <a:blip r:embed="rId4" cstate="print">
-              <a:extLst>
-                <a:ext uri="{28A0092B-C50C-407E-A947-70E740481C1C}">
-                  <a14:useLocalDpi xmlns:a14="http://schemas.microsoft.com/office/drawing/2010/main" val="0"/>
-                </a:ext>
-              </a:extLst>
-            </a:blip>
-            <a:stretch>
-              <a:fillRect/>
-            </a:stretch>
-          </p:blipFill>
-          <p:spPr>
-            <a:xfrm>
-              <a:off x="2883857" y="3072609"/>
-              <a:ext cx="472161" cy="472161"/>
-            </a:xfrm>
-            <a:prstGeom prst="rect">
-              <a:avLst/>
-            </a:prstGeom>
-          </p:spPr>
-        </p:pic>
-        <p:sp>
-          <p:nvSpPr>
-            <p:cNvPr id="71" name="TextBox 70">
-              <a:extLst>
-                <a:ext uri="{FF2B5EF4-FFF2-40B4-BE49-F238E27FC236}">
-                  <a16:creationId xmlns:a16="http://schemas.microsoft.com/office/drawing/2014/main" id="{83D51CA5-FD4F-4DC9-97C3-8FB44C349CD2}"/>
-                </a:ext>
-              </a:extLst>
-            </p:cNvPr>
-            <p:cNvSpPr txBox="1"/>
-            <p:nvPr/>
-          </p:nvSpPr>
-          <p:spPr>
-            <a:xfrm>
-              <a:off x="3564140" y="3550407"/>
-              <a:ext cx="1320599" cy="627864"/>
-            </a:xfrm>
-            <a:prstGeom prst="rect">
-              <a:avLst/>
-            </a:prstGeom>
-            <a:noFill/>
-          </p:spPr>
-          <p:txBody>
-            <a:bodyPr wrap="square" lIns="182880" tIns="146304" rIns="182880" bIns="146304" rtlCol="0">
-              <a:spAutoFit/>
-            </a:bodyPr>
-            <a:lstStyle/>
-            <a:p>
-              <a:pPr algn="ctr">
-                <a:lnSpc>
-                  <a:spcPct val="90000"/>
-                </a:lnSpc>
-                <a:spcAft>
-                  <a:spcPts val="600"/>
-                </a:spcAft>
-              </a:pPr>
-              <a:r>
-                <a:rPr lang="en-US" sz="1200" b="1" dirty="0">
-                  <a:solidFill>
-                    <a:schemeClr val="bg1"/>
-                  </a:solidFill>
-                </a:rPr>
-                <a:t>Merge to master</a:t>
-              </a:r>
-            </a:p>
-          </p:txBody>
-        </p:sp>
-        <p:pic>
-          <p:nvPicPr>
-            <p:cNvPr id="73" name="Picture 72">
-              <a:extLst>
-                <a:ext uri="{FF2B5EF4-FFF2-40B4-BE49-F238E27FC236}">
-                  <a16:creationId xmlns:a16="http://schemas.microsoft.com/office/drawing/2014/main" id="{B8D97F0B-468D-4104-8724-FEB134D4F5A1}"/>
-                </a:ext>
-              </a:extLst>
-            </p:cNvPr>
-            <p:cNvPicPr>
-              <a:picLocks noChangeAspect="1"/>
-            </p:cNvPicPr>
-            <p:nvPr/>
-          </p:nvPicPr>
-          <p:blipFill>
-            <a:blip r:embed="rId4" cstate="print">
-              <a:extLst>
-                <a:ext uri="{28A0092B-C50C-407E-A947-70E740481C1C}">
-                  <a14:useLocalDpi xmlns:a14="http://schemas.microsoft.com/office/drawing/2010/main" val="0"/>
-                </a:ext>
-              </a:extLst>
-            </a:blip>
-            <a:stretch>
-              <a:fillRect/>
-            </a:stretch>
-          </p:blipFill>
-          <p:spPr>
-            <a:xfrm>
-              <a:off x="3968853" y="3083417"/>
-              <a:ext cx="472161" cy="472161"/>
-            </a:xfrm>
-            <a:prstGeom prst="rect">
-              <a:avLst/>
-            </a:prstGeom>
-          </p:spPr>
-        </p:pic>
-        <p:cxnSp>
-          <p:nvCxnSpPr>
-            <p:cNvPr id="76" name="Straight Arrow Connector 75">
-              <a:extLst>
-                <a:ext uri="{FF2B5EF4-FFF2-40B4-BE49-F238E27FC236}">
-                  <a16:creationId xmlns:a16="http://schemas.microsoft.com/office/drawing/2014/main" id="{A3EAD52A-A358-48F8-9ECD-DE98470B2BCC}"/>
-                </a:ext>
-              </a:extLst>
-            </p:cNvPr>
-            <p:cNvCxnSpPr>
-              <a:cxnSpLocks/>
-            </p:cNvCxnSpPr>
-            <p:nvPr/>
-          </p:nvCxnSpPr>
-          <p:spPr>
-            <a:xfrm flipV="1">
-              <a:off x="3448050" y="3466817"/>
-              <a:ext cx="469576" cy="382"/>
-            </a:xfrm>
-            <a:prstGeom prst="straightConnector1">
-              <a:avLst/>
-            </a:prstGeom>
-            <a:ln>
-              <a:solidFill>
-                <a:schemeClr val="bg1">
-                  <a:lumMod val="50000"/>
-                </a:schemeClr>
-              </a:solidFill>
-              <a:headEnd type="none"/>
-              <a:tailEnd type="triangle"/>
-            </a:ln>
-          </p:spPr>
-          <p:style>
-            <a:lnRef idx="1">
-              <a:schemeClr val="accent1"/>
-            </a:lnRef>
-            <a:fillRef idx="0">
-              <a:schemeClr val="accent1"/>
-            </a:fillRef>
-            <a:effectRef idx="0">
-              <a:schemeClr val="accent1"/>
-            </a:effectRef>
-            <a:fontRef idx="minor">
-              <a:schemeClr val="tx1"/>
-            </a:fontRef>
-          </p:style>
-        </p:cxnSp>
-        <p:cxnSp>
-          <p:nvCxnSpPr>
-            <p:cNvPr id="77" name="Straight Arrow Connector 76">
-              <a:extLst>
-                <a:ext uri="{FF2B5EF4-FFF2-40B4-BE49-F238E27FC236}">
-                  <a16:creationId xmlns:a16="http://schemas.microsoft.com/office/drawing/2014/main" id="{B5686A60-6BF8-421A-9BE1-A9AC299E4EF9}"/>
-                </a:ext>
-              </a:extLst>
-            </p:cNvPr>
-            <p:cNvCxnSpPr>
-              <a:cxnSpLocks/>
-            </p:cNvCxnSpPr>
-            <p:nvPr/>
-          </p:nvCxnSpPr>
-          <p:spPr>
-            <a:xfrm>
-              <a:off x="2264878" y="3467199"/>
-              <a:ext cx="468797" cy="0"/>
-            </a:xfrm>
-            <a:prstGeom prst="straightConnector1">
-              <a:avLst/>
-            </a:prstGeom>
-            <a:ln>
-              <a:solidFill>
-                <a:schemeClr val="bg1">
-                  <a:lumMod val="50000"/>
-                </a:schemeClr>
-              </a:solidFill>
-              <a:headEnd type="none"/>
-              <a:tailEnd type="triangle"/>
-            </a:ln>
-          </p:spPr>
-          <p:style>
-            <a:lnRef idx="1">
-              <a:schemeClr val="accent1"/>
-            </a:lnRef>
-            <a:fillRef idx="0">
-              <a:schemeClr val="accent1"/>
-            </a:fillRef>
-            <a:effectRef idx="0">
-              <a:schemeClr val="accent1"/>
-            </a:effectRef>
-            <a:fontRef idx="minor">
-              <a:schemeClr val="tx1"/>
-            </a:fontRef>
-          </p:style>
-        </p:cxnSp>
-        <p:cxnSp>
-          <p:nvCxnSpPr>
-            <p:cNvPr id="78" name="Straight Arrow Connector 77">
-              <a:extLst>
-                <a:ext uri="{FF2B5EF4-FFF2-40B4-BE49-F238E27FC236}">
-                  <a16:creationId xmlns:a16="http://schemas.microsoft.com/office/drawing/2014/main" id="{8B2CF5C8-9349-495B-824E-DA85466383E0}"/>
-                </a:ext>
-              </a:extLst>
-            </p:cNvPr>
-            <p:cNvCxnSpPr>
-              <a:cxnSpLocks/>
-            </p:cNvCxnSpPr>
-            <p:nvPr/>
-          </p:nvCxnSpPr>
-          <p:spPr>
-            <a:xfrm>
-              <a:off x="1031385" y="3467199"/>
-              <a:ext cx="468797" cy="0"/>
-            </a:xfrm>
-            <a:prstGeom prst="straightConnector1">
-              <a:avLst/>
-            </a:prstGeom>
-            <a:ln>
-              <a:solidFill>
-                <a:schemeClr val="bg1">
-                  <a:lumMod val="50000"/>
-                </a:schemeClr>
-              </a:solidFill>
-              <a:headEnd type="none"/>
-              <a:tailEnd type="triangle"/>
-            </a:ln>
-          </p:spPr>
-          <p:style>
-            <a:lnRef idx="1">
-              <a:schemeClr val="accent1"/>
-            </a:lnRef>
-            <a:fillRef idx="0">
-              <a:schemeClr val="accent1"/>
-            </a:fillRef>
-            <a:effectRef idx="0">
-              <a:schemeClr val="accent1"/>
-            </a:effectRef>
-            <a:fontRef idx="minor">
-              <a:schemeClr val="tx1"/>
-            </a:fontRef>
-          </p:style>
-        </p:cxnSp>
-      </p:grpSp>
+          <a:prstGeom prst="rect">
+            <a:avLst/>
+          </a:prstGeom>
+        </p:spPr>
+      </p:pic>
     </p:spTree>
     <p:extLst>
       <p:ext uri="{BB962C8B-B14F-4D97-AF65-F5344CB8AC3E}">
@@ -21252,7 +18829,7 @@
         </p:blipFill>
         <p:spPr>
           <a:xfrm>
-            <a:off x="9953599" y="3429000"/>
+            <a:off x="9362486" y="3178147"/>
             <a:ext cx="2238401" cy="2238401"/>
           </a:xfrm>
           <a:prstGeom prst="rect">

--- a/Whiteboard design session/WDS trainer presentation - Continuous delivery in VSTS and Azure.pptx
+++ b/Whiteboard design session/WDS trainer presentation - Continuous delivery in VSTS and Azure.pptx
@@ -232,7 +232,7 @@
           <a:p>
             <a:fld id="{52A13B17-C506-4D51-BB37-16B365906619}" type="datetimeFigureOut">
               <a:rPr lang="en-US" smtClean="0"/>
-              <a:t>6/20/2018</a:t>
+              <a:t>6/29/2018</a:t>
             </a:fld>
             <a:endParaRPr lang="en-US"/>
           </a:p>
@@ -3272,7 +3272,7 @@
                   <a:prstClr val="black"/>
                 </a:solidFill>
               </a:rPr>
-              <a:t>6/20/2018 7:30 AM</a:t>
+              <a:t>6/29/2018 6:58 AM</a:t>
             </a:fld>
             <a:endParaRPr lang="en-US" dirty="0">
               <a:solidFill>
@@ -17979,7 +17979,7 @@
         <p:spPr>
           <a:xfrm>
             <a:off x="340284" y="1291421"/>
-            <a:ext cx="9630031" cy="5232202"/>
+            <a:ext cx="9630031" cy="5259901"/>
           </a:xfrm>
           <a:prstGeom prst="rect">
             <a:avLst/>
@@ -18018,7 +18018,7 @@
             </a:pPr>
             <a:r>
               <a:rPr lang="en-US" sz="2000" dirty="0"/>
-              <a:t>Setup and configure continuous delivery within Azure using a combination of Azure Resource Manager (ARM) templates and Visual Studio Team Services (VSTS). Attendees will do this throughout the use of a new VSTS project, Git repository for source control, and an ARM template for Azure resource deployment and configuration management.</a:t>
+              <a:t>In this whiteboard design session, you will learn how to design a solution with a combination of Azure Resource Manager templates and Visual Studio Team Services (VSTS) to enable continuous delivery with several Azure PaaS services. </a:t>
             </a:r>
           </a:p>
           <a:p>
@@ -18061,7 +18061,7 @@
             </a:pPr>
             <a:r>
               <a:rPr lang="en-US" sz="2000" dirty="0"/>
-              <a:t>Attendees will be better able to build templates to automate cloud infrastructure and reduce error-prone manual processes. In addition, </a:t>
+              <a:t>At the end of this whiteboard design session, you will be better able to design solutions for continuous delivery with VSTS in Azure and additionally: </a:t>
             </a:r>
           </a:p>
           <a:p>
@@ -18077,7 +18077,7 @@
             </a:pPr>
             <a:r>
               <a:rPr lang="en-US" sz="2000" dirty="0"/>
-              <a:t>Create an Azure Resource Manager (ARM) template to provision Azure resources</a:t>
+              <a:t>Understand how Azure Resource Manager templates are used provision Azure resources</a:t>
             </a:r>
           </a:p>
           <a:p>
@@ -18093,7 +18093,7 @@
             </a:pPr>
             <a:r>
               <a:rPr lang="en-US" sz="2000" dirty="0"/>
-              <a:t>Configure Continuous Delivery with Visual Studio Team Services (VSTS)</a:t>
+              <a:t>Understand how to enable continuous delivery with Visual Studio Team Services (VSTS)</a:t>
             </a:r>
           </a:p>
           <a:p>
@@ -18109,7 +18109,7 @@
             </a:pPr>
             <a:r>
               <a:rPr lang="en-US" sz="2000" dirty="0"/>
-              <a:t>Configure Application Insights into an application</a:t>
+              <a:t>Understand how to enable configure Application Insights with an application</a:t>
             </a:r>
           </a:p>
           <a:p>
@@ -18125,7 +18125,7 @@
             </a:pPr>
             <a:r>
               <a:rPr lang="en-US" sz="2000" dirty="0"/>
-              <a:t>Create a Visual Studio Team Services project and Git repository</a:t>
+              <a:t>Understand how Visual Studio Team Services and Git repositories work together </a:t>
             </a:r>
           </a:p>
         </p:txBody>

--- a/Whiteboard design session/WDS trainer presentation - Continuous delivery in VSTS and Azure.pptx
+++ b/Whiteboard design session/WDS trainer presentation - Continuous delivery in VSTS and Azure.pptx
@@ -232,7 +232,7 @@
           <a:p>
             <a:fld id="{52A13B17-C506-4D51-BB37-16B365906619}" type="datetimeFigureOut">
               <a:rPr lang="en-US" smtClean="0"/>
-              <a:t>9/18/2018</a:t>
+              <a:t>1/15/19</a:t>
             </a:fld>
             <a:endParaRPr lang="en-US" dirty="0"/>
           </a:p>
@@ -1437,7 +1437,7 @@
                 <a:ea typeface="+mn-ea"/>
                 <a:cs typeface="+mn-cs"/>
               </a:rPr>
-              <a:t>Visual Studio Team Services' build and release management features are a complete end to end solution for automating builds deployment for the solutions. From there, you can customize the gates your solution needs to promote the solution from environment to environment. You're in complete control of how the CI/CD process is implemented.</a:t>
+              <a:t>Azure DevOps' build and release management features are a complete end to end solution for automating builds deployment for the solutions. From there, you can customize the gates your solution needs to promote the solution from environment to environment. You're in complete control of how the CI/CD process is implemented.</a:t>
             </a:r>
           </a:p>
           <a:p>
@@ -1451,7 +1451,7 @@
                 <a:ea typeface="+mn-ea"/>
                 <a:cs typeface="+mn-cs"/>
               </a:rPr>
-              <a:t>Once we have the build definition producing build artifacts, we create a release pipeline using the Release Management features of Visual Studio Team Services.</a:t>
+              <a:t>Once we have the build definition producing build artifacts, we create a release pipeline using the Release Management features of Azure DevOps.</a:t>
             </a:r>
           </a:p>
           <a:p>
@@ -1717,7 +1717,7 @@
                 <a:ea typeface="+mn-ea"/>
                 <a:cs typeface="+mn-cs"/>
               </a:rPr>
-              <a:t>Create a plan on how to switch the source control location from Visual Studio Team Services to GitHub.</a:t>
+              <a:t>Create a plan on how to switch the source control location from Azure DevOps to GitHub.</a:t>
             </a:r>
           </a:p>
           <a:p>
@@ -1731,7 +1731,7 @@
                 <a:ea typeface="+mn-ea"/>
                 <a:cs typeface="+mn-cs"/>
               </a:rPr>
-              <a:t>Let's assume you have already uploaded your codebase to GitHub from Visual Studio Team Services. First, start by editing your existing build definition. When you initially configured the build definition, you selected Visual Studio Team Services as the source for your code. You would now change the "Get sources" item to select GitHub. This, in turn, will require you to authenticate to GitHub (if you have not previously done so). Finally, you select the specifics for your Repository and Default branch. The rest of the build and release process remains unchanged.</a:t>
+              <a:t>Let's assume you have already uploaded your codebase to GitHub from Azure DevOps. First, start by editing your existing build definition. When you initially configured the build definition, you selected Azure DevOps as the source for your code. You would now change the "Get sources" item to select GitHub. This, in turn, will require you to authenticate to GitHub (if you have not previously done so). Finally, you select the specifics for your Repository and Default branch. The rest of the build and release process remains unchanged.</a:t>
             </a:r>
           </a:p>
           <a:p>
@@ -2341,7 +2341,7 @@
                 <a:ea typeface="+mn-ea"/>
                 <a:cs typeface="+mn-cs"/>
               </a:rPr>
-              <a:t>Create a plan on how to switch the source control location from Visual Studio Team Services to GitHub.</a:t>
+              <a:t>Create a plan on how to switch the source control location from Azure DevOps to GitHub.</a:t>
             </a:r>
           </a:p>
           <a:p>
@@ -2355,7 +2355,7 @@
                 <a:ea typeface="+mn-ea"/>
                 <a:cs typeface="+mn-cs"/>
               </a:rPr>
-              <a:t>Let’s assume you have already uploaded your codebase to GitHub from Visual Studio Team Services. First, start by editing your existing build definition. When you initially configured the build definition, you selected Visual Studio Team Services as the source for your code. You would now change the “Get sources” item to select GitHub. This, in turn, will require you to authenticate to GitHub (if you have not previously done so). Finally, you select the specifics for your Repository and Default branch. The rest of the build and release process remains unchanged.</a:t>
+              <a:t>Let’s assume you have already uploaded your codebase to GitHub from Azure DevOps. First, start by editing your existing build definition. When you initially configured the build definition, you selected Azure DevOps as the source for your code. You would now change the “Get sources” item to select GitHub. This, in turn, will require you to authenticate to GitHub (if you have not previously done so). Finally, you select the specifics for your Repository and Default branch. The rest of the build and release process remains unchanged.</a:t>
             </a:r>
           </a:p>
           <a:p>
@@ -3248,7 +3248,7 @@
                   <a:prstClr val="black"/>
                 </a:solidFill>
               </a:rPr>
-              <a:t>9/18/2018 2:53 PM</a:t>
+              <a:t>1/15/19 9:43 AM</a:t>
             </a:fld>
             <a:endParaRPr lang="en-US" dirty="0">
               <a:solidFill>
@@ -15874,7 +15874,7 @@
           <a:p>
             <a:r>
               <a:rPr lang="en-US" dirty="0"/>
-              <a:t>Continuous delivery in VSTS and Azure</a:t>
+              <a:t>Continuous delivery in Azure DevOps and Azure</a:t>
             </a:r>
           </a:p>
         </p:txBody>
@@ -16156,7 +16156,7 @@
             </a:pPr>
             <a:r>
               <a:rPr lang="en-US" sz="2800" dirty="0"/>
-              <a:t>We do not want to be locked into a specific source control repository. We are evaluating GitHub and Visual Studio Team Services and need to be able to change between them without frustrating rework.</a:t>
+              <a:t>We do not want to be locked into a specific source control repository. We are evaluating GitHub and Azure DevOps and need to be able to change between them without frustrating rework.</a:t>
             </a:r>
           </a:p>
           <a:p>
@@ -17969,7 +17969,7 @@
         <p:spPr>
           <a:xfrm>
             <a:off x="340284" y="1291421"/>
-            <a:ext cx="11127191" cy="5035225"/>
+            <a:ext cx="11127191" cy="4604337"/>
           </a:xfrm>
           <a:prstGeom prst="rect">
             <a:avLst/>
@@ -17984,7 +17984,7 @@
           <a:p>
             <a:r>
               <a:rPr lang="en-US" sz="2800" dirty="0"/>
-              <a:t>In this whiteboard design session, you will learn how to design a solution with a combination of Azure Resource Manager templates and Visual Studio Team Services (VSTS) to enable continuous delivery with several Azure PaaS services.</a:t>
+              <a:t>In this whiteboard design session, you will learn how to design a solution with a combination of Azure Resource Manager templates and Azure DevOps to enable continuous delivery with several Azure PaaS services.</a:t>
             </a:r>
           </a:p>
           <a:p>
@@ -17993,7 +17993,7 @@
           <a:p>
             <a:r>
               <a:rPr lang="en-US" sz="2800" dirty="0"/>
-              <a:t>At the end of this workshop, you will be better able to build templates to automate cloud infrastructure and reduce error-prone manual processes. In addition, you'll create an Azure Resource Manager (ARM) template to provision Azure resources, configure continuous delivery with VSTS, configure Application Insights into an application, and create a Visual Studio Team Services project and Git repository.</a:t>
+              <a:t>At the end of this workshop, you will be better able to build templates to automate cloud infrastructure and reduce error-prone manual processes. In addition, you'll create an Azure Resource Manager (ARM) template to provision Azure resources, configure continuous delivery with Azure DevOps, configure Application Insights into an application, and create an Azure DevOps project and Git repository.</a:t>
             </a:r>
           </a:p>
         </p:txBody>
@@ -18055,7 +18055,7 @@
         <p:spPr>
           <a:xfrm>
             <a:off x="269239" y="1189177"/>
-            <a:ext cx="10703561" cy="5531964"/>
+            <a:ext cx="10703561" cy="4988930"/>
           </a:xfrm>
         </p:spPr>
         <p:txBody>
@@ -18067,7 +18067,7 @@
             </a:pPr>
             <a:r>
               <a:rPr lang="en-US" dirty="0"/>
-              <a:t>Visual Studio Team Services build and release management are a complete end to end solution for automating builds deployment for the solutions</a:t>
+              <a:t>Azure DevOps build and release management are a complete end to end solution for automating builds deployment for the solutions</a:t>
             </a:r>
           </a:p>
           <a:p>
@@ -18644,7 +18644,7 @@
           <a:p>
             <a:r>
               <a:rPr lang="en-US" dirty="0"/>
-              <a:t>Switching source control from VSTS to GitHub by uploading the code base and editing the build definition.</a:t>
+              <a:t>Switching source control from Azure DevOps to GitHub by uploading the code base and editing the build definition.</a:t>
             </a:r>
           </a:p>
         </p:txBody>
@@ -18937,7 +18937,7 @@
         <p:spPr>
           <a:xfrm>
             <a:off x="340285" y="1284044"/>
-            <a:ext cx="11584795" cy="4173450"/>
+            <a:ext cx="11584795" cy="3742563"/>
           </a:xfrm>
           <a:prstGeom prst="rect">
             <a:avLst/>
@@ -18953,7 +18953,7 @@
             <a:pPr lvl="0"/>
             <a:r>
               <a:rPr lang="en-US" sz="2800" dirty="0"/>
-              <a:t>We do not want to be locked in to a specific source control repository. We are evaluating GitHub and Visual Studio Team Services and need to be able to change between them without frustrating rework.</a:t>
+              <a:t>We do not want to be locked in to a specific source control repository. We are evaluating GitHub and Azure DevOps and need to be able to change between them without frustrating rework.</a:t>
             </a:r>
           </a:p>
           <a:p>
@@ -18964,7 +18964,7 @@
             <a:pPr lvl="0"/>
             <a:r>
               <a:rPr lang="en-US" sz="2800" dirty="0"/>
-              <a:t>Both Visual Studio Team Services and GitHub support git source control repositories. VSTS supports any accessible git repository and has specific additional integrations with GitHub. As long as the customer project uses git-based source control, VSTS can be used to build and deploy the project.</a:t>
+              <a:t>Both Azure DevOps and GitHub support git source control repositories. Azure DevOps supports any accessible git repository and has specific additional integrations with GitHub. As long as the customer project uses git-based source control, Azure DevOps can be used to build and deploy the project.</a:t>
             </a:r>
           </a:p>
         </p:txBody>
@@ -19170,7 +19170,7 @@
         <p:spPr>
           <a:xfrm>
             <a:off x="340285" y="1284044"/>
-            <a:ext cx="11584795" cy="4173450"/>
+            <a:ext cx="11584795" cy="3742563"/>
           </a:xfrm>
           <a:prstGeom prst="rect">
             <a:avLst/>
@@ -19196,7 +19196,7 @@
           <a:p>
             <a:r>
               <a:rPr lang="en-US" sz="2800" dirty="0"/>
-              <a:t>If we use Visual Studio Team Service’s Release Management features, we have the opportunity to configure all of the necessary rules / approvals for ensuring a smooth and secure deployment process. The goal here is to remove human touches from the process thus increasing the stability of the release process.</a:t>
+              <a:t>If we use Azure DevOps’ Release Management features, we can configure all the necessary rules / approvals for ensuring a smooth and secure deployment process. The goal here is to remove human touches from the process thus increasing the stability of the release process.</a:t>
             </a:r>
           </a:p>
         </p:txBody>

--- a/Whiteboard design session/WDS trainer presentation - Continuous delivery in VSTS and Azure.pptx
+++ b/Whiteboard design session/WDS trainer presentation - Continuous delivery in VSTS and Azure.pptx
@@ -3248,7 +3248,7 @@
                   <a:prstClr val="black"/>
                 </a:solidFill>
               </a:rPr>
-              <a:t>1/15/19 9:43 AM</a:t>
+              <a:t>1/15/19 10:53 AM</a:t>
             </a:fld>
             <a:endParaRPr lang="en-US" dirty="0">
               <a:solidFill>
@@ -16019,36 +16019,1576 @@
           </a:p>
         </p:txBody>
       </p:sp>
-      <p:pic>
-        <p:nvPicPr>
-          <p:cNvPr id="3" name="Picture 2" descr="This is a diagram of Tailspin Toys' existing solution architecture. On the left is a Visual Studio icon and the words “development,” “test,” and “master,” which represents the development team hosting its source control in Visual Studio Team Services with branches set up for development, test, and master environments.&#10;&#10;Three arrows point from these environments to a server and monitor icon on the right labeled Manual internal code review &amp; QA on local developer machines.&#10;&#10;An arrow points from this icon to another Visual Studio icon on the right labeled Visual Studio/FTP, which represents developers manually deploying updates through Visual Studio or FTP.&#10;&#10;Two arrows point from this icon to two icons on the right: on the top, Azure App Service with Web App (S3 Instance), and on the bottom, Azure SQL Database (S1 Instance)." title="Existing solution architecture diagram">
+      <p:grpSp>
+        <p:nvGrpSpPr>
+          <p:cNvPr id="72" name="Group 71">
             <a:extLst>
               <a:ext uri="{FF2B5EF4-FFF2-40B4-BE49-F238E27FC236}">
-                <a16:creationId xmlns:a16="http://schemas.microsoft.com/office/drawing/2014/main" id="{0A16FB0E-2582-46C0-8A64-5D7DBCB61F85}"/>
+                <a16:creationId xmlns:a16="http://schemas.microsoft.com/office/drawing/2014/main" id="{5C2FA496-1A5B-6B45-9D4B-3662D39B3F85}"/>
               </a:ext>
             </a:extLst>
           </p:cNvPr>
-          <p:cNvPicPr>
-            <a:picLocks noChangeAspect="1"/>
-          </p:cNvPicPr>
+          <p:cNvGrpSpPr/>
           <p:nvPr/>
-        </p:nvPicPr>
-        <p:blipFill>
-          <a:blip r:embed="rId3"/>
-          <a:stretch>
-            <a:fillRect/>
-          </a:stretch>
-        </p:blipFill>
-        <p:spPr>
+        </p:nvGrpSpPr>
+        <p:grpSpPr>
           <a:xfrm>
-            <a:off x="863799" y="2132000"/>
-            <a:ext cx="10464402" cy="4046550"/>
+            <a:off x="622299" y="1815207"/>
+            <a:ext cx="10932448" cy="4284400"/>
+            <a:chOff x="622299" y="2115254"/>
+            <a:chExt cx="10932448" cy="4284400"/>
           </a:xfrm>
-          <a:prstGeom prst="rect">
-            <a:avLst/>
-          </a:prstGeom>
-        </p:spPr>
-      </p:pic>
+        </p:grpSpPr>
+        <p:grpSp>
+          <p:nvGrpSpPr>
+            <p:cNvPr id="73" name="Alt text group" descr="This is a diagram of Tailspin Toys' existing solution architecture. On the left is a Visual Studio icon and the words “development,” “test,” and “master,” which represents the development team hosting its source control in Visual Studio Team Services with branches set up for development, test, and master environments.&#10;&#10;Three arrows point from these environments to a server and monitor icon on the right labeled Manual internal code review &amp; QA on local developer machines.&#10;&#10;An arrow points from this icon to another Visual Studio icon on the right labeled Visual Studio/FTP, which represents developers manually deploying updates through Visual Studio or FTP.&#10;&#10;Two arrows point from this icon to two icons on the right: on the top, Azure App Service with Web App (S3 Instance), and on the bottom, Azure SQL Database (S1 Instance)." title="Existing solution architecture diagram">
+              <a:extLst>
+                <a:ext uri="{FF2B5EF4-FFF2-40B4-BE49-F238E27FC236}">
+                  <a16:creationId xmlns:a16="http://schemas.microsoft.com/office/drawing/2014/main" id="{B0013183-FAE3-6F41-99F3-8E236FEFF6E6}"/>
+                </a:ext>
+              </a:extLst>
+            </p:cNvPr>
+            <p:cNvGrpSpPr/>
+            <p:nvPr/>
+          </p:nvGrpSpPr>
+          <p:grpSpPr>
+            <a:xfrm>
+              <a:off x="622299" y="2115254"/>
+              <a:ext cx="10932448" cy="4284400"/>
+              <a:chOff x="831849" y="2115254"/>
+              <a:chExt cx="10932448" cy="4284400"/>
+            </a:xfrm>
+          </p:grpSpPr>
+          <p:sp>
+            <p:nvSpPr>
+              <p:cNvPr id="75" name="Rectangle 74">
+                <a:extLst>
+                  <a:ext uri="{FF2B5EF4-FFF2-40B4-BE49-F238E27FC236}">
+                    <a16:creationId xmlns:a16="http://schemas.microsoft.com/office/drawing/2014/main" id="{1FD0B547-9CF5-B745-A273-5CF66CCD3AE7}"/>
+                  </a:ext>
+                </a:extLst>
+              </p:cNvPr>
+              <p:cNvSpPr/>
+              <p:nvPr/>
+            </p:nvSpPr>
+            <p:spPr bwMode="auto">
+              <a:xfrm>
+                <a:off x="831849" y="2115254"/>
+                <a:ext cx="10932447" cy="4284400"/>
+              </a:xfrm>
+              <a:prstGeom prst="rect">
+                <a:avLst/>
+              </a:prstGeom>
+              <a:solidFill>
+                <a:schemeClr val="tx1"/>
+              </a:solidFill>
+              <a:ln>
+                <a:noFill/>
+                <a:headEnd type="none" w="med" len="med"/>
+                <a:tailEnd type="none" w="med" len="med"/>
+              </a:ln>
+              <a:effectLst/>
+            </p:spPr>
+            <p:style>
+              <a:lnRef idx="1">
+                <a:schemeClr val="accent2"/>
+              </a:lnRef>
+              <a:fillRef idx="3">
+                <a:schemeClr val="accent2"/>
+              </a:fillRef>
+              <a:effectRef idx="2">
+                <a:schemeClr val="accent2"/>
+              </a:effectRef>
+              <a:fontRef idx="minor">
+                <a:schemeClr val="lt1"/>
+              </a:fontRef>
+            </p:style>
+            <p:txBody>
+              <a:bodyPr rot="0" spcFirstLastPara="0" vertOverflow="overflow" horzOverflow="overflow" vert="horz" wrap="square" lIns="182880" tIns="146304" rIns="182880" bIns="146304" numCol="1" spcCol="0" rtlCol="0" fromWordArt="0" anchor="t" anchorCtr="0" forceAA="0" compatLnSpc="1">
+                <a:prstTxWarp prst="textNoShape">
+                  <a:avLst/>
+                </a:prstTxWarp>
+                <a:noAutofit/>
+              </a:bodyPr>
+              <a:lstStyle/>
+              <a:p>
+                <a:pPr marL="0" marR="0" lvl="0" indent="0" algn="ctr" defTabSz="932472" rtl="0" eaLnBrk="1" fontAlgn="base" latinLnBrk="0" hangingPunct="1">
+                  <a:lnSpc>
+                    <a:spcPct val="90000"/>
+                  </a:lnSpc>
+                  <a:spcBef>
+                    <a:spcPct val="0"/>
+                  </a:spcBef>
+                  <a:spcAft>
+                    <a:spcPct val="0"/>
+                  </a:spcAft>
+                  <a:buClrTx/>
+                  <a:buSzTx/>
+                  <a:buFontTx/>
+                  <a:buNone/>
+                  <a:tabLst/>
+                  <a:defRPr/>
+                </a:pPr>
+                <a:endParaRPr kumimoji="0" lang="en-US" sz="2400" b="0" i="0" u="sng" strike="noStrike" kern="1200" cap="none" spc="0" normalizeH="0" baseline="0" noProof="0" dirty="0">
+                  <a:ln>
+                    <a:noFill/>
+                  </a:ln>
+                  <a:solidFill>
+                    <a:srgbClr val="FFFFFF"/>
+                  </a:solidFill>
+                  <a:effectLst/>
+                  <a:uLnTx/>
+                  <a:uFillTx/>
+                  <a:latin typeface="Segoe UI Semilight"/>
+                  <a:ea typeface="Segoe UI" pitchFamily="34" charset="0"/>
+                  <a:cs typeface="Segoe UI" pitchFamily="34" charset="0"/>
+                </a:endParaRPr>
+              </a:p>
+            </p:txBody>
+          </p:sp>
+          <p:pic>
+            <p:nvPicPr>
+              <p:cNvPr id="76" name="Picture 75">
+                <a:extLst>
+                  <a:ext uri="{FF2B5EF4-FFF2-40B4-BE49-F238E27FC236}">
+                    <a16:creationId xmlns:a16="http://schemas.microsoft.com/office/drawing/2014/main" id="{ED08AF1C-A8A0-2548-966A-E9D2AB98D061}"/>
+                  </a:ext>
+                </a:extLst>
+              </p:cNvPr>
+              <p:cNvPicPr>
+                <a:picLocks noChangeAspect="1"/>
+              </p:cNvPicPr>
+              <p:nvPr/>
+            </p:nvPicPr>
+            <p:blipFill>
+              <a:blip r:embed="rId3" cstate="print">
+                <a:extLst>
+                  <a:ext uri="{28A0092B-C50C-407E-A947-70E740481C1C}">
+                    <a14:useLocalDpi xmlns:a14="http://schemas.microsoft.com/office/drawing/2010/main" val="0"/>
+                  </a:ext>
+                </a:extLst>
+              </a:blip>
+              <a:stretch>
+                <a:fillRect/>
+              </a:stretch>
+            </p:blipFill>
+            <p:spPr>
+              <a:xfrm>
+                <a:off x="10666811" y="2592643"/>
+                <a:ext cx="412994" cy="412994"/>
+              </a:xfrm>
+              <a:prstGeom prst="rect">
+                <a:avLst/>
+              </a:prstGeom>
+            </p:spPr>
+          </p:pic>
+          <p:pic>
+            <p:nvPicPr>
+              <p:cNvPr id="77" name="Content Placeholder 12">
+                <a:extLst>
+                  <a:ext uri="{FF2B5EF4-FFF2-40B4-BE49-F238E27FC236}">
+                    <a16:creationId xmlns:a16="http://schemas.microsoft.com/office/drawing/2014/main" id="{EBB418BB-7E69-1A48-ACAE-9C32C710ECA3}"/>
+                  </a:ext>
+                </a:extLst>
+              </p:cNvPr>
+              <p:cNvPicPr>
+                <a:picLocks noChangeAspect="1"/>
+              </p:cNvPicPr>
+              <p:nvPr/>
+            </p:nvPicPr>
+            <p:blipFill>
+              <a:blip r:embed="rId4" cstate="print">
+                <a:extLst>
+                  <a:ext uri="{28A0092B-C50C-407E-A947-70E740481C1C}">
+                    <a14:useLocalDpi xmlns:a14="http://schemas.microsoft.com/office/drawing/2010/main" val="0"/>
+                  </a:ext>
+                </a:extLst>
+              </a:blip>
+              <a:stretch>
+                <a:fillRect/>
+              </a:stretch>
+            </p:blipFill>
+            <p:spPr>
+              <a:xfrm>
+                <a:off x="10512114" y="4601497"/>
+                <a:ext cx="702724" cy="702724"/>
+              </a:xfrm>
+              <a:prstGeom prst="rect">
+                <a:avLst/>
+              </a:prstGeom>
+            </p:spPr>
+          </p:pic>
+          <p:sp>
+            <p:nvSpPr>
+              <p:cNvPr id="78" name="TextBox 77">
+                <a:extLst>
+                  <a:ext uri="{FF2B5EF4-FFF2-40B4-BE49-F238E27FC236}">
+                    <a16:creationId xmlns:a16="http://schemas.microsoft.com/office/drawing/2014/main" id="{B93AD374-6F7F-6947-86E1-8104F523FA0F}"/>
+                  </a:ext>
+                </a:extLst>
+              </p:cNvPr>
+              <p:cNvSpPr txBox="1"/>
+              <p:nvPr/>
+            </p:nvSpPr>
+            <p:spPr>
+              <a:xfrm>
+                <a:off x="9982319" y="2967667"/>
+                <a:ext cx="1781978" cy="1258806"/>
+              </a:xfrm>
+              <a:prstGeom prst="rect">
+                <a:avLst/>
+              </a:prstGeom>
+              <a:noFill/>
+            </p:spPr>
+            <p:txBody>
+              <a:bodyPr wrap="square" lIns="182880" tIns="146304" rIns="182880" bIns="146304" rtlCol="0">
+                <a:spAutoFit/>
+              </a:bodyPr>
+              <a:lstStyle/>
+              <a:p>
+                <a:pPr marL="0" marR="0" lvl="0" indent="0" algn="ctr" defTabSz="914400" rtl="0" eaLnBrk="1" fontAlgn="auto" latinLnBrk="0" hangingPunct="1">
+                  <a:lnSpc>
+                    <a:spcPct val="90000"/>
+                  </a:lnSpc>
+                  <a:spcBef>
+                    <a:spcPts val="0"/>
+                  </a:spcBef>
+                  <a:spcAft>
+                    <a:spcPts val="600"/>
+                  </a:spcAft>
+                  <a:buClrTx/>
+                  <a:buSzTx/>
+                  <a:buFontTx/>
+                  <a:buNone/>
+                  <a:tabLst/>
+                  <a:defRPr/>
+                </a:pPr>
+                <a:r>
+                  <a:rPr kumimoji="0" lang="en-US" sz="1600" b="1" i="0" u="sng" strike="noStrike" kern="1200" cap="none" spc="0" normalizeH="0" baseline="0" noProof="0" dirty="0">
+                    <a:ln>
+                      <a:noFill/>
+                    </a:ln>
+                    <a:solidFill>
+                      <a:srgbClr val="353535"/>
+                    </a:solidFill>
+                    <a:effectLst/>
+                    <a:uLnTx/>
+                    <a:uFillTx/>
+                    <a:latin typeface="Segoe UI Semilight"/>
+                    <a:ea typeface="+mn-ea"/>
+                    <a:cs typeface="+mn-cs"/>
+                  </a:rPr>
+                  <a:t>Azure App Service with Web App</a:t>
+                </a:r>
+              </a:p>
+              <a:p>
+                <a:pPr marL="0" marR="0" lvl="0" indent="0" algn="ctr" defTabSz="914400" rtl="0" eaLnBrk="1" fontAlgn="auto" latinLnBrk="0" hangingPunct="1">
+                  <a:lnSpc>
+                    <a:spcPct val="90000"/>
+                  </a:lnSpc>
+                  <a:spcBef>
+                    <a:spcPts val="0"/>
+                  </a:spcBef>
+                  <a:spcAft>
+                    <a:spcPts val="600"/>
+                  </a:spcAft>
+                  <a:buClrTx/>
+                  <a:buSzTx/>
+                  <a:buFontTx/>
+                  <a:buNone/>
+                  <a:tabLst/>
+                  <a:defRPr/>
+                </a:pPr>
+                <a:r>
+                  <a:rPr kumimoji="0" lang="en-US" sz="1600" b="1" i="0" u="sng" strike="noStrike" kern="1200" cap="none" spc="0" normalizeH="0" baseline="0" noProof="0" dirty="0">
+                    <a:ln>
+                      <a:noFill/>
+                    </a:ln>
+                    <a:solidFill>
+                      <a:srgbClr val="353535"/>
+                    </a:solidFill>
+                    <a:effectLst/>
+                    <a:uLnTx/>
+                    <a:uFillTx/>
+                    <a:latin typeface="Segoe UI Semilight"/>
+                    <a:ea typeface="+mn-ea"/>
+                    <a:cs typeface="+mn-cs"/>
+                  </a:rPr>
+                  <a:t>(S3 Instance)</a:t>
+                </a:r>
+              </a:p>
+            </p:txBody>
+          </p:sp>
+          <p:sp>
+            <p:nvSpPr>
+              <p:cNvPr id="79" name="TextBox 78">
+                <a:extLst>
+                  <a:ext uri="{FF2B5EF4-FFF2-40B4-BE49-F238E27FC236}">
+                    <a16:creationId xmlns:a16="http://schemas.microsoft.com/office/drawing/2014/main" id="{738F7439-6EE6-4746-BBB7-1751C8596AEB}"/>
+                  </a:ext>
+                </a:extLst>
+              </p:cNvPr>
+              <p:cNvSpPr txBox="1"/>
+              <p:nvPr/>
+            </p:nvSpPr>
+            <p:spPr>
+              <a:xfrm>
+                <a:off x="9972487" y="5235488"/>
+                <a:ext cx="1781978" cy="1037207"/>
+              </a:xfrm>
+              <a:prstGeom prst="rect">
+                <a:avLst/>
+              </a:prstGeom>
+              <a:noFill/>
+            </p:spPr>
+            <p:txBody>
+              <a:bodyPr wrap="square" lIns="182880" tIns="146304" rIns="182880" bIns="146304" rtlCol="0">
+                <a:spAutoFit/>
+              </a:bodyPr>
+              <a:lstStyle/>
+              <a:p>
+                <a:pPr marL="0" marR="0" lvl="0" indent="0" algn="ctr" defTabSz="914400" rtl="0" eaLnBrk="1" fontAlgn="auto" latinLnBrk="0" hangingPunct="1">
+                  <a:lnSpc>
+                    <a:spcPct val="90000"/>
+                  </a:lnSpc>
+                  <a:spcBef>
+                    <a:spcPts val="0"/>
+                  </a:spcBef>
+                  <a:spcAft>
+                    <a:spcPts val="600"/>
+                  </a:spcAft>
+                  <a:buClrTx/>
+                  <a:buSzTx/>
+                  <a:buFontTx/>
+                  <a:buNone/>
+                  <a:tabLst/>
+                  <a:defRPr/>
+                </a:pPr>
+                <a:r>
+                  <a:rPr kumimoji="0" lang="en-US" sz="1600" b="1" i="0" u="sng" strike="noStrike" kern="1200" cap="none" spc="0" normalizeH="0" baseline="0" noProof="0" dirty="0">
+                    <a:ln>
+                      <a:noFill/>
+                    </a:ln>
+                    <a:solidFill>
+                      <a:srgbClr val="353535"/>
+                    </a:solidFill>
+                    <a:effectLst/>
+                    <a:uLnTx/>
+                    <a:uFillTx/>
+                    <a:latin typeface="Segoe UI Semilight"/>
+                    <a:ea typeface="+mn-ea"/>
+                    <a:cs typeface="+mn-cs"/>
+                  </a:rPr>
+                  <a:t>Azure SQL Database</a:t>
+                </a:r>
+              </a:p>
+              <a:p>
+                <a:pPr marL="0" marR="0" lvl="0" indent="0" algn="ctr" defTabSz="914400" rtl="0" eaLnBrk="1" fontAlgn="auto" latinLnBrk="0" hangingPunct="1">
+                  <a:lnSpc>
+                    <a:spcPct val="90000"/>
+                  </a:lnSpc>
+                  <a:spcBef>
+                    <a:spcPts val="0"/>
+                  </a:spcBef>
+                  <a:spcAft>
+                    <a:spcPts val="600"/>
+                  </a:spcAft>
+                  <a:buClrTx/>
+                  <a:buSzTx/>
+                  <a:buFontTx/>
+                  <a:buNone/>
+                  <a:tabLst/>
+                  <a:defRPr/>
+                </a:pPr>
+                <a:r>
+                  <a:rPr kumimoji="0" lang="en-US" sz="1600" b="1" i="0" u="sng" strike="noStrike" kern="1200" cap="none" spc="0" normalizeH="0" baseline="0" noProof="0" dirty="0">
+                    <a:ln>
+                      <a:noFill/>
+                    </a:ln>
+                    <a:solidFill>
+                      <a:srgbClr val="353535"/>
+                    </a:solidFill>
+                    <a:effectLst/>
+                    <a:uLnTx/>
+                    <a:uFillTx/>
+                    <a:latin typeface="Segoe UI Semilight"/>
+                    <a:ea typeface="+mn-ea"/>
+                    <a:cs typeface="+mn-cs"/>
+                  </a:rPr>
+                  <a:t>(S1 Instance)</a:t>
+                </a:r>
+              </a:p>
+            </p:txBody>
+          </p:sp>
+          <p:cxnSp>
+            <p:nvCxnSpPr>
+              <p:cNvPr id="80" name="Straight Connector 79">
+                <a:extLst>
+                  <a:ext uri="{FF2B5EF4-FFF2-40B4-BE49-F238E27FC236}">
+                    <a16:creationId xmlns:a16="http://schemas.microsoft.com/office/drawing/2014/main" id="{5955CD1E-1763-5347-86A8-44FD07017A71}"/>
+                  </a:ext>
+                </a:extLst>
+              </p:cNvPr>
+              <p:cNvCxnSpPr/>
+              <p:nvPr/>
+            </p:nvCxnSpPr>
+            <p:spPr>
+              <a:xfrm>
+                <a:off x="4814866" y="3200400"/>
+                <a:ext cx="914400" cy="914400"/>
+              </a:xfrm>
+              <a:prstGeom prst="line">
+                <a:avLst/>
+              </a:prstGeom>
+              <a:ln>
+                <a:solidFill>
+                  <a:schemeClr val="tx1"/>
+                </a:solidFill>
+                <a:headEnd type="none"/>
+                <a:tailEnd type="none"/>
+              </a:ln>
+            </p:spPr>
+            <p:style>
+              <a:lnRef idx="1">
+                <a:schemeClr val="accent1"/>
+              </a:lnRef>
+              <a:fillRef idx="0">
+                <a:schemeClr val="accent1"/>
+              </a:fillRef>
+              <a:effectRef idx="0">
+                <a:schemeClr val="accent1"/>
+              </a:effectRef>
+              <a:fontRef idx="minor">
+                <a:schemeClr val="tx1"/>
+              </a:fontRef>
+            </p:style>
+          </p:cxnSp>
+          <p:grpSp>
+            <p:nvGrpSpPr>
+              <p:cNvPr id="81" name="Group 80">
+                <a:extLst>
+                  <a:ext uri="{FF2B5EF4-FFF2-40B4-BE49-F238E27FC236}">
+                    <a16:creationId xmlns:a16="http://schemas.microsoft.com/office/drawing/2014/main" id="{19618318-347A-8B46-B8DA-2CAE5DD45EF3}"/>
+                  </a:ext>
+                </a:extLst>
+              </p:cNvPr>
+              <p:cNvGrpSpPr/>
+              <p:nvPr/>
+            </p:nvGrpSpPr>
+            <p:grpSpPr>
+              <a:xfrm>
+                <a:off x="4099570" y="3551214"/>
+                <a:ext cx="2020528" cy="1888102"/>
+                <a:chOff x="4719002" y="3304326"/>
+                <a:chExt cx="2020528" cy="1888102"/>
+              </a:xfrm>
+            </p:grpSpPr>
+            <p:pic>
+              <p:nvPicPr>
+                <p:cNvPr id="104" name="Picture 103">
+                  <a:extLst>
+                    <a:ext uri="{FF2B5EF4-FFF2-40B4-BE49-F238E27FC236}">
+                      <a16:creationId xmlns:a16="http://schemas.microsoft.com/office/drawing/2014/main" id="{409FD3A8-2FD8-3042-90CF-CC0FDF868A25}"/>
+                    </a:ext>
+                  </a:extLst>
+                </p:cNvPr>
+                <p:cNvPicPr>
+                  <a:picLocks noChangeAspect="1"/>
+                </p:cNvPicPr>
+                <p:nvPr/>
+              </p:nvPicPr>
+              <p:blipFill>
+                <a:blip r:embed="rId5" cstate="print">
+                  <a:extLst>
+                    <a:ext uri="{28A0092B-C50C-407E-A947-70E740481C1C}">
+                      <a14:useLocalDpi xmlns:a14="http://schemas.microsoft.com/office/drawing/2010/main" val="0"/>
+                    </a:ext>
+                  </a:extLst>
+                </a:blip>
+                <a:stretch>
+                  <a:fillRect/>
+                </a:stretch>
+              </p:blipFill>
+              <p:spPr>
+                <a:xfrm>
+                  <a:off x="5396139" y="3304326"/>
+                  <a:ext cx="780290" cy="780290"/>
+                </a:xfrm>
+                <a:prstGeom prst="rect">
+                  <a:avLst/>
+                </a:prstGeom>
+              </p:spPr>
+            </p:pic>
+            <p:sp>
+              <p:nvSpPr>
+                <p:cNvPr id="105" name="TextBox 104">
+                  <a:extLst>
+                    <a:ext uri="{FF2B5EF4-FFF2-40B4-BE49-F238E27FC236}">
+                      <a16:creationId xmlns:a16="http://schemas.microsoft.com/office/drawing/2014/main" id="{E636C698-F980-9449-A331-3EFB0785C10D}"/>
+                    </a:ext>
+                  </a:extLst>
+                </p:cNvPr>
+                <p:cNvSpPr txBox="1"/>
+                <p:nvPr/>
+              </p:nvSpPr>
+              <p:spPr>
+                <a:xfrm>
+                  <a:off x="4719002" y="4010566"/>
+                  <a:ext cx="2020528" cy="1181862"/>
+                </a:xfrm>
+                <a:prstGeom prst="rect">
+                  <a:avLst/>
+                </a:prstGeom>
+                <a:noFill/>
+              </p:spPr>
+              <p:txBody>
+                <a:bodyPr wrap="square" lIns="182880" tIns="146304" rIns="182880" bIns="146304" rtlCol="0">
+                  <a:spAutoFit/>
+                </a:bodyPr>
+                <a:lstStyle/>
+                <a:p>
+                  <a:pPr marL="0" marR="0" lvl="0" indent="0" algn="ctr" defTabSz="914400" rtl="0" eaLnBrk="1" fontAlgn="auto" latinLnBrk="0" hangingPunct="1">
+                    <a:lnSpc>
+                      <a:spcPct val="90000"/>
+                    </a:lnSpc>
+                    <a:spcBef>
+                      <a:spcPts val="0"/>
+                    </a:spcBef>
+                    <a:spcAft>
+                      <a:spcPts val="600"/>
+                    </a:spcAft>
+                    <a:buClrTx/>
+                    <a:buSzTx/>
+                    <a:buFontTx/>
+                    <a:buNone/>
+                    <a:tabLst/>
+                    <a:defRPr/>
+                  </a:pPr>
+                  <a:r>
+                    <a:rPr kumimoji="0" lang="en-US" sz="1600" b="1" i="0" u="sng" strike="noStrike" kern="1200" cap="none" spc="0" normalizeH="0" baseline="0" noProof="0" dirty="0">
+                      <a:ln>
+                        <a:noFill/>
+                      </a:ln>
+                      <a:solidFill>
+                        <a:srgbClr val="353535"/>
+                      </a:solidFill>
+                      <a:effectLst/>
+                      <a:uLnTx/>
+                      <a:uFillTx/>
+                      <a:latin typeface="Segoe UI Semilight"/>
+                      <a:ea typeface="+mn-ea"/>
+                      <a:cs typeface="+mn-cs"/>
+                    </a:rPr>
+                    <a:t>Manual internal code review &amp; QA on local developer machines</a:t>
+                  </a:r>
+                </a:p>
+              </p:txBody>
+            </p:sp>
+          </p:grpSp>
+          <p:grpSp>
+            <p:nvGrpSpPr>
+              <p:cNvPr id="82" name="Group 81">
+                <a:extLst>
+                  <a:ext uri="{FF2B5EF4-FFF2-40B4-BE49-F238E27FC236}">
+                    <a16:creationId xmlns:a16="http://schemas.microsoft.com/office/drawing/2014/main" id="{610329CE-A3CC-E144-A35A-3F1E1D578EDE}"/>
+                  </a:ext>
+                </a:extLst>
+              </p:cNvPr>
+              <p:cNvGrpSpPr/>
+              <p:nvPr/>
+            </p:nvGrpSpPr>
+            <p:grpSpPr>
+              <a:xfrm>
+                <a:off x="7163811" y="3408936"/>
+                <a:ext cx="1781978" cy="1347493"/>
+                <a:chOff x="7607550" y="3432153"/>
+                <a:chExt cx="1781978" cy="1347493"/>
+              </a:xfrm>
+            </p:grpSpPr>
+            <p:pic>
+              <p:nvPicPr>
+                <p:cNvPr id="102" name="Picture 101">
+                  <a:extLst>
+                    <a:ext uri="{FF2B5EF4-FFF2-40B4-BE49-F238E27FC236}">
+                      <a16:creationId xmlns:a16="http://schemas.microsoft.com/office/drawing/2014/main" id="{5147620B-C029-BE44-9909-1C5A3AAB4A9E}"/>
+                    </a:ext>
+                  </a:extLst>
+                </p:cNvPr>
+                <p:cNvPicPr>
+                  <a:picLocks noChangeAspect="1"/>
+                </p:cNvPicPr>
+                <p:nvPr/>
+              </p:nvPicPr>
+              <p:blipFill>
+                <a:blip r:embed="rId6" cstate="print">
+                  <a:extLst>
+                    <a:ext uri="{28A0092B-C50C-407E-A947-70E740481C1C}">
+                      <a14:useLocalDpi xmlns:a14="http://schemas.microsoft.com/office/drawing/2010/main" val="0"/>
+                    </a:ext>
+                  </a:extLst>
+                </a:blip>
+                <a:stretch>
+                  <a:fillRect/>
+                </a:stretch>
+              </p:blipFill>
+              <p:spPr>
+                <a:xfrm>
+                  <a:off x="8108394" y="3999356"/>
+                  <a:ext cx="780290" cy="780290"/>
+                </a:xfrm>
+                <a:prstGeom prst="rect">
+                  <a:avLst/>
+                </a:prstGeom>
+              </p:spPr>
+            </p:pic>
+            <p:sp>
+              <p:nvSpPr>
+                <p:cNvPr id="103" name="TextBox 102">
+                  <a:extLst>
+                    <a:ext uri="{FF2B5EF4-FFF2-40B4-BE49-F238E27FC236}">
+                      <a16:creationId xmlns:a16="http://schemas.microsoft.com/office/drawing/2014/main" id="{BFDE8194-47E2-5245-8183-6D6006F43C28}"/>
+                    </a:ext>
+                  </a:extLst>
+                </p:cNvPr>
+                <p:cNvSpPr txBox="1"/>
+                <p:nvPr/>
+              </p:nvSpPr>
+              <p:spPr>
+                <a:xfrm>
+                  <a:off x="7607550" y="3432153"/>
+                  <a:ext cx="1781978" cy="738664"/>
+                </a:xfrm>
+                <a:prstGeom prst="rect">
+                  <a:avLst/>
+                </a:prstGeom>
+                <a:noFill/>
+              </p:spPr>
+              <p:txBody>
+                <a:bodyPr wrap="square" lIns="182880" tIns="146304" rIns="182880" bIns="146304" rtlCol="0">
+                  <a:spAutoFit/>
+                </a:bodyPr>
+                <a:lstStyle/>
+                <a:p>
+                  <a:pPr marL="0" marR="0" lvl="0" indent="0" algn="ctr" defTabSz="914400" rtl="0" eaLnBrk="1" fontAlgn="auto" latinLnBrk="0" hangingPunct="1">
+                    <a:lnSpc>
+                      <a:spcPct val="90000"/>
+                    </a:lnSpc>
+                    <a:spcBef>
+                      <a:spcPts val="0"/>
+                    </a:spcBef>
+                    <a:spcAft>
+                      <a:spcPts val="600"/>
+                    </a:spcAft>
+                    <a:buClrTx/>
+                    <a:buSzTx/>
+                    <a:buFontTx/>
+                    <a:buNone/>
+                    <a:tabLst/>
+                    <a:defRPr/>
+                  </a:pPr>
+                  <a:r>
+                    <a:rPr kumimoji="0" lang="en-US" sz="1600" b="1" i="0" u="sng" strike="noStrike" kern="1200" cap="none" spc="0" normalizeH="0" baseline="0" noProof="0" dirty="0">
+                      <a:ln>
+                        <a:noFill/>
+                      </a:ln>
+                      <a:solidFill>
+                        <a:srgbClr val="353535"/>
+                      </a:solidFill>
+                      <a:effectLst/>
+                      <a:uLnTx/>
+                      <a:uFillTx/>
+                      <a:latin typeface="Segoe UI Semilight"/>
+                      <a:ea typeface="+mn-ea"/>
+                      <a:cs typeface="+mn-cs"/>
+                    </a:rPr>
+                    <a:t>Visual Studio / FTP</a:t>
+                  </a:r>
+                </a:p>
+              </p:txBody>
+            </p:sp>
+          </p:grpSp>
+          <p:cxnSp>
+            <p:nvCxnSpPr>
+              <p:cNvPr id="83" name="Straight Connector 82">
+                <a:extLst>
+                  <a:ext uri="{FF2B5EF4-FFF2-40B4-BE49-F238E27FC236}">
+                    <a16:creationId xmlns:a16="http://schemas.microsoft.com/office/drawing/2014/main" id="{FC3A35CA-B795-4548-94DF-F0B986C04E95}"/>
+                  </a:ext>
+                </a:extLst>
+              </p:cNvPr>
+              <p:cNvCxnSpPr>
+                <a:cxnSpLocks/>
+              </p:cNvCxnSpPr>
+              <p:nvPr/>
+            </p:nvCxnSpPr>
+            <p:spPr>
+              <a:xfrm>
+                <a:off x="1516847" y="4644743"/>
+                <a:ext cx="0" cy="553807"/>
+              </a:xfrm>
+              <a:prstGeom prst="line">
+                <a:avLst/>
+              </a:prstGeom>
+              <a:ln>
+                <a:solidFill>
+                  <a:schemeClr val="bg1">
+                    <a:lumMod val="50000"/>
+                  </a:schemeClr>
+                </a:solidFill>
+                <a:headEnd type="none"/>
+                <a:tailEnd type="none"/>
+              </a:ln>
+            </p:spPr>
+            <p:style>
+              <a:lnRef idx="1">
+                <a:schemeClr val="accent1"/>
+              </a:lnRef>
+              <a:fillRef idx="0">
+                <a:schemeClr val="accent1"/>
+              </a:fillRef>
+              <a:effectRef idx="0">
+                <a:schemeClr val="accent1"/>
+              </a:effectRef>
+              <a:fontRef idx="minor">
+                <a:schemeClr val="tx1"/>
+              </a:fontRef>
+            </p:style>
+          </p:cxnSp>
+          <p:sp>
+            <p:nvSpPr>
+              <p:cNvPr id="84" name="TextBox 83">
+                <a:extLst>
+                  <a:ext uri="{FF2B5EF4-FFF2-40B4-BE49-F238E27FC236}">
+                    <a16:creationId xmlns:a16="http://schemas.microsoft.com/office/drawing/2014/main" id="{02CC1E9F-2896-544F-AD3D-D30D5C5E2F37}"/>
+                  </a:ext>
+                </a:extLst>
+              </p:cNvPr>
+              <p:cNvSpPr txBox="1"/>
+              <p:nvPr/>
+            </p:nvSpPr>
+            <p:spPr>
+              <a:xfrm>
+                <a:off x="1539336" y="4922251"/>
+                <a:ext cx="1582208" cy="517065"/>
+              </a:xfrm>
+              <a:prstGeom prst="rect">
+                <a:avLst/>
+              </a:prstGeom>
+              <a:noFill/>
+            </p:spPr>
+            <p:txBody>
+              <a:bodyPr wrap="square" lIns="182880" tIns="146304" rIns="182880" bIns="146304" rtlCol="0">
+                <a:spAutoFit/>
+              </a:bodyPr>
+              <a:lstStyle/>
+              <a:p>
+                <a:pPr marL="0" marR="0" lvl="0" indent="0" algn="l" defTabSz="914400" rtl="0" eaLnBrk="1" fontAlgn="auto" latinLnBrk="0" hangingPunct="1">
+                  <a:lnSpc>
+                    <a:spcPct val="90000"/>
+                  </a:lnSpc>
+                  <a:spcBef>
+                    <a:spcPts val="0"/>
+                  </a:spcBef>
+                  <a:spcAft>
+                    <a:spcPts val="600"/>
+                  </a:spcAft>
+                  <a:buClrTx/>
+                  <a:buSzTx/>
+                  <a:buFontTx/>
+                  <a:buNone/>
+                  <a:tabLst/>
+                  <a:defRPr/>
+                </a:pPr>
+                <a:r>
+                  <a:rPr kumimoji="0" lang="en-US" sz="1600" b="1" i="0" u="sng" strike="noStrike" kern="1200" cap="none" spc="0" normalizeH="0" baseline="0" noProof="0" dirty="0">
+                    <a:ln>
+                      <a:noFill/>
+                    </a:ln>
+                    <a:solidFill>
+                      <a:srgbClr val="353535"/>
+                    </a:solidFill>
+                    <a:effectLst/>
+                    <a:uLnTx/>
+                    <a:uFillTx/>
+                    <a:latin typeface="Segoe UI Semilight"/>
+                    <a:ea typeface="+mn-ea"/>
+                    <a:cs typeface="+mn-cs"/>
+                  </a:rPr>
+                  <a:t>master</a:t>
+                </a:r>
+              </a:p>
+            </p:txBody>
+          </p:sp>
+          <p:grpSp>
+            <p:nvGrpSpPr>
+              <p:cNvPr id="85" name="Group 84">
+                <a:extLst>
+                  <a:ext uri="{FF2B5EF4-FFF2-40B4-BE49-F238E27FC236}">
+                    <a16:creationId xmlns:a16="http://schemas.microsoft.com/office/drawing/2014/main" id="{E1B7AB5F-1958-6E4D-BD1C-0D636D5D1CC5}"/>
+                  </a:ext>
+                </a:extLst>
+              </p:cNvPr>
+              <p:cNvGrpSpPr/>
+              <p:nvPr/>
+            </p:nvGrpSpPr>
+            <p:grpSpPr>
+              <a:xfrm>
+                <a:off x="883734" y="3296240"/>
+                <a:ext cx="2256543" cy="1912012"/>
+                <a:chOff x="883734" y="3752050"/>
+                <a:chExt cx="2256543" cy="1912012"/>
+              </a:xfrm>
+            </p:grpSpPr>
+            <p:grpSp>
+              <p:nvGrpSpPr>
+                <p:cNvPr id="92" name="Group 91">
+                  <a:extLst>
+                    <a:ext uri="{FF2B5EF4-FFF2-40B4-BE49-F238E27FC236}">
+                      <a16:creationId xmlns:a16="http://schemas.microsoft.com/office/drawing/2014/main" id="{282B8373-44BE-5449-BEA9-978F20FB84CE}"/>
+                    </a:ext>
+                  </a:extLst>
+                </p:cNvPr>
+                <p:cNvGrpSpPr/>
+                <p:nvPr/>
+              </p:nvGrpSpPr>
+              <p:grpSpPr>
+                <a:xfrm>
+                  <a:off x="883734" y="3752050"/>
+                  <a:ext cx="2256543" cy="1912012"/>
+                  <a:chOff x="883734" y="3752050"/>
+                  <a:chExt cx="2256543" cy="1912012"/>
+                </a:xfrm>
+              </p:grpSpPr>
+              <p:grpSp>
+                <p:nvGrpSpPr>
+                  <p:cNvPr id="96" name="Group 95">
+                    <a:extLst>
+                      <a:ext uri="{FF2B5EF4-FFF2-40B4-BE49-F238E27FC236}">
+                        <a16:creationId xmlns:a16="http://schemas.microsoft.com/office/drawing/2014/main" id="{BA6FE0DD-5185-C24D-9F62-A8084161EC01}"/>
+                      </a:ext>
+                    </a:extLst>
+                  </p:cNvPr>
+                  <p:cNvGrpSpPr/>
+                  <p:nvPr/>
+                </p:nvGrpSpPr>
+                <p:grpSpPr>
+                  <a:xfrm>
+                    <a:off x="883734" y="3752050"/>
+                    <a:ext cx="2256543" cy="1912012"/>
+                    <a:chOff x="883734" y="3752050"/>
+                    <a:chExt cx="2256543" cy="1912012"/>
+                  </a:xfrm>
+                </p:grpSpPr>
+                <p:grpSp>
+                  <p:nvGrpSpPr>
+                    <p:cNvPr id="98" name="Group 97">
+                      <a:extLst>
+                        <a:ext uri="{FF2B5EF4-FFF2-40B4-BE49-F238E27FC236}">
+                          <a16:creationId xmlns:a16="http://schemas.microsoft.com/office/drawing/2014/main" id="{074ACDC1-395A-154E-9DED-165808D5CF78}"/>
+                        </a:ext>
+                      </a:extLst>
+                    </p:cNvPr>
+                    <p:cNvGrpSpPr/>
+                    <p:nvPr/>
+                  </p:nvGrpSpPr>
+                  <p:grpSpPr>
+                    <a:xfrm>
+                      <a:off x="883734" y="3752050"/>
+                      <a:ext cx="1781978" cy="1344968"/>
+                      <a:chOff x="2653540" y="2380373"/>
+                      <a:chExt cx="1781978" cy="1344968"/>
+                    </a:xfrm>
+                  </p:grpSpPr>
+                  <p:pic>
+                    <p:nvPicPr>
+                      <p:cNvPr id="100" name="Picture 99">
+                        <a:extLst>
+                          <a:ext uri="{FF2B5EF4-FFF2-40B4-BE49-F238E27FC236}">
+                            <a16:creationId xmlns:a16="http://schemas.microsoft.com/office/drawing/2014/main" id="{F0F12380-A185-214A-8ECC-E6AC107635C1}"/>
+                          </a:ext>
+                        </a:extLst>
+                      </p:cNvPr>
+                      <p:cNvPicPr>
+                        <a:picLocks noChangeAspect="1"/>
+                      </p:cNvPicPr>
+                      <p:nvPr/>
+                    </p:nvPicPr>
+                    <p:blipFill>
+                      <a:blip r:embed="rId7" cstate="print">
+                        <a:extLst>
+                          <a:ext uri="{28A0092B-C50C-407E-A947-70E740481C1C}">
+                            <a14:useLocalDpi xmlns:a14="http://schemas.microsoft.com/office/drawing/2010/main" val="0"/>
+                          </a:ext>
+                        </a:extLst>
+                      </a:blip>
+                      <a:stretch>
+                        <a:fillRect/>
+                      </a:stretch>
+                    </p:blipFill>
+                    <p:spPr>
+                      <a:xfrm>
+                        <a:off x="3144552" y="3433519"/>
+                        <a:ext cx="291822" cy="291822"/>
+                      </a:xfrm>
+                      <a:prstGeom prst="rect">
+                        <a:avLst/>
+                      </a:prstGeom>
+                    </p:spPr>
+                  </p:pic>
+                  <p:sp>
+                    <p:nvSpPr>
+                      <p:cNvPr id="101" name="TextBox 100">
+                        <a:extLst>
+                          <a:ext uri="{FF2B5EF4-FFF2-40B4-BE49-F238E27FC236}">
+                            <a16:creationId xmlns:a16="http://schemas.microsoft.com/office/drawing/2014/main" id="{ED573C42-9D62-F34F-96E7-E0BD770DF494}"/>
+                          </a:ext>
+                        </a:extLst>
+                      </p:cNvPr>
+                      <p:cNvSpPr txBox="1"/>
+                      <p:nvPr/>
+                    </p:nvSpPr>
+                    <p:spPr>
+                      <a:xfrm>
+                        <a:off x="2653540" y="2380373"/>
+                        <a:ext cx="1781978" cy="517065"/>
+                      </a:xfrm>
+                      <a:prstGeom prst="rect">
+                        <a:avLst/>
+                      </a:prstGeom>
+                      <a:noFill/>
+                    </p:spPr>
+                    <p:txBody>
+                      <a:bodyPr wrap="square" lIns="182880" tIns="146304" rIns="182880" bIns="146304" rtlCol="0">
+                        <a:spAutoFit/>
+                      </a:bodyPr>
+                      <a:lstStyle/>
+                      <a:p>
+                        <a:pPr marL="0" marR="0" lvl="0" indent="0" algn="ctr" defTabSz="914400" rtl="0" eaLnBrk="1" fontAlgn="auto" latinLnBrk="0" hangingPunct="1">
+                          <a:lnSpc>
+                            <a:spcPct val="90000"/>
+                          </a:lnSpc>
+                          <a:spcBef>
+                            <a:spcPts val="0"/>
+                          </a:spcBef>
+                          <a:spcAft>
+                            <a:spcPts val="600"/>
+                          </a:spcAft>
+                          <a:buClrTx/>
+                          <a:buSzTx/>
+                          <a:buFontTx/>
+                          <a:buNone/>
+                          <a:tabLst/>
+                          <a:defRPr/>
+                        </a:pPr>
+                        <a:r>
+                          <a:rPr kumimoji="0" lang="en-US" sz="1600" b="1" i="0" u="sng" strike="noStrike" kern="1200" cap="none" spc="0" normalizeH="0" baseline="0" noProof="0" dirty="0">
+                            <a:ln>
+                              <a:noFill/>
+                            </a:ln>
+                            <a:solidFill>
+                              <a:srgbClr val="353535"/>
+                            </a:solidFill>
+                            <a:effectLst/>
+                            <a:uLnTx/>
+                            <a:uFillTx/>
+                            <a:latin typeface="Segoe UI Semilight"/>
+                            <a:ea typeface="+mn-ea"/>
+                            <a:cs typeface="+mn-cs"/>
+                          </a:rPr>
+                          <a:t>Azure DevOps</a:t>
+                        </a:r>
+                      </a:p>
+                    </p:txBody>
+                  </p:sp>
+                </p:grpSp>
+                <p:sp>
+                  <p:nvSpPr>
+                    <p:cNvPr id="99" name="TextBox 98">
+                      <a:extLst>
+                        <a:ext uri="{FF2B5EF4-FFF2-40B4-BE49-F238E27FC236}">
+                          <a16:creationId xmlns:a16="http://schemas.microsoft.com/office/drawing/2014/main" id="{5840BDCD-1A56-2342-8699-CC4DCC47956B}"/>
+                        </a:ext>
+                      </a:extLst>
+                    </p:cNvPr>
+                    <p:cNvSpPr txBox="1"/>
+                    <p:nvPr/>
+                  </p:nvSpPr>
+                  <p:spPr>
+                    <a:xfrm>
+                      <a:off x="1549168" y="5146997"/>
+                      <a:ext cx="1591109" cy="517065"/>
+                    </a:xfrm>
+                    <a:prstGeom prst="rect">
+                      <a:avLst/>
+                    </a:prstGeom>
+                    <a:noFill/>
+                  </p:spPr>
+                  <p:txBody>
+                    <a:bodyPr wrap="square" lIns="182880" tIns="146304" rIns="182880" bIns="146304" rtlCol="0">
+                      <a:spAutoFit/>
+                    </a:bodyPr>
+                    <a:lstStyle/>
+                    <a:p>
+                      <a:pPr marL="0" marR="0" lvl="0" indent="0" algn="l" defTabSz="914400" rtl="0" eaLnBrk="1" fontAlgn="auto" latinLnBrk="0" hangingPunct="1">
+                        <a:lnSpc>
+                          <a:spcPct val="90000"/>
+                        </a:lnSpc>
+                        <a:spcBef>
+                          <a:spcPts val="0"/>
+                        </a:spcBef>
+                        <a:spcAft>
+                          <a:spcPts val="600"/>
+                        </a:spcAft>
+                        <a:buClrTx/>
+                        <a:buSzTx/>
+                        <a:buFontTx/>
+                        <a:buNone/>
+                        <a:tabLst/>
+                        <a:defRPr/>
+                      </a:pPr>
+                      <a:r>
+                        <a:rPr kumimoji="0" lang="en-US" sz="1600" b="1" i="0" u="sng" strike="noStrike" kern="1200" cap="none" spc="0" normalizeH="0" baseline="0" noProof="0" dirty="0">
+                          <a:ln>
+                            <a:noFill/>
+                          </a:ln>
+                          <a:solidFill>
+                            <a:srgbClr val="353535"/>
+                          </a:solidFill>
+                          <a:effectLst/>
+                          <a:uLnTx/>
+                          <a:uFillTx/>
+                          <a:latin typeface="Segoe UI Semilight"/>
+                          <a:ea typeface="+mn-ea"/>
+                          <a:cs typeface="+mn-cs"/>
+                        </a:rPr>
+                        <a:t>test</a:t>
+                      </a:r>
+                    </a:p>
+                  </p:txBody>
+                </p:sp>
+              </p:grpSp>
+              <p:sp>
+                <p:nvSpPr>
+                  <p:cNvPr id="97" name="TextBox 96">
+                    <a:extLst>
+                      <a:ext uri="{FF2B5EF4-FFF2-40B4-BE49-F238E27FC236}">
+                        <a16:creationId xmlns:a16="http://schemas.microsoft.com/office/drawing/2014/main" id="{CCFC0B25-26A2-564A-A747-CFBC0B18D305}"/>
+                      </a:ext>
+                    </a:extLst>
+                  </p:cNvPr>
+                  <p:cNvSpPr txBox="1"/>
+                  <p:nvPr/>
+                </p:nvSpPr>
+                <p:spPr>
+                  <a:xfrm>
+                    <a:off x="1541929" y="4909489"/>
+                    <a:ext cx="1591109" cy="517065"/>
+                  </a:xfrm>
+                  <a:prstGeom prst="rect">
+                    <a:avLst/>
+                  </a:prstGeom>
+                  <a:noFill/>
+                </p:spPr>
+                <p:txBody>
+                  <a:bodyPr wrap="square" lIns="182880" tIns="146304" rIns="182880" bIns="146304" rtlCol="0">
+                    <a:spAutoFit/>
+                  </a:bodyPr>
+                  <a:lstStyle/>
+                  <a:p>
+                    <a:pPr marL="0" marR="0" lvl="0" indent="0" algn="l" defTabSz="914400" rtl="0" eaLnBrk="1" fontAlgn="auto" latinLnBrk="0" hangingPunct="1">
+                      <a:lnSpc>
+                        <a:spcPct val="90000"/>
+                      </a:lnSpc>
+                      <a:spcBef>
+                        <a:spcPts val="0"/>
+                      </a:spcBef>
+                      <a:spcAft>
+                        <a:spcPts val="600"/>
+                      </a:spcAft>
+                      <a:buClrTx/>
+                      <a:buSzTx/>
+                      <a:buFontTx/>
+                      <a:buNone/>
+                      <a:tabLst/>
+                      <a:defRPr/>
+                    </a:pPr>
+                    <a:r>
+                      <a:rPr kumimoji="0" lang="en-US" sz="1600" b="1" i="0" u="sng" strike="noStrike" kern="1200" cap="none" spc="0" normalizeH="0" baseline="0" noProof="0" dirty="0">
+                        <a:ln>
+                          <a:noFill/>
+                        </a:ln>
+                        <a:solidFill>
+                          <a:srgbClr val="353535"/>
+                        </a:solidFill>
+                        <a:effectLst/>
+                        <a:uLnTx/>
+                        <a:uFillTx/>
+                        <a:latin typeface="Segoe UI Semilight"/>
+                        <a:ea typeface="+mn-ea"/>
+                        <a:cs typeface="+mn-cs"/>
+                      </a:rPr>
+                      <a:t>development</a:t>
+                    </a:r>
+                  </a:p>
+                </p:txBody>
+              </p:sp>
+            </p:grpSp>
+            <p:cxnSp>
+              <p:nvCxnSpPr>
+                <p:cNvPr id="93" name="Straight Connector 92">
+                  <a:extLst>
+                    <a:ext uri="{FF2B5EF4-FFF2-40B4-BE49-F238E27FC236}">
+                      <a16:creationId xmlns:a16="http://schemas.microsoft.com/office/drawing/2014/main" id="{4B8E0874-AFD0-BB43-B89B-FFC0DCFAC396}"/>
+                    </a:ext>
+                  </a:extLst>
+                </p:cNvPr>
+                <p:cNvCxnSpPr>
+                  <a:cxnSpLocks/>
+                </p:cNvCxnSpPr>
+                <p:nvPr/>
+              </p:nvCxnSpPr>
+              <p:spPr>
+                <a:xfrm>
+                  <a:off x="1512075" y="5180784"/>
+                  <a:ext cx="161216" cy="214"/>
+                </a:xfrm>
+                <a:prstGeom prst="line">
+                  <a:avLst/>
+                </a:prstGeom>
+                <a:ln>
+                  <a:solidFill>
+                    <a:schemeClr val="bg1">
+                      <a:lumMod val="50000"/>
+                    </a:schemeClr>
+                  </a:solidFill>
+                  <a:headEnd type="none"/>
+                  <a:tailEnd type="none"/>
+                </a:ln>
+              </p:spPr>
+              <p:style>
+                <a:lnRef idx="1">
+                  <a:schemeClr val="accent1"/>
+                </a:lnRef>
+                <a:fillRef idx="0">
+                  <a:schemeClr val="accent1"/>
+                </a:fillRef>
+                <a:effectRef idx="0">
+                  <a:schemeClr val="accent1"/>
+                </a:effectRef>
+                <a:fontRef idx="minor">
+                  <a:schemeClr val="tx1"/>
+                </a:fontRef>
+              </p:style>
+            </p:cxnSp>
+            <p:cxnSp>
+              <p:nvCxnSpPr>
+                <p:cNvPr id="94" name="Straight Connector 93">
+                  <a:extLst>
+                    <a:ext uri="{FF2B5EF4-FFF2-40B4-BE49-F238E27FC236}">
+                      <a16:creationId xmlns:a16="http://schemas.microsoft.com/office/drawing/2014/main" id="{E9C99397-7702-A84D-8EE1-5939AE6D5C32}"/>
+                    </a:ext>
+                  </a:extLst>
+                </p:cNvPr>
+                <p:cNvCxnSpPr>
+                  <a:cxnSpLocks/>
+                </p:cNvCxnSpPr>
+                <p:nvPr/>
+              </p:nvCxnSpPr>
+              <p:spPr>
+                <a:xfrm>
+                  <a:off x="1512075" y="5414082"/>
+                  <a:ext cx="161216" cy="214"/>
+                </a:xfrm>
+                <a:prstGeom prst="line">
+                  <a:avLst/>
+                </a:prstGeom>
+                <a:ln>
+                  <a:solidFill>
+                    <a:schemeClr val="bg1">
+                      <a:lumMod val="50000"/>
+                    </a:schemeClr>
+                  </a:solidFill>
+                  <a:headEnd type="none"/>
+                  <a:tailEnd type="none"/>
+                </a:ln>
+              </p:spPr>
+              <p:style>
+                <a:lnRef idx="1">
+                  <a:schemeClr val="accent1"/>
+                </a:lnRef>
+                <a:fillRef idx="0">
+                  <a:schemeClr val="accent1"/>
+                </a:fillRef>
+                <a:effectRef idx="0">
+                  <a:schemeClr val="accent1"/>
+                </a:effectRef>
+                <a:fontRef idx="minor">
+                  <a:schemeClr val="tx1"/>
+                </a:fontRef>
+              </p:style>
+            </p:cxnSp>
+            <p:cxnSp>
+              <p:nvCxnSpPr>
+                <p:cNvPr id="95" name="Straight Connector 94">
+                  <a:extLst>
+                    <a:ext uri="{FF2B5EF4-FFF2-40B4-BE49-F238E27FC236}">
+                      <a16:creationId xmlns:a16="http://schemas.microsoft.com/office/drawing/2014/main" id="{8E1D5DC8-65C9-2B4F-B35A-173FBE0858DF}"/>
+                    </a:ext>
+                  </a:extLst>
+                </p:cNvPr>
+                <p:cNvCxnSpPr>
+                  <a:cxnSpLocks/>
+                </p:cNvCxnSpPr>
+                <p:nvPr/>
+              </p:nvCxnSpPr>
+              <p:spPr>
+                <a:xfrm>
+                  <a:off x="1520657" y="5650825"/>
+                  <a:ext cx="161216" cy="214"/>
+                </a:xfrm>
+                <a:prstGeom prst="line">
+                  <a:avLst/>
+                </a:prstGeom>
+                <a:ln>
+                  <a:solidFill>
+                    <a:schemeClr val="bg1">
+                      <a:lumMod val="50000"/>
+                    </a:schemeClr>
+                  </a:solidFill>
+                  <a:headEnd type="none"/>
+                  <a:tailEnd type="none"/>
+                </a:ln>
+              </p:spPr>
+              <p:style>
+                <a:lnRef idx="1">
+                  <a:schemeClr val="accent1"/>
+                </a:lnRef>
+                <a:fillRef idx="0">
+                  <a:schemeClr val="accent1"/>
+                </a:fillRef>
+                <a:effectRef idx="0">
+                  <a:schemeClr val="accent1"/>
+                </a:effectRef>
+                <a:fontRef idx="minor">
+                  <a:schemeClr val="tx1"/>
+                </a:fontRef>
+              </p:style>
+            </p:cxnSp>
+          </p:grpSp>
+          <p:cxnSp>
+            <p:nvCxnSpPr>
+              <p:cNvPr id="86" name="Straight Arrow Connector 85">
+                <a:extLst>
+                  <a:ext uri="{FF2B5EF4-FFF2-40B4-BE49-F238E27FC236}">
+                    <a16:creationId xmlns:a16="http://schemas.microsoft.com/office/drawing/2014/main" id="{F500820F-67CE-8D42-9F08-5248B0E4886B}"/>
+                  </a:ext>
+                </a:extLst>
+              </p:cNvPr>
+              <p:cNvCxnSpPr>
+                <a:cxnSpLocks/>
+              </p:cNvCxnSpPr>
+              <p:nvPr/>
+            </p:nvCxnSpPr>
+            <p:spPr>
+              <a:xfrm>
+                <a:off x="3067065" y="4724974"/>
+                <a:ext cx="948891" cy="0"/>
+              </a:xfrm>
+              <a:prstGeom prst="straightConnector1">
+                <a:avLst/>
+              </a:prstGeom>
+              <a:ln>
+                <a:solidFill>
+                  <a:schemeClr val="bg1">
+                    <a:lumMod val="50000"/>
+                  </a:schemeClr>
+                </a:solidFill>
+                <a:headEnd type="none"/>
+                <a:tailEnd type="triangle"/>
+              </a:ln>
+            </p:spPr>
+            <p:style>
+              <a:lnRef idx="1">
+                <a:schemeClr val="accent1"/>
+              </a:lnRef>
+              <a:fillRef idx="0">
+                <a:schemeClr val="accent1"/>
+              </a:fillRef>
+              <a:effectRef idx="0">
+                <a:schemeClr val="accent1"/>
+              </a:effectRef>
+              <a:fontRef idx="minor">
+                <a:schemeClr val="tx1"/>
+              </a:fontRef>
+            </p:style>
+          </p:cxnSp>
+          <p:cxnSp>
+            <p:nvCxnSpPr>
+              <p:cNvPr id="87" name="Straight Arrow Connector 86">
+                <a:extLst>
+                  <a:ext uri="{FF2B5EF4-FFF2-40B4-BE49-F238E27FC236}">
+                    <a16:creationId xmlns:a16="http://schemas.microsoft.com/office/drawing/2014/main" id="{E4FFA5CE-2235-A24D-8B71-1E3C92970FFF}"/>
+                  </a:ext>
+                </a:extLst>
+              </p:cNvPr>
+              <p:cNvCxnSpPr>
+                <a:cxnSpLocks/>
+              </p:cNvCxnSpPr>
+              <p:nvPr/>
+            </p:nvCxnSpPr>
+            <p:spPr>
+              <a:xfrm>
+                <a:off x="6222984" y="4615873"/>
+                <a:ext cx="948891" cy="0"/>
+              </a:xfrm>
+              <a:prstGeom prst="straightConnector1">
+                <a:avLst/>
+              </a:prstGeom>
+              <a:ln>
+                <a:solidFill>
+                  <a:schemeClr val="bg1">
+                    <a:lumMod val="50000"/>
+                  </a:schemeClr>
+                </a:solidFill>
+                <a:headEnd type="none"/>
+                <a:tailEnd type="triangle"/>
+              </a:ln>
+            </p:spPr>
+            <p:style>
+              <a:lnRef idx="1">
+                <a:schemeClr val="accent1"/>
+              </a:lnRef>
+              <a:fillRef idx="0">
+                <a:schemeClr val="accent1"/>
+              </a:fillRef>
+              <a:effectRef idx="0">
+                <a:schemeClr val="accent1"/>
+              </a:effectRef>
+              <a:fontRef idx="minor">
+                <a:schemeClr val="tx1"/>
+              </a:fontRef>
+            </p:style>
+          </p:cxnSp>
+          <p:cxnSp>
+            <p:nvCxnSpPr>
+              <p:cNvPr id="88" name="Straight Arrow Connector 87">
+                <a:extLst>
+                  <a:ext uri="{FF2B5EF4-FFF2-40B4-BE49-F238E27FC236}">
+                    <a16:creationId xmlns:a16="http://schemas.microsoft.com/office/drawing/2014/main" id="{76E7760B-009E-A046-B5CC-BBE655668482}"/>
+                  </a:ext>
+                </a:extLst>
+              </p:cNvPr>
+              <p:cNvCxnSpPr>
+                <a:cxnSpLocks/>
+              </p:cNvCxnSpPr>
+              <p:nvPr/>
+            </p:nvCxnSpPr>
+            <p:spPr>
+              <a:xfrm flipV="1">
+                <a:off x="8809567" y="3966402"/>
+                <a:ext cx="1007533" cy="296825"/>
+              </a:xfrm>
+              <a:prstGeom prst="straightConnector1">
+                <a:avLst/>
+              </a:prstGeom>
+              <a:ln>
+                <a:solidFill>
+                  <a:schemeClr val="bg1">
+                    <a:lumMod val="50000"/>
+                  </a:schemeClr>
+                </a:solidFill>
+                <a:headEnd type="none"/>
+                <a:tailEnd type="triangle"/>
+              </a:ln>
+            </p:spPr>
+            <p:style>
+              <a:lnRef idx="1">
+                <a:schemeClr val="accent1"/>
+              </a:lnRef>
+              <a:fillRef idx="0">
+                <a:schemeClr val="accent1"/>
+              </a:fillRef>
+              <a:effectRef idx="0">
+                <a:schemeClr val="accent1"/>
+              </a:effectRef>
+              <a:fontRef idx="minor">
+                <a:schemeClr val="tx1"/>
+              </a:fontRef>
+            </p:style>
+          </p:cxnSp>
+          <p:cxnSp>
+            <p:nvCxnSpPr>
+              <p:cNvPr id="89" name="Straight Arrow Connector 88">
+                <a:extLst>
+                  <a:ext uri="{FF2B5EF4-FFF2-40B4-BE49-F238E27FC236}">
+                    <a16:creationId xmlns:a16="http://schemas.microsoft.com/office/drawing/2014/main" id="{CF6718DF-50F4-834F-98AD-15316D130091}"/>
+                  </a:ext>
+                </a:extLst>
+              </p:cNvPr>
+              <p:cNvCxnSpPr>
+                <a:cxnSpLocks/>
+              </p:cNvCxnSpPr>
+              <p:nvPr/>
+            </p:nvCxnSpPr>
+            <p:spPr>
+              <a:xfrm>
+                <a:off x="8809566" y="4590337"/>
+                <a:ext cx="1007534" cy="426163"/>
+              </a:xfrm>
+              <a:prstGeom prst="straightConnector1">
+                <a:avLst/>
+              </a:prstGeom>
+              <a:ln>
+                <a:solidFill>
+                  <a:schemeClr val="bg1">
+                    <a:lumMod val="50000"/>
+                  </a:schemeClr>
+                </a:solidFill>
+                <a:headEnd type="none"/>
+                <a:tailEnd type="triangle"/>
+              </a:ln>
+            </p:spPr>
+            <p:style>
+              <a:lnRef idx="1">
+                <a:schemeClr val="accent1"/>
+              </a:lnRef>
+              <a:fillRef idx="0">
+                <a:schemeClr val="accent1"/>
+              </a:fillRef>
+              <a:effectRef idx="0">
+                <a:schemeClr val="accent1"/>
+              </a:effectRef>
+              <a:fontRef idx="minor">
+                <a:schemeClr val="tx1"/>
+              </a:fontRef>
+            </p:style>
+          </p:cxnSp>
+          <p:cxnSp>
+            <p:nvCxnSpPr>
+              <p:cNvPr id="90" name="Straight Arrow Connector 89">
+                <a:extLst>
+                  <a:ext uri="{FF2B5EF4-FFF2-40B4-BE49-F238E27FC236}">
+                    <a16:creationId xmlns:a16="http://schemas.microsoft.com/office/drawing/2014/main" id="{537AFE7E-D1FA-524A-8BED-C541711CB7BA}"/>
+                  </a:ext>
+                </a:extLst>
+              </p:cNvPr>
+              <p:cNvCxnSpPr>
+                <a:cxnSpLocks/>
+              </p:cNvCxnSpPr>
+              <p:nvPr/>
+            </p:nvCxnSpPr>
+            <p:spPr>
+              <a:xfrm>
+                <a:off x="3061625" y="4958272"/>
+                <a:ext cx="948891" cy="0"/>
+              </a:xfrm>
+              <a:prstGeom prst="straightConnector1">
+                <a:avLst/>
+              </a:prstGeom>
+              <a:ln>
+                <a:solidFill>
+                  <a:schemeClr val="bg1">
+                    <a:lumMod val="50000"/>
+                  </a:schemeClr>
+                </a:solidFill>
+                <a:headEnd type="none"/>
+                <a:tailEnd type="triangle"/>
+              </a:ln>
+            </p:spPr>
+            <p:style>
+              <a:lnRef idx="1">
+                <a:schemeClr val="accent1"/>
+              </a:lnRef>
+              <a:fillRef idx="0">
+                <a:schemeClr val="accent1"/>
+              </a:fillRef>
+              <a:effectRef idx="0">
+                <a:schemeClr val="accent1"/>
+              </a:effectRef>
+              <a:fontRef idx="minor">
+                <a:schemeClr val="tx1"/>
+              </a:fontRef>
+            </p:style>
+          </p:cxnSp>
+          <p:cxnSp>
+            <p:nvCxnSpPr>
+              <p:cNvPr id="91" name="Straight Arrow Connector 90">
+                <a:extLst>
+                  <a:ext uri="{FF2B5EF4-FFF2-40B4-BE49-F238E27FC236}">
+                    <a16:creationId xmlns:a16="http://schemas.microsoft.com/office/drawing/2014/main" id="{E282495A-3328-8B40-BBA7-4A6C66D8C608}"/>
+                  </a:ext>
+                </a:extLst>
+              </p:cNvPr>
+              <p:cNvCxnSpPr>
+                <a:cxnSpLocks/>
+              </p:cNvCxnSpPr>
+              <p:nvPr/>
+            </p:nvCxnSpPr>
+            <p:spPr>
+              <a:xfrm>
+                <a:off x="3067453" y="5195015"/>
+                <a:ext cx="948891" cy="0"/>
+              </a:xfrm>
+              <a:prstGeom prst="straightConnector1">
+                <a:avLst/>
+              </a:prstGeom>
+              <a:ln>
+                <a:solidFill>
+                  <a:schemeClr val="bg1">
+                    <a:lumMod val="50000"/>
+                  </a:schemeClr>
+                </a:solidFill>
+                <a:headEnd type="none"/>
+                <a:tailEnd type="triangle"/>
+              </a:ln>
+            </p:spPr>
+            <p:style>
+              <a:lnRef idx="1">
+                <a:schemeClr val="accent1"/>
+              </a:lnRef>
+              <a:fillRef idx="0">
+                <a:schemeClr val="accent1"/>
+              </a:fillRef>
+              <a:effectRef idx="0">
+                <a:schemeClr val="accent1"/>
+              </a:effectRef>
+              <a:fontRef idx="minor">
+                <a:schemeClr val="tx1"/>
+              </a:fontRef>
+            </p:style>
+          </p:cxnSp>
+        </p:grpSp>
+        <p:pic>
+          <p:nvPicPr>
+            <p:cNvPr id="74" name="Picture 73">
+              <a:extLst>
+                <a:ext uri="{FF2B5EF4-FFF2-40B4-BE49-F238E27FC236}">
+                  <a16:creationId xmlns:a16="http://schemas.microsoft.com/office/drawing/2014/main" id="{73314A86-D8AA-4C4C-8E88-3E9346D71BFA}"/>
+                </a:ext>
+              </a:extLst>
+            </p:cNvPr>
+            <p:cNvPicPr>
+              <a:picLocks noChangeAspect="1"/>
+            </p:cNvPicPr>
+            <p:nvPr/>
+          </p:nvPicPr>
+          <p:blipFill>
+            <a:blip r:embed="rId8"/>
+            <a:stretch>
+              <a:fillRect/>
+            </a:stretch>
+          </p:blipFill>
+          <p:spPr>
+            <a:xfrm>
+              <a:off x="1247806" y="3702759"/>
+              <a:ext cx="615218" cy="615218"/>
+            </a:xfrm>
+            <a:prstGeom prst="rect">
+              <a:avLst/>
+            </a:prstGeom>
+          </p:spPr>
+        </p:pic>
+      </p:grpSp>
     </p:spTree>
     <p:extLst>
       <p:ext uri="{BB962C8B-B14F-4D97-AF65-F5344CB8AC3E}">
@@ -16364,6 +17904,88 @@
       </p:grpSpPr>
       <p:sp>
         <p:nvSpPr>
+          <p:cNvPr id="2" name="Rectangle 1">
+            <a:extLst>
+              <a:ext uri="{FF2B5EF4-FFF2-40B4-BE49-F238E27FC236}">
+                <a16:creationId xmlns:a16="http://schemas.microsoft.com/office/drawing/2014/main" id="{F7CF495D-4076-D847-BE52-831CAF03DC08}"/>
+              </a:ext>
+            </a:extLst>
+          </p:cNvPr>
+          <p:cNvSpPr/>
+          <p:nvPr/>
+        </p:nvSpPr>
+        <p:spPr bwMode="auto">
+          <a:xfrm>
+            <a:off x="412120" y="1500189"/>
+            <a:ext cx="11346498" cy="3671888"/>
+          </a:xfrm>
+          <a:prstGeom prst="rect">
+            <a:avLst/>
+          </a:prstGeom>
+          <a:solidFill>
+            <a:schemeClr val="tx1"/>
+          </a:solidFill>
+          <a:ln>
+            <a:noFill/>
+            <a:headEnd type="none" w="med" len="med"/>
+            <a:tailEnd type="none" w="med" len="med"/>
+          </a:ln>
+          <a:effectLst/>
+        </p:spPr>
+        <p:style>
+          <a:lnRef idx="1">
+            <a:schemeClr val="accent2"/>
+          </a:lnRef>
+          <a:fillRef idx="3">
+            <a:schemeClr val="accent2"/>
+          </a:fillRef>
+          <a:effectRef idx="2">
+            <a:schemeClr val="accent2"/>
+          </a:effectRef>
+          <a:fontRef idx="minor">
+            <a:schemeClr val="lt1"/>
+          </a:fontRef>
+        </p:style>
+        <p:txBody>
+          <a:bodyPr rot="0" spcFirstLastPara="0" vertOverflow="overflow" horzOverflow="overflow" vert="horz" wrap="square" lIns="182880" tIns="146304" rIns="182880" bIns="146304" numCol="1" spcCol="0" rtlCol="0" fromWordArt="0" anchor="t" anchorCtr="0" forceAA="0" compatLnSpc="1">
+            <a:prstTxWarp prst="textNoShape">
+              <a:avLst/>
+            </a:prstTxWarp>
+            <a:noAutofit/>
+          </a:bodyPr>
+          <a:lstStyle/>
+          <a:p>
+            <a:pPr algn="ctr" defTabSz="932472" fontAlgn="base">
+              <a:lnSpc>
+                <a:spcPct val="90000"/>
+              </a:lnSpc>
+              <a:spcBef>
+                <a:spcPct val="0"/>
+              </a:spcBef>
+              <a:spcAft>
+                <a:spcPct val="0"/>
+              </a:spcAft>
+            </a:pPr>
+            <a:endParaRPr lang="en-US" sz="2400" dirty="0" err="1">
+              <a:gradFill>
+                <a:gsLst>
+                  <a:gs pos="0">
+                    <a:srgbClr val="FFFFFF"/>
+                  </a:gs>
+                  <a:gs pos="100000">
+                    <a:srgbClr val="FFFFFF"/>
+                  </a:gs>
+                </a:gsLst>
+                <a:lin ang="5400000" scaled="0"/>
+              </a:gradFill>
+              <a:ea typeface="Segoe UI" pitchFamily="34" charset="0"/>
+              <a:cs typeface="Segoe UI" pitchFamily="34" charset="0"/>
+            </a:endParaRPr>
+          </a:p>
+        </p:txBody>
+      </p:sp>
+      <p:sp>
+        <p:nvSpPr>
           <p:cNvPr id="3" name="Title 2">
             <a:extLst>
               <a:ext uri="{FF2B5EF4-FFF2-40B4-BE49-F238E27FC236}">
@@ -16390,36 +18012,1151 @@
           </a:p>
         </p:txBody>
       </p:sp>
-      <p:pic>
-        <p:nvPicPr>
-          <p:cNvPr id="4" name="Picture 3" descr="This diagram displays some of the common services you may use as you build a solution for this whiteboard design session. Depicted are Visual Studio Team Services (VSTS), VSTS Git repo, VSTS with GitHub, Application Insights, Azure Web Apps, and Azure SQL Database." title="Common scenarios">
+      <p:grpSp>
+        <p:nvGrpSpPr>
+          <p:cNvPr id="27" name="Group 26">
             <a:extLst>
               <a:ext uri="{FF2B5EF4-FFF2-40B4-BE49-F238E27FC236}">
-                <a16:creationId xmlns:a16="http://schemas.microsoft.com/office/drawing/2014/main" id="{C2641F24-8D8E-42A7-A624-C928CC5AC136}"/>
+                <a16:creationId xmlns:a16="http://schemas.microsoft.com/office/drawing/2014/main" id="{2A1C7CCD-5964-1047-B006-860517D05ADB}"/>
               </a:ext>
             </a:extLst>
           </p:cNvPr>
-          <p:cNvPicPr>
-            <a:picLocks noChangeAspect="1"/>
-          </p:cNvPicPr>
+          <p:cNvGrpSpPr/>
           <p:nvPr/>
-        </p:nvPicPr>
-        <p:blipFill>
-          <a:blip r:embed="rId2"/>
-          <a:stretch>
-            <a:fillRect/>
-          </a:stretch>
-        </p:blipFill>
-        <p:spPr>
+        </p:nvGrpSpPr>
+        <p:grpSpPr>
           <a:xfrm>
-            <a:off x="904837" y="1795450"/>
-            <a:ext cx="10382326" cy="3267099"/>
+            <a:off x="569142" y="1790420"/>
+            <a:ext cx="11996998" cy="3110851"/>
+            <a:chOff x="426262" y="1747556"/>
+            <a:chExt cx="11996998" cy="3110851"/>
           </a:xfrm>
-          <a:prstGeom prst="rect">
-            <a:avLst/>
-          </a:prstGeom>
-        </p:spPr>
-      </p:pic>
+        </p:grpSpPr>
+        <p:pic>
+          <p:nvPicPr>
+            <p:cNvPr id="28" name="Picture 27">
+              <a:extLst>
+                <a:ext uri="{FF2B5EF4-FFF2-40B4-BE49-F238E27FC236}">
+                  <a16:creationId xmlns:a16="http://schemas.microsoft.com/office/drawing/2014/main" id="{F22007F4-D9D2-9048-AB1B-8B670DFFEC9B}"/>
+                </a:ext>
+              </a:extLst>
+            </p:cNvPr>
+            <p:cNvPicPr>
+              <a:picLocks noChangeAspect="1"/>
+            </p:cNvPicPr>
+            <p:nvPr/>
+          </p:nvPicPr>
+          <p:blipFill>
+            <a:blip r:embed="rId2">
+              <a:extLst>
+                <a:ext uri="{28A0092B-C50C-407E-A947-70E740481C1C}">
+                  <a14:useLocalDpi xmlns:a14="http://schemas.microsoft.com/office/drawing/2010/main" val="0"/>
+                </a:ext>
+              </a:extLst>
+            </a:blip>
+            <a:stretch>
+              <a:fillRect/>
+            </a:stretch>
+          </p:blipFill>
+          <p:spPr>
+            <a:xfrm>
+              <a:off x="426262" y="3067997"/>
+              <a:ext cx="481585" cy="481585"/>
+            </a:xfrm>
+            <a:prstGeom prst="rect">
+              <a:avLst/>
+            </a:prstGeom>
+          </p:spPr>
+        </p:pic>
+        <p:sp>
+          <p:nvSpPr>
+            <p:cNvPr id="29" name="TextBox 28">
+              <a:extLst>
+                <a:ext uri="{FF2B5EF4-FFF2-40B4-BE49-F238E27FC236}">
+                  <a16:creationId xmlns:a16="http://schemas.microsoft.com/office/drawing/2014/main" id="{66DBE1EC-DCEE-0640-B494-B36A2F4494E4}"/>
+                </a:ext>
+              </a:extLst>
+            </p:cNvPr>
+            <p:cNvSpPr txBox="1"/>
+            <p:nvPr/>
+          </p:nvSpPr>
+          <p:spPr>
+            <a:xfrm>
+              <a:off x="1069991" y="1820401"/>
+              <a:ext cx="4363720" cy="400110"/>
+            </a:xfrm>
+            <a:prstGeom prst="rect">
+              <a:avLst/>
+            </a:prstGeom>
+            <a:noFill/>
+          </p:spPr>
+          <p:txBody>
+            <a:bodyPr wrap="square" rtlCol="0">
+              <a:spAutoFit/>
+            </a:bodyPr>
+            <a:lstStyle/>
+            <a:p>
+              <a:r>
+                <a:rPr lang="en-US" sz="2000" dirty="0">
+                  <a:solidFill>
+                    <a:schemeClr val="bg1"/>
+                  </a:solidFill>
+                </a:rPr>
+                <a:t>Azure DevOps</a:t>
+              </a:r>
+            </a:p>
+          </p:txBody>
+        </p:sp>
+        <p:sp>
+          <p:nvSpPr>
+            <p:cNvPr id="30" name="TextBox 29">
+              <a:extLst>
+                <a:ext uri="{FF2B5EF4-FFF2-40B4-BE49-F238E27FC236}">
+                  <a16:creationId xmlns:a16="http://schemas.microsoft.com/office/drawing/2014/main" id="{53B39047-C175-8042-A116-0BD20635F885}"/>
+                </a:ext>
+              </a:extLst>
+            </p:cNvPr>
+            <p:cNvSpPr txBox="1"/>
+            <p:nvPr/>
+          </p:nvSpPr>
+          <p:spPr>
+            <a:xfrm>
+              <a:off x="1090311" y="2479299"/>
+              <a:ext cx="5725280" cy="400110"/>
+            </a:xfrm>
+            <a:prstGeom prst="rect">
+              <a:avLst/>
+            </a:prstGeom>
+            <a:noFill/>
+          </p:spPr>
+          <p:txBody>
+            <a:bodyPr wrap="square" rtlCol="0">
+              <a:spAutoFit/>
+            </a:bodyPr>
+            <a:lstStyle/>
+            <a:p>
+              <a:r>
+                <a:rPr lang="en-US" sz="2000" dirty="0">
+                  <a:solidFill>
+                    <a:schemeClr val="bg1"/>
+                  </a:solidFill>
+                </a:rPr>
+                <a:t>Azure Repos</a:t>
+              </a:r>
+            </a:p>
+          </p:txBody>
+        </p:sp>
+        <p:sp>
+          <p:nvSpPr>
+            <p:cNvPr id="31" name="TextBox 30">
+              <a:extLst>
+                <a:ext uri="{FF2B5EF4-FFF2-40B4-BE49-F238E27FC236}">
+                  <a16:creationId xmlns:a16="http://schemas.microsoft.com/office/drawing/2014/main" id="{4D3B16BC-57EC-9143-9359-CE2F07FEF9CF}"/>
+                </a:ext>
+              </a:extLst>
+            </p:cNvPr>
+            <p:cNvSpPr txBox="1"/>
+            <p:nvPr/>
+          </p:nvSpPr>
+          <p:spPr>
+            <a:xfrm>
+              <a:off x="1090311" y="3150181"/>
+              <a:ext cx="5725280" cy="400110"/>
+            </a:xfrm>
+            <a:prstGeom prst="rect">
+              <a:avLst/>
+            </a:prstGeom>
+            <a:noFill/>
+          </p:spPr>
+          <p:txBody>
+            <a:bodyPr wrap="square" rtlCol="0">
+              <a:spAutoFit/>
+            </a:bodyPr>
+            <a:lstStyle/>
+            <a:p>
+              <a:r>
+                <a:rPr lang="en-US" sz="2000" dirty="0">
+                  <a:solidFill>
+                    <a:schemeClr val="bg1"/>
+                  </a:solidFill>
+                </a:rPr>
+                <a:t>Azure DevOps with GitHub</a:t>
+              </a:r>
+            </a:p>
+          </p:txBody>
+        </p:sp>
+        <p:pic>
+          <p:nvPicPr>
+            <p:cNvPr id="32" name="Picture 31">
+              <a:extLst>
+                <a:ext uri="{FF2B5EF4-FFF2-40B4-BE49-F238E27FC236}">
+                  <a16:creationId xmlns:a16="http://schemas.microsoft.com/office/drawing/2014/main" id="{4E123101-F078-FB40-88B7-9E3C07EDDB52}"/>
+                </a:ext>
+              </a:extLst>
+            </p:cNvPr>
+            <p:cNvPicPr>
+              <a:picLocks noChangeAspect="1"/>
+            </p:cNvPicPr>
+            <p:nvPr/>
+          </p:nvPicPr>
+          <p:blipFill>
+            <a:blip r:embed="rId3">
+              <a:extLst>
+                <a:ext uri="{28A0092B-C50C-407E-A947-70E740481C1C}">
+                  <a14:useLocalDpi xmlns:a14="http://schemas.microsoft.com/office/drawing/2010/main" val="0"/>
+                </a:ext>
+              </a:extLst>
+            </a:blip>
+            <a:stretch>
+              <a:fillRect/>
+            </a:stretch>
+          </p:blipFill>
+          <p:spPr>
+            <a:xfrm>
+              <a:off x="5990335" y="1815367"/>
+              <a:ext cx="481585" cy="481585"/>
+            </a:xfrm>
+            <a:prstGeom prst="rect">
+              <a:avLst/>
+            </a:prstGeom>
+          </p:spPr>
+        </p:pic>
+        <p:sp>
+          <p:nvSpPr>
+            <p:cNvPr id="33" name="TextBox 32">
+              <a:extLst>
+                <a:ext uri="{FF2B5EF4-FFF2-40B4-BE49-F238E27FC236}">
+                  <a16:creationId xmlns:a16="http://schemas.microsoft.com/office/drawing/2014/main" id="{48BFE2AA-3147-CC4A-BD4B-B8ABFB60576D}"/>
+                </a:ext>
+              </a:extLst>
+            </p:cNvPr>
+            <p:cNvSpPr txBox="1"/>
+            <p:nvPr/>
+          </p:nvSpPr>
+          <p:spPr>
+            <a:xfrm>
+              <a:off x="6680200" y="1814155"/>
+              <a:ext cx="5725280" cy="400110"/>
+            </a:xfrm>
+            <a:prstGeom prst="rect">
+              <a:avLst/>
+            </a:prstGeom>
+            <a:noFill/>
+          </p:spPr>
+          <p:txBody>
+            <a:bodyPr wrap="square" rtlCol="0">
+              <a:spAutoFit/>
+            </a:bodyPr>
+            <a:lstStyle/>
+            <a:p>
+              <a:r>
+                <a:rPr lang="en-US" sz="2000" dirty="0">
+                  <a:solidFill>
+                    <a:schemeClr val="bg1"/>
+                  </a:solidFill>
+                </a:rPr>
+                <a:t>Application Insights</a:t>
+              </a:r>
+            </a:p>
+          </p:txBody>
+        </p:sp>
+        <p:pic>
+          <p:nvPicPr>
+            <p:cNvPr id="34" name="Picture 33">
+              <a:extLst>
+                <a:ext uri="{FF2B5EF4-FFF2-40B4-BE49-F238E27FC236}">
+                  <a16:creationId xmlns:a16="http://schemas.microsoft.com/office/drawing/2014/main" id="{E58F324B-A0B5-7B49-BEA7-8F09A936CD64}"/>
+                </a:ext>
+              </a:extLst>
+            </p:cNvPr>
+            <p:cNvPicPr>
+              <a:picLocks noChangeAspect="1"/>
+            </p:cNvPicPr>
+            <p:nvPr/>
+          </p:nvPicPr>
+          <p:blipFill>
+            <a:blip r:embed="rId4">
+              <a:extLst>
+                <a:ext uri="{28A0092B-C50C-407E-A947-70E740481C1C}">
+                  <a14:useLocalDpi xmlns:a14="http://schemas.microsoft.com/office/drawing/2010/main" val="0"/>
+                </a:ext>
+              </a:extLst>
+            </a:blip>
+            <a:stretch>
+              <a:fillRect/>
+            </a:stretch>
+          </p:blipFill>
+          <p:spPr>
+            <a:xfrm>
+              <a:off x="6033931" y="2496905"/>
+              <a:ext cx="414427" cy="414427"/>
+            </a:xfrm>
+            <a:prstGeom prst="rect">
+              <a:avLst/>
+            </a:prstGeom>
+          </p:spPr>
+        </p:pic>
+        <p:pic>
+          <p:nvPicPr>
+            <p:cNvPr id="35" name="Picture 34">
+              <a:extLst>
+                <a:ext uri="{FF2B5EF4-FFF2-40B4-BE49-F238E27FC236}">
+                  <a16:creationId xmlns:a16="http://schemas.microsoft.com/office/drawing/2014/main" id="{F68D8413-EC01-454C-ADE8-DA6DF6B4BA1D}"/>
+                </a:ext>
+              </a:extLst>
+            </p:cNvPr>
+            <p:cNvPicPr>
+              <a:picLocks noChangeAspect="1"/>
+            </p:cNvPicPr>
+            <p:nvPr/>
+          </p:nvPicPr>
+          <p:blipFill>
+            <a:blip r:embed="rId5">
+              <a:extLst>
+                <a:ext uri="{28A0092B-C50C-407E-A947-70E740481C1C}">
+                  <a14:useLocalDpi xmlns:a14="http://schemas.microsoft.com/office/drawing/2010/main" val="0"/>
+                </a:ext>
+              </a:extLst>
+            </a:blip>
+            <a:stretch>
+              <a:fillRect/>
+            </a:stretch>
+          </p:blipFill>
+          <p:spPr>
+            <a:xfrm>
+              <a:off x="6061871" y="3183727"/>
+              <a:ext cx="476505" cy="476505"/>
+            </a:xfrm>
+            <a:prstGeom prst="rect">
+              <a:avLst/>
+            </a:prstGeom>
+          </p:spPr>
+        </p:pic>
+        <p:sp>
+          <p:nvSpPr>
+            <p:cNvPr id="36" name="TextBox 35">
+              <a:extLst>
+                <a:ext uri="{FF2B5EF4-FFF2-40B4-BE49-F238E27FC236}">
+                  <a16:creationId xmlns:a16="http://schemas.microsoft.com/office/drawing/2014/main" id="{C5557128-9697-EE40-AF22-6BB15BDB30B5}"/>
+                </a:ext>
+              </a:extLst>
+            </p:cNvPr>
+            <p:cNvSpPr txBox="1"/>
+            <p:nvPr/>
+          </p:nvSpPr>
+          <p:spPr>
+            <a:xfrm>
+              <a:off x="6697980" y="2485037"/>
+              <a:ext cx="5725280" cy="400110"/>
+            </a:xfrm>
+            <a:prstGeom prst="rect">
+              <a:avLst/>
+            </a:prstGeom>
+            <a:noFill/>
+          </p:spPr>
+          <p:txBody>
+            <a:bodyPr wrap="square" rtlCol="0">
+              <a:spAutoFit/>
+            </a:bodyPr>
+            <a:lstStyle/>
+            <a:p>
+              <a:r>
+                <a:rPr lang="en-US" sz="2000" dirty="0">
+                  <a:solidFill>
+                    <a:schemeClr val="bg1"/>
+                  </a:solidFill>
+                </a:rPr>
+                <a:t>Azure Web Apps</a:t>
+              </a:r>
+            </a:p>
+          </p:txBody>
+        </p:sp>
+        <p:sp>
+          <p:nvSpPr>
+            <p:cNvPr id="37" name="TextBox 36">
+              <a:extLst>
+                <a:ext uri="{FF2B5EF4-FFF2-40B4-BE49-F238E27FC236}">
+                  <a16:creationId xmlns:a16="http://schemas.microsoft.com/office/drawing/2014/main" id="{0099853C-C5D7-4841-9EA1-9E44C4D308C9}"/>
+                </a:ext>
+              </a:extLst>
+            </p:cNvPr>
+            <p:cNvSpPr txBox="1"/>
+            <p:nvPr/>
+          </p:nvSpPr>
+          <p:spPr>
+            <a:xfrm>
+              <a:off x="6659880" y="3171859"/>
+              <a:ext cx="5725280" cy="400110"/>
+            </a:xfrm>
+            <a:prstGeom prst="rect">
+              <a:avLst/>
+            </a:prstGeom>
+            <a:noFill/>
+          </p:spPr>
+          <p:txBody>
+            <a:bodyPr wrap="square" rtlCol="0">
+              <a:spAutoFit/>
+            </a:bodyPr>
+            <a:lstStyle/>
+            <a:p>
+              <a:r>
+                <a:rPr lang="en-US" sz="2000" dirty="0">
+                  <a:solidFill>
+                    <a:schemeClr val="bg1"/>
+                  </a:solidFill>
+                </a:rPr>
+                <a:t>Azure SQL Database</a:t>
+              </a:r>
+            </a:p>
+          </p:txBody>
+        </p:sp>
+        <p:cxnSp>
+          <p:nvCxnSpPr>
+            <p:cNvPr id="38" name="Straight Arrow Connector 37">
+              <a:extLst>
+                <a:ext uri="{FF2B5EF4-FFF2-40B4-BE49-F238E27FC236}">
+                  <a16:creationId xmlns:a16="http://schemas.microsoft.com/office/drawing/2014/main" id="{57CF36C1-EE55-C247-862A-0BFA1B0053FA}"/>
+                </a:ext>
+              </a:extLst>
+            </p:cNvPr>
+            <p:cNvCxnSpPr>
+              <a:cxnSpLocks/>
+              <a:stCxn id="42" idx="3"/>
+              <a:endCxn id="43" idx="1"/>
+            </p:cNvCxnSpPr>
+            <p:nvPr/>
+          </p:nvCxnSpPr>
+          <p:spPr>
+            <a:xfrm>
+              <a:off x="2825314" y="4464769"/>
+              <a:ext cx="465694" cy="0"/>
+            </a:xfrm>
+            <a:prstGeom prst="straightConnector1">
+              <a:avLst/>
+            </a:prstGeom>
+            <a:ln w="9525" cap="flat" cmpd="sng" algn="ctr">
+              <a:solidFill>
+                <a:schemeClr val="accent6"/>
+              </a:solidFill>
+              <a:prstDash val="solid"/>
+              <a:round/>
+              <a:headEnd type="none" w="med" len="med"/>
+              <a:tailEnd type="arrow" w="med" len="med"/>
+            </a:ln>
+          </p:spPr>
+          <p:style>
+            <a:lnRef idx="0">
+              <a:scrgbClr r="0" g="0" b="0"/>
+            </a:lnRef>
+            <a:fillRef idx="0">
+              <a:scrgbClr r="0" g="0" b="0"/>
+            </a:fillRef>
+            <a:effectRef idx="0">
+              <a:scrgbClr r="0" g="0" b="0"/>
+            </a:effectRef>
+            <a:fontRef idx="minor">
+              <a:schemeClr val="tx1"/>
+            </a:fontRef>
+          </p:style>
+        </p:cxnSp>
+        <p:cxnSp>
+          <p:nvCxnSpPr>
+            <p:cNvPr id="39" name="Straight Arrow Connector 38">
+              <a:extLst>
+                <a:ext uri="{FF2B5EF4-FFF2-40B4-BE49-F238E27FC236}">
+                  <a16:creationId xmlns:a16="http://schemas.microsoft.com/office/drawing/2014/main" id="{F843752D-26EA-B14F-9AEB-1EB1803F77C1}"/>
+                </a:ext>
+              </a:extLst>
+            </p:cNvPr>
+            <p:cNvCxnSpPr>
+              <a:cxnSpLocks/>
+              <a:stCxn id="43" idx="3"/>
+              <a:endCxn id="44" idx="1"/>
+            </p:cNvCxnSpPr>
+            <p:nvPr/>
+          </p:nvCxnSpPr>
+          <p:spPr>
+            <a:xfrm>
+              <a:off x="4971969" y="4464769"/>
+              <a:ext cx="465694" cy="0"/>
+            </a:xfrm>
+            <a:prstGeom prst="straightConnector1">
+              <a:avLst/>
+            </a:prstGeom>
+            <a:ln w="9525" cap="flat" cmpd="sng" algn="ctr">
+              <a:solidFill>
+                <a:schemeClr val="accent6"/>
+              </a:solidFill>
+              <a:prstDash val="solid"/>
+              <a:round/>
+              <a:headEnd type="none" w="med" len="med"/>
+              <a:tailEnd type="arrow" w="med" len="med"/>
+            </a:ln>
+          </p:spPr>
+          <p:style>
+            <a:lnRef idx="0">
+              <a:scrgbClr r="0" g="0" b="0"/>
+            </a:lnRef>
+            <a:fillRef idx="0">
+              <a:scrgbClr r="0" g="0" b="0"/>
+            </a:fillRef>
+            <a:effectRef idx="0">
+              <a:scrgbClr r="0" g="0" b="0"/>
+            </a:effectRef>
+            <a:fontRef idx="minor">
+              <a:schemeClr val="tx1"/>
+            </a:fontRef>
+          </p:style>
+        </p:cxnSp>
+        <p:cxnSp>
+          <p:nvCxnSpPr>
+            <p:cNvPr id="40" name="Straight Arrow Connector 39">
+              <a:extLst>
+                <a:ext uri="{FF2B5EF4-FFF2-40B4-BE49-F238E27FC236}">
+                  <a16:creationId xmlns:a16="http://schemas.microsoft.com/office/drawing/2014/main" id="{42A12A54-8ECD-D240-BA4B-7F7457D6220A}"/>
+                </a:ext>
+              </a:extLst>
+            </p:cNvPr>
+            <p:cNvCxnSpPr>
+              <a:cxnSpLocks/>
+              <a:stCxn id="44" idx="3"/>
+              <a:endCxn id="45" idx="1"/>
+            </p:cNvCxnSpPr>
+            <p:nvPr/>
+          </p:nvCxnSpPr>
+          <p:spPr>
+            <a:xfrm>
+              <a:off x="7118624" y="4464769"/>
+              <a:ext cx="465694" cy="0"/>
+            </a:xfrm>
+            <a:prstGeom prst="straightConnector1">
+              <a:avLst/>
+            </a:prstGeom>
+            <a:ln w="9525" cap="flat" cmpd="sng" algn="ctr">
+              <a:solidFill>
+                <a:schemeClr val="accent6"/>
+              </a:solidFill>
+              <a:prstDash val="solid"/>
+              <a:round/>
+              <a:headEnd type="none" w="med" len="med"/>
+              <a:tailEnd type="arrow" w="med" len="med"/>
+            </a:ln>
+          </p:spPr>
+          <p:style>
+            <a:lnRef idx="0">
+              <a:scrgbClr r="0" g="0" b="0"/>
+            </a:lnRef>
+            <a:fillRef idx="0">
+              <a:scrgbClr r="0" g="0" b="0"/>
+            </a:fillRef>
+            <a:effectRef idx="0">
+              <a:scrgbClr r="0" g="0" b="0"/>
+            </a:effectRef>
+            <a:fontRef idx="minor">
+              <a:schemeClr val="tx1"/>
+            </a:fontRef>
+          </p:style>
+        </p:cxnSp>
+        <p:cxnSp>
+          <p:nvCxnSpPr>
+            <p:cNvPr id="41" name="Straight Arrow Connector 40">
+              <a:extLst>
+                <a:ext uri="{FF2B5EF4-FFF2-40B4-BE49-F238E27FC236}">
+                  <a16:creationId xmlns:a16="http://schemas.microsoft.com/office/drawing/2014/main" id="{91E484E9-96C1-8A44-8F11-1BBC54693432}"/>
+                </a:ext>
+              </a:extLst>
+            </p:cNvPr>
+            <p:cNvCxnSpPr>
+              <a:cxnSpLocks/>
+              <a:stCxn id="45" idx="3"/>
+              <a:endCxn id="46" idx="1"/>
+            </p:cNvCxnSpPr>
+            <p:nvPr/>
+          </p:nvCxnSpPr>
+          <p:spPr>
+            <a:xfrm>
+              <a:off x="9265279" y="4464769"/>
+              <a:ext cx="465694" cy="0"/>
+            </a:xfrm>
+            <a:prstGeom prst="straightConnector1">
+              <a:avLst/>
+            </a:prstGeom>
+            <a:ln w="9525" cap="flat" cmpd="sng" algn="ctr">
+              <a:solidFill>
+                <a:schemeClr val="accent6"/>
+              </a:solidFill>
+              <a:prstDash val="solid"/>
+              <a:round/>
+              <a:headEnd type="none" w="med" len="med"/>
+              <a:tailEnd type="arrow" w="med" len="med"/>
+            </a:ln>
+          </p:spPr>
+          <p:style>
+            <a:lnRef idx="0">
+              <a:scrgbClr r="0" g="0" b="0"/>
+            </a:lnRef>
+            <a:fillRef idx="0">
+              <a:scrgbClr r="0" g="0" b="0"/>
+            </a:fillRef>
+            <a:effectRef idx="0">
+              <a:scrgbClr r="0" g="0" b="0"/>
+            </a:effectRef>
+            <a:fontRef idx="minor">
+              <a:schemeClr val="tx1"/>
+            </a:fontRef>
+          </p:style>
+        </p:cxnSp>
+        <p:sp>
+          <p:nvSpPr>
+            <p:cNvPr id="42" name="Rectangle 41">
+              <a:extLst>
+                <a:ext uri="{FF2B5EF4-FFF2-40B4-BE49-F238E27FC236}">
+                  <a16:creationId xmlns:a16="http://schemas.microsoft.com/office/drawing/2014/main" id="{F287FCDA-44F4-F84C-A95F-92465609DD8A}"/>
+                </a:ext>
+              </a:extLst>
+            </p:cNvPr>
+            <p:cNvSpPr/>
+            <p:nvPr/>
+          </p:nvSpPr>
+          <p:spPr bwMode="auto">
+            <a:xfrm>
+              <a:off x="441086" y="4071130"/>
+              <a:ext cx="2384228" cy="787277"/>
+            </a:xfrm>
+            <a:prstGeom prst="rect">
+              <a:avLst/>
+            </a:prstGeom>
+            <a:solidFill>
+              <a:srgbClr val="002060"/>
+            </a:solidFill>
+            <a:ln>
+              <a:noFill/>
+              <a:headEnd type="none" w="med" len="med"/>
+              <a:tailEnd type="none" w="med" len="med"/>
+            </a:ln>
+            <a:effectLst/>
+          </p:spPr>
+          <p:style>
+            <a:lnRef idx="1">
+              <a:schemeClr val="accent2"/>
+            </a:lnRef>
+            <a:fillRef idx="3">
+              <a:schemeClr val="accent2"/>
+            </a:fillRef>
+            <a:effectRef idx="2">
+              <a:schemeClr val="accent2"/>
+            </a:effectRef>
+            <a:fontRef idx="minor">
+              <a:schemeClr val="lt1"/>
+            </a:fontRef>
+          </p:style>
+          <p:txBody>
+            <a:bodyPr rot="0" spcFirstLastPara="0" vertOverflow="overflow" horzOverflow="overflow" vert="horz" wrap="square" lIns="182857" tIns="146285" rIns="182857" bIns="146285" numCol="1" spcCol="0" rtlCol="0" fromWordArt="0" anchor="t" anchorCtr="0" forceAA="0" compatLnSpc="1">
+              <a:prstTxWarp prst="textNoShape">
+                <a:avLst/>
+              </a:prstTxWarp>
+              <a:noAutofit/>
+            </a:bodyPr>
+            <a:lstStyle/>
+            <a:p>
+              <a:pPr marL="0" marR="0" lvl="0" indent="0" algn="ctr" defTabSz="932021" rtl="0" eaLnBrk="1" fontAlgn="auto" latinLnBrk="0" hangingPunct="1">
+                <a:lnSpc>
+                  <a:spcPct val="90000"/>
+                </a:lnSpc>
+                <a:spcBef>
+                  <a:spcPts val="0"/>
+                </a:spcBef>
+                <a:spcAft>
+                  <a:spcPts val="0"/>
+                </a:spcAft>
+                <a:buClrTx/>
+                <a:buSzTx/>
+                <a:buFontTx/>
+                <a:buNone/>
+                <a:tabLst/>
+                <a:defRPr/>
+              </a:pPr>
+              <a:r>
+                <a:rPr kumimoji="0" lang="en-US" sz="1400" b="1" i="0" u="none" strike="noStrike" kern="0" cap="none" spc="0" normalizeH="0" baseline="0" noProof="0" dirty="0">
+                  <a:ln>
+                    <a:noFill/>
+                  </a:ln>
+                  <a:gradFill>
+                    <a:gsLst>
+                      <a:gs pos="0">
+                        <a:srgbClr val="FFFFFF"/>
+                      </a:gs>
+                      <a:gs pos="100000">
+                        <a:srgbClr val="FFFFFF"/>
+                      </a:gs>
+                    </a:gsLst>
+                    <a:lin ang="5400000" scaled="0"/>
+                  </a:gradFill>
+                  <a:effectLst/>
+                  <a:uLnTx/>
+                  <a:uFillTx/>
+                  <a:latin typeface="Segoe UI Light"/>
+                  <a:ea typeface="Segoe UI" pitchFamily="34" charset="0"/>
+                  <a:cs typeface="Segoe UI" pitchFamily="34" charset="0"/>
+                </a:rPr>
+                <a:t>SOURCE CONTROL</a:t>
+              </a:r>
+            </a:p>
+          </p:txBody>
+        </p:sp>
+        <p:sp>
+          <p:nvSpPr>
+            <p:cNvPr id="43" name="Rectangle 42">
+              <a:extLst>
+                <a:ext uri="{FF2B5EF4-FFF2-40B4-BE49-F238E27FC236}">
+                  <a16:creationId xmlns:a16="http://schemas.microsoft.com/office/drawing/2014/main" id="{DD6B0566-FC8A-7144-8705-55EA7F0179EC}"/>
+                </a:ext>
+              </a:extLst>
+            </p:cNvPr>
+            <p:cNvSpPr/>
+            <p:nvPr/>
+          </p:nvSpPr>
+          <p:spPr bwMode="auto">
+            <a:xfrm>
+              <a:off x="3291008" y="4071130"/>
+              <a:ext cx="1680961" cy="787277"/>
+            </a:xfrm>
+            <a:prstGeom prst="rect">
+              <a:avLst/>
+            </a:prstGeom>
+            <a:solidFill>
+              <a:srgbClr val="002060"/>
+            </a:solidFill>
+            <a:ln>
+              <a:noFill/>
+              <a:headEnd type="none" w="med" len="med"/>
+              <a:tailEnd type="none" w="med" len="med"/>
+            </a:ln>
+            <a:effectLst/>
+          </p:spPr>
+          <p:style>
+            <a:lnRef idx="1">
+              <a:schemeClr val="accent2"/>
+            </a:lnRef>
+            <a:fillRef idx="3">
+              <a:schemeClr val="accent2"/>
+            </a:fillRef>
+            <a:effectRef idx="2">
+              <a:schemeClr val="accent2"/>
+            </a:effectRef>
+            <a:fontRef idx="minor">
+              <a:schemeClr val="lt1"/>
+            </a:fontRef>
+          </p:style>
+          <p:txBody>
+            <a:bodyPr rot="0" spcFirstLastPara="0" vertOverflow="overflow" horzOverflow="overflow" vert="horz" wrap="square" lIns="182857" tIns="146285" rIns="182857" bIns="146285" numCol="1" spcCol="0" rtlCol="0" fromWordArt="0" anchor="t" anchorCtr="0" forceAA="0" compatLnSpc="1">
+              <a:prstTxWarp prst="textNoShape">
+                <a:avLst/>
+              </a:prstTxWarp>
+              <a:noAutofit/>
+            </a:bodyPr>
+            <a:lstStyle/>
+            <a:p>
+              <a:pPr marL="0" marR="0" lvl="0" indent="0" algn="ctr" defTabSz="932021" rtl="0" eaLnBrk="1" fontAlgn="auto" latinLnBrk="0" hangingPunct="1">
+                <a:lnSpc>
+                  <a:spcPct val="90000"/>
+                </a:lnSpc>
+                <a:spcBef>
+                  <a:spcPts val="0"/>
+                </a:spcBef>
+                <a:spcAft>
+                  <a:spcPts val="0"/>
+                </a:spcAft>
+                <a:buClrTx/>
+                <a:buSzTx/>
+                <a:buFontTx/>
+                <a:buNone/>
+                <a:tabLst/>
+                <a:defRPr/>
+              </a:pPr>
+              <a:r>
+                <a:rPr kumimoji="0" lang="en-US" sz="1400" b="1" i="0" u="none" strike="noStrike" kern="0" cap="none" spc="0" normalizeH="0" baseline="0" noProof="0" dirty="0">
+                  <a:ln>
+                    <a:noFill/>
+                  </a:ln>
+                  <a:gradFill>
+                    <a:gsLst>
+                      <a:gs pos="0">
+                        <a:srgbClr val="FFFFFF"/>
+                      </a:gs>
+                      <a:gs pos="100000">
+                        <a:srgbClr val="FFFFFF"/>
+                      </a:gs>
+                    </a:gsLst>
+                    <a:lin ang="5400000" scaled="0"/>
+                  </a:gradFill>
+                  <a:effectLst/>
+                  <a:uLnTx/>
+                  <a:uFillTx/>
+                  <a:latin typeface="Segoe UI Light"/>
+                  <a:ea typeface="Segoe UI" pitchFamily="34" charset="0"/>
+                  <a:cs typeface="Segoe UI" pitchFamily="34" charset="0"/>
+                </a:rPr>
+                <a:t>CI</a:t>
+              </a:r>
+            </a:p>
+          </p:txBody>
+        </p:sp>
+        <p:sp>
+          <p:nvSpPr>
+            <p:cNvPr id="44" name="Rectangle 43">
+              <a:extLst>
+                <a:ext uri="{FF2B5EF4-FFF2-40B4-BE49-F238E27FC236}">
+                  <a16:creationId xmlns:a16="http://schemas.microsoft.com/office/drawing/2014/main" id="{CCB77853-079F-0647-8CFD-720043CD1C25}"/>
+                </a:ext>
+              </a:extLst>
+            </p:cNvPr>
+            <p:cNvSpPr/>
+            <p:nvPr/>
+          </p:nvSpPr>
+          <p:spPr bwMode="auto">
+            <a:xfrm>
+              <a:off x="5437663" y="4071130"/>
+              <a:ext cx="1680961" cy="787277"/>
+            </a:xfrm>
+            <a:prstGeom prst="rect">
+              <a:avLst/>
+            </a:prstGeom>
+            <a:solidFill>
+              <a:srgbClr val="002060"/>
+            </a:solidFill>
+            <a:ln>
+              <a:noFill/>
+              <a:headEnd type="none" w="med" len="med"/>
+              <a:tailEnd type="none" w="med" len="med"/>
+            </a:ln>
+            <a:effectLst/>
+          </p:spPr>
+          <p:style>
+            <a:lnRef idx="1">
+              <a:schemeClr val="accent2"/>
+            </a:lnRef>
+            <a:fillRef idx="3">
+              <a:schemeClr val="accent2"/>
+            </a:fillRef>
+            <a:effectRef idx="2">
+              <a:schemeClr val="accent2"/>
+            </a:effectRef>
+            <a:fontRef idx="minor">
+              <a:schemeClr val="lt1"/>
+            </a:fontRef>
+          </p:style>
+          <p:txBody>
+            <a:bodyPr rot="0" spcFirstLastPara="0" vertOverflow="overflow" horzOverflow="overflow" vert="horz" wrap="square" lIns="182857" tIns="146285" rIns="182857" bIns="146285" numCol="1" spcCol="0" rtlCol="0" fromWordArt="0" anchor="t" anchorCtr="0" forceAA="0" compatLnSpc="1">
+              <a:prstTxWarp prst="textNoShape">
+                <a:avLst/>
+              </a:prstTxWarp>
+              <a:noAutofit/>
+            </a:bodyPr>
+            <a:lstStyle/>
+            <a:p>
+              <a:pPr marL="0" marR="0" lvl="0" indent="0" algn="ctr" defTabSz="932021" rtl="0" eaLnBrk="1" fontAlgn="auto" latinLnBrk="0" hangingPunct="1">
+                <a:lnSpc>
+                  <a:spcPct val="90000"/>
+                </a:lnSpc>
+                <a:spcBef>
+                  <a:spcPts val="0"/>
+                </a:spcBef>
+                <a:spcAft>
+                  <a:spcPts val="0"/>
+                </a:spcAft>
+                <a:buClrTx/>
+                <a:buSzTx/>
+                <a:buFontTx/>
+                <a:buNone/>
+                <a:tabLst/>
+                <a:defRPr/>
+              </a:pPr>
+              <a:r>
+                <a:rPr kumimoji="0" lang="en-US" sz="1400" b="1" i="0" u="none" strike="noStrike" kern="0" cap="none" spc="0" normalizeH="0" baseline="0" noProof="0" dirty="0">
+                  <a:ln>
+                    <a:noFill/>
+                  </a:ln>
+                  <a:gradFill>
+                    <a:gsLst>
+                      <a:gs pos="0">
+                        <a:srgbClr val="FFFFFF"/>
+                      </a:gs>
+                      <a:gs pos="100000">
+                        <a:srgbClr val="FFFFFF"/>
+                      </a:gs>
+                    </a:gsLst>
+                    <a:lin ang="5400000" scaled="0"/>
+                  </a:gradFill>
+                  <a:effectLst/>
+                  <a:uLnTx/>
+                  <a:uFillTx/>
+                  <a:latin typeface="Segoe UI Light"/>
+                  <a:ea typeface="Segoe UI" pitchFamily="34" charset="0"/>
+                  <a:cs typeface="Segoe UI" pitchFamily="34" charset="0"/>
+                </a:rPr>
+                <a:t>PACKAGE</a:t>
+              </a:r>
+            </a:p>
+          </p:txBody>
+        </p:sp>
+        <p:sp>
+          <p:nvSpPr>
+            <p:cNvPr id="45" name="Rectangle 44">
+              <a:extLst>
+                <a:ext uri="{FF2B5EF4-FFF2-40B4-BE49-F238E27FC236}">
+                  <a16:creationId xmlns:a16="http://schemas.microsoft.com/office/drawing/2014/main" id="{FCE3FA5F-57C9-0E4F-99FF-BC58E443BC15}"/>
+                </a:ext>
+              </a:extLst>
+            </p:cNvPr>
+            <p:cNvSpPr/>
+            <p:nvPr/>
+          </p:nvSpPr>
+          <p:spPr bwMode="auto">
+            <a:xfrm>
+              <a:off x="7584318" y="4071130"/>
+              <a:ext cx="1680961" cy="787277"/>
+            </a:xfrm>
+            <a:prstGeom prst="rect">
+              <a:avLst/>
+            </a:prstGeom>
+            <a:solidFill>
+              <a:srgbClr val="002060"/>
+            </a:solidFill>
+            <a:ln>
+              <a:noFill/>
+              <a:headEnd type="none" w="med" len="med"/>
+              <a:tailEnd type="none" w="med" len="med"/>
+            </a:ln>
+            <a:effectLst/>
+          </p:spPr>
+          <p:style>
+            <a:lnRef idx="1">
+              <a:schemeClr val="accent2"/>
+            </a:lnRef>
+            <a:fillRef idx="3">
+              <a:schemeClr val="accent2"/>
+            </a:fillRef>
+            <a:effectRef idx="2">
+              <a:schemeClr val="accent2"/>
+            </a:effectRef>
+            <a:fontRef idx="minor">
+              <a:schemeClr val="lt1"/>
+            </a:fontRef>
+          </p:style>
+          <p:txBody>
+            <a:bodyPr rot="0" spcFirstLastPara="0" vertOverflow="overflow" horzOverflow="overflow" vert="horz" wrap="square" lIns="182857" tIns="146285" rIns="182857" bIns="146285" numCol="1" spcCol="0" rtlCol="0" fromWordArt="0" anchor="t" anchorCtr="0" forceAA="0" compatLnSpc="1">
+              <a:prstTxWarp prst="textNoShape">
+                <a:avLst/>
+              </a:prstTxWarp>
+              <a:noAutofit/>
+            </a:bodyPr>
+            <a:lstStyle/>
+            <a:p>
+              <a:pPr marL="0" marR="0" lvl="0" indent="0" algn="ctr" defTabSz="932021" rtl="0" eaLnBrk="1" fontAlgn="auto" latinLnBrk="0" hangingPunct="1">
+                <a:lnSpc>
+                  <a:spcPct val="90000"/>
+                </a:lnSpc>
+                <a:spcBef>
+                  <a:spcPts val="0"/>
+                </a:spcBef>
+                <a:spcAft>
+                  <a:spcPts val="0"/>
+                </a:spcAft>
+                <a:buClrTx/>
+                <a:buSzTx/>
+                <a:buFontTx/>
+                <a:buNone/>
+                <a:tabLst/>
+                <a:defRPr/>
+              </a:pPr>
+              <a:r>
+                <a:rPr kumimoji="0" lang="en-US" sz="1400" b="1" i="0" u="none" strike="noStrike" kern="0" cap="none" spc="0" normalizeH="0" baseline="0" noProof="0" dirty="0">
+                  <a:ln>
+                    <a:noFill/>
+                  </a:ln>
+                  <a:gradFill>
+                    <a:gsLst>
+                      <a:gs pos="0">
+                        <a:srgbClr val="FFFFFF"/>
+                      </a:gs>
+                      <a:gs pos="100000">
+                        <a:srgbClr val="FFFFFF"/>
+                      </a:gs>
+                    </a:gsLst>
+                    <a:lin ang="5400000" scaled="0"/>
+                  </a:gradFill>
+                  <a:effectLst/>
+                  <a:uLnTx/>
+                  <a:uFillTx/>
+                  <a:latin typeface="Segoe UI Light"/>
+                  <a:ea typeface="Segoe UI" pitchFamily="34" charset="0"/>
+                  <a:cs typeface="Segoe UI" pitchFamily="34" charset="0"/>
+                </a:rPr>
+                <a:t>PIPELINE</a:t>
+              </a:r>
+            </a:p>
+          </p:txBody>
+        </p:sp>
+        <p:sp>
+          <p:nvSpPr>
+            <p:cNvPr id="46" name="Rectangle 45">
+              <a:extLst>
+                <a:ext uri="{FF2B5EF4-FFF2-40B4-BE49-F238E27FC236}">
+                  <a16:creationId xmlns:a16="http://schemas.microsoft.com/office/drawing/2014/main" id="{57487DC0-8DD9-E046-A190-055F40EEE8D9}"/>
+                </a:ext>
+              </a:extLst>
+            </p:cNvPr>
+            <p:cNvSpPr/>
+            <p:nvPr/>
+          </p:nvSpPr>
+          <p:spPr bwMode="auto">
+            <a:xfrm>
+              <a:off x="9730973" y="4071130"/>
+              <a:ext cx="1680961" cy="787277"/>
+            </a:xfrm>
+            <a:prstGeom prst="rect">
+              <a:avLst/>
+            </a:prstGeom>
+            <a:solidFill>
+              <a:srgbClr val="002060"/>
+            </a:solidFill>
+            <a:ln>
+              <a:noFill/>
+              <a:headEnd type="none" w="med" len="med"/>
+              <a:tailEnd type="none" w="med" len="med"/>
+            </a:ln>
+            <a:effectLst/>
+          </p:spPr>
+          <p:style>
+            <a:lnRef idx="1">
+              <a:schemeClr val="accent2"/>
+            </a:lnRef>
+            <a:fillRef idx="3">
+              <a:schemeClr val="accent2"/>
+            </a:fillRef>
+            <a:effectRef idx="2">
+              <a:schemeClr val="accent2"/>
+            </a:effectRef>
+            <a:fontRef idx="minor">
+              <a:schemeClr val="lt1"/>
+            </a:fontRef>
+          </p:style>
+          <p:txBody>
+            <a:bodyPr rot="0" spcFirstLastPara="0" vertOverflow="overflow" horzOverflow="overflow" vert="horz" wrap="square" lIns="182857" tIns="146285" rIns="182857" bIns="146285" numCol="1" spcCol="0" rtlCol="0" fromWordArt="0" anchor="t" anchorCtr="0" forceAA="0" compatLnSpc="1">
+              <a:prstTxWarp prst="textNoShape">
+                <a:avLst/>
+              </a:prstTxWarp>
+              <a:noAutofit/>
+            </a:bodyPr>
+            <a:lstStyle/>
+            <a:p>
+              <a:pPr marL="0" marR="0" lvl="0" indent="0" algn="ctr" defTabSz="932021" rtl="0" eaLnBrk="1" fontAlgn="auto" latinLnBrk="0" hangingPunct="1">
+                <a:lnSpc>
+                  <a:spcPct val="90000"/>
+                </a:lnSpc>
+                <a:spcBef>
+                  <a:spcPts val="0"/>
+                </a:spcBef>
+                <a:spcAft>
+                  <a:spcPts val="0"/>
+                </a:spcAft>
+                <a:buClrTx/>
+                <a:buSzTx/>
+                <a:buFontTx/>
+                <a:buNone/>
+                <a:tabLst/>
+                <a:defRPr/>
+              </a:pPr>
+              <a:r>
+                <a:rPr kumimoji="0" lang="en-US" sz="1400" b="1" i="0" u="none" strike="noStrike" kern="0" cap="none" spc="0" normalizeH="0" baseline="0" noProof="0" dirty="0">
+                  <a:ln>
+                    <a:noFill/>
+                  </a:ln>
+                  <a:gradFill>
+                    <a:gsLst>
+                      <a:gs pos="0">
+                        <a:srgbClr val="FFFFFF"/>
+                      </a:gs>
+                      <a:gs pos="100000">
+                        <a:srgbClr val="FFFFFF"/>
+                      </a:gs>
+                    </a:gsLst>
+                    <a:lin ang="5400000" scaled="0"/>
+                  </a:gradFill>
+                  <a:effectLst/>
+                  <a:uLnTx/>
+                  <a:uFillTx/>
+                  <a:latin typeface="Segoe UI Light"/>
+                  <a:ea typeface="Segoe UI" pitchFamily="34" charset="0"/>
+                  <a:cs typeface="Segoe UI" pitchFamily="34" charset="0"/>
+                </a:rPr>
+                <a:t>DEPLOYMENT</a:t>
+              </a:r>
+            </a:p>
+          </p:txBody>
+        </p:sp>
+        <p:pic>
+          <p:nvPicPr>
+            <p:cNvPr id="47" name="Picture 46">
+              <a:extLst>
+                <a:ext uri="{FF2B5EF4-FFF2-40B4-BE49-F238E27FC236}">
+                  <a16:creationId xmlns:a16="http://schemas.microsoft.com/office/drawing/2014/main" id="{4DAF3537-251F-0345-A0CF-D9373178DB5D}"/>
+                </a:ext>
+              </a:extLst>
+            </p:cNvPr>
+            <p:cNvPicPr>
+              <a:picLocks noChangeAspect="1"/>
+            </p:cNvPicPr>
+            <p:nvPr/>
+          </p:nvPicPr>
+          <p:blipFill>
+            <a:blip r:embed="rId6"/>
+            <a:stretch>
+              <a:fillRect/>
+            </a:stretch>
+          </p:blipFill>
+          <p:spPr>
+            <a:xfrm>
+              <a:off x="427878" y="2403332"/>
+              <a:ext cx="508000" cy="508000"/>
+            </a:xfrm>
+            <a:prstGeom prst="rect">
+              <a:avLst/>
+            </a:prstGeom>
+          </p:spPr>
+        </p:pic>
+        <p:pic>
+          <p:nvPicPr>
+            <p:cNvPr id="48" name="Picture 47">
+              <a:extLst>
+                <a:ext uri="{FF2B5EF4-FFF2-40B4-BE49-F238E27FC236}">
+                  <a16:creationId xmlns:a16="http://schemas.microsoft.com/office/drawing/2014/main" id="{48EA22AD-2A54-B848-812F-328F65C6F175}"/>
+                </a:ext>
+              </a:extLst>
+            </p:cNvPr>
+            <p:cNvPicPr>
+              <a:picLocks noChangeAspect="1"/>
+            </p:cNvPicPr>
+            <p:nvPr/>
+          </p:nvPicPr>
+          <p:blipFill>
+            <a:blip r:embed="rId7"/>
+            <a:stretch>
+              <a:fillRect/>
+            </a:stretch>
+          </p:blipFill>
+          <p:spPr>
+            <a:xfrm>
+              <a:off x="426262" y="1747556"/>
+              <a:ext cx="508000" cy="508000"/>
+            </a:xfrm>
+            <a:prstGeom prst="rect">
+              <a:avLst/>
+            </a:prstGeom>
+          </p:spPr>
+        </p:pic>
+      </p:grpSp>
     </p:spTree>
     <p:extLst>
       <p:ext uri="{BB962C8B-B14F-4D97-AF65-F5344CB8AC3E}">
@@ -17848,36 +20585,2453 @@
           </a:p>
         </p:txBody>
       </p:sp>
-      <p:pic>
-        <p:nvPicPr>
-          <p:cNvPr id="5" name="Picture 4" descr="This diagram moves from left to right with arrows between icons that point in a straight line until the lines fork off to three icons in the Azure group at the far right.&#10;&#10;The Edit code (Visual Studio) icon points to an icon labeled Commit and push local branch to VSTS. This points to four icons that are collectively labeled Visual Studio Team Services. From left to right, they are Create a Pull Request for peer review, Merge to master, Continuous Integration (Build (+tests)), and Continuous Deployment (Release Management). &#10;&#10;The Continuous Deployment icon points at three groups of icons that are collectively labeled Azure and Application Insights. The three groups are development, test, and production, and each group includes App Service icons and Azure SQL icons." title="Preferred solution diagram">
+      <p:grpSp>
+        <p:nvGrpSpPr>
+          <p:cNvPr id="4" name="Group 3">
             <a:extLst>
               <a:ext uri="{FF2B5EF4-FFF2-40B4-BE49-F238E27FC236}">
-                <a16:creationId xmlns:a16="http://schemas.microsoft.com/office/drawing/2014/main" id="{7E151259-B98D-46DB-AC9B-A3E24A921E7F}"/>
+                <a16:creationId xmlns:a16="http://schemas.microsoft.com/office/drawing/2014/main" id="{238DAF7E-70EF-CB40-B552-5F405360D44D}"/>
               </a:ext>
             </a:extLst>
           </p:cNvPr>
-          <p:cNvPicPr>
-            <a:picLocks noChangeAspect="1"/>
-          </p:cNvPicPr>
+          <p:cNvGrpSpPr/>
           <p:nvPr/>
-        </p:nvPicPr>
-        <p:blipFill>
-          <a:blip r:embed="rId3"/>
-          <a:stretch>
-            <a:fillRect/>
-          </a:stretch>
-        </p:blipFill>
-        <p:spPr>
+        </p:nvGrpSpPr>
+        <p:grpSpPr>
           <a:xfrm>
-            <a:off x="839394" y="2769737"/>
-            <a:ext cx="10126151" cy="2902780"/>
+            <a:off x="440566" y="1958796"/>
+            <a:ext cx="11128289" cy="3164850"/>
+            <a:chOff x="340550" y="1958796"/>
+            <a:chExt cx="11128289" cy="3164850"/>
           </a:xfrm>
-          <a:prstGeom prst="rect">
-            <a:avLst/>
-          </a:prstGeom>
-        </p:spPr>
-      </p:pic>
+        </p:grpSpPr>
+        <p:grpSp>
+          <p:nvGrpSpPr>
+            <p:cNvPr id="6" name="Alt text group" descr="This diagram moves from left to right with arrows between icons that point in a straight line until the lines fork off to three icons in the Azure group at the far right.&#10;&#10;The Edit code (Visual Studio) icon points to an icon labeled Commit and push local branch to VSTS. This points to four icons that are collectively labeled Visual Studio Team Services. From left to right, they are Create a Pull Request for peer review, Merge to master, Continuous Integration (Build (+tests)), and Continuous Deployment (Release Management). &#10;&#10;The Continuous Deployment icon points at three groups of icons that are collectively labeled Azure and Application Insights. The three groups are development, test, and production, and each group includes App Service icons and Azure SQL icons." title="Preferred solution diagram">
+              <a:extLst>
+                <a:ext uri="{FF2B5EF4-FFF2-40B4-BE49-F238E27FC236}">
+                  <a16:creationId xmlns:a16="http://schemas.microsoft.com/office/drawing/2014/main" id="{C6ADA85E-0B81-A94B-805E-5F868DC3A72C}"/>
+                </a:ext>
+              </a:extLst>
+            </p:cNvPr>
+            <p:cNvGrpSpPr/>
+            <p:nvPr/>
+          </p:nvGrpSpPr>
+          <p:grpSpPr>
+            <a:xfrm>
+              <a:off x="340550" y="1958796"/>
+              <a:ext cx="11128289" cy="3164850"/>
+              <a:chOff x="340550" y="1958796"/>
+              <a:chExt cx="11128289" cy="3164850"/>
+            </a:xfrm>
+          </p:grpSpPr>
+          <p:sp>
+            <p:nvSpPr>
+              <p:cNvPr id="8" name="Rectangle 7">
+                <a:extLst>
+                  <a:ext uri="{FF2B5EF4-FFF2-40B4-BE49-F238E27FC236}">
+                    <a16:creationId xmlns:a16="http://schemas.microsoft.com/office/drawing/2014/main" id="{D7E7982A-8965-C64D-9A2E-E86AC50EA2F0}"/>
+                  </a:ext>
+                </a:extLst>
+              </p:cNvPr>
+              <p:cNvSpPr/>
+              <p:nvPr/>
+            </p:nvSpPr>
+            <p:spPr bwMode="auto">
+              <a:xfrm>
+                <a:off x="458786" y="1958796"/>
+                <a:ext cx="11010053" cy="3164850"/>
+              </a:xfrm>
+              <a:prstGeom prst="rect">
+                <a:avLst/>
+              </a:prstGeom>
+              <a:solidFill>
+                <a:schemeClr val="tx1"/>
+              </a:solidFill>
+              <a:ln>
+                <a:noFill/>
+                <a:headEnd type="none" w="med" len="med"/>
+                <a:tailEnd type="none" w="med" len="med"/>
+              </a:ln>
+              <a:effectLst/>
+            </p:spPr>
+            <p:style>
+              <a:lnRef idx="1">
+                <a:schemeClr val="accent2"/>
+              </a:lnRef>
+              <a:fillRef idx="3">
+                <a:schemeClr val="accent2"/>
+              </a:fillRef>
+              <a:effectRef idx="2">
+                <a:schemeClr val="accent2"/>
+              </a:effectRef>
+              <a:fontRef idx="minor">
+                <a:schemeClr val="lt1"/>
+              </a:fontRef>
+            </p:style>
+            <p:txBody>
+              <a:bodyPr rot="0" spcFirstLastPara="0" vertOverflow="overflow" horzOverflow="overflow" vert="horz" wrap="square" lIns="182880" tIns="146304" rIns="182880" bIns="146304" numCol="1" spcCol="0" rtlCol="0" fromWordArt="0" anchor="t" anchorCtr="0" forceAA="0" compatLnSpc="1">
+                <a:prstTxWarp prst="textNoShape">
+                  <a:avLst/>
+                </a:prstTxWarp>
+                <a:noAutofit/>
+              </a:bodyPr>
+              <a:lstStyle/>
+              <a:p>
+                <a:pPr algn="ctr" defTabSz="932472" fontAlgn="base">
+                  <a:lnSpc>
+                    <a:spcPct val="90000"/>
+                  </a:lnSpc>
+                  <a:spcBef>
+                    <a:spcPct val="0"/>
+                  </a:spcBef>
+                  <a:spcAft>
+                    <a:spcPct val="0"/>
+                  </a:spcAft>
+                </a:pPr>
+                <a:endParaRPr lang="en-US" sz="2400" dirty="0" err="1">
+                  <a:gradFill>
+                    <a:gsLst>
+                      <a:gs pos="0">
+                        <a:srgbClr val="FFFFFF"/>
+                      </a:gs>
+                      <a:gs pos="100000">
+                        <a:srgbClr val="FFFFFF"/>
+                      </a:gs>
+                    </a:gsLst>
+                    <a:lin ang="5400000" scaled="0"/>
+                  </a:gradFill>
+                  <a:ea typeface="Segoe UI" pitchFamily="34" charset="0"/>
+                  <a:cs typeface="Segoe UI" pitchFamily="34" charset="0"/>
+                </a:endParaRPr>
+              </a:p>
+            </p:txBody>
+          </p:sp>
+          <p:sp>
+            <p:nvSpPr>
+              <p:cNvPr id="9" name="Rectangle 8">
+                <a:extLst>
+                  <a:ext uri="{FF2B5EF4-FFF2-40B4-BE49-F238E27FC236}">
+                    <a16:creationId xmlns:a16="http://schemas.microsoft.com/office/drawing/2014/main" id="{ADD73611-0DA9-0C41-886B-3710726C1E94}"/>
+                  </a:ext>
+                </a:extLst>
+              </p:cNvPr>
+              <p:cNvSpPr/>
+              <p:nvPr/>
+            </p:nvSpPr>
+            <p:spPr bwMode="auto">
+              <a:xfrm>
+                <a:off x="2485002" y="2260710"/>
+                <a:ext cx="5425958" cy="2480181"/>
+              </a:xfrm>
+              <a:prstGeom prst="rect">
+                <a:avLst/>
+              </a:prstGeom>
+              <a:solidFill>
+                <a:schemeClr val="bg1">
+                  <a:lumMod val="20000"/>
+                  <a:lumOff val="80000"/>
+                </a:schemeClr>
+              </a:solidFill>
+              <a:ln>
+                <a:noFill/>
+                <a:headEnd type="none" w="med" len="med"/>
+                <a:tailEnd type="none" w="med" len="med"/>
+              </a:ln>
+              <a:effectLst/>
+            </p:spPr>
+            <p:style>
+              <a:lnRef idx="1">
+                <a:schemeClr val="accent2"/>
+              </a:lnRef>
+              <a:fillRef idx="3">
+                <a:schemeClr val="accent2"/>
+              </a:fillRef>
+              <a:effectRef idx="2">
+                <a:schemeClr val="accent2"/>
+              </a:effectRef>
+              <a:fontRef idx="minor">
+                <a:schemeClr val="lt1"/>
+              </a:fontRef>
+            </p:style>
+            <p:txBody>
+              <a:bodyPr rot="0" spcFirstLastPara="0" vertOverflow="overflow" horzOverflow="overflow" vert="horz" wrap="square" lIns="182880" tIns="146304" rIns="182880" bIns="146304" numCol="1" spcCol="0" rtlCol="0" fromWordArt="0" anchor="t" anchorCtr="0" forceAA="0" compatLnSpc="1">
+                <a:prstTxWarp prst="textNoShape">
+                  <a:avLst/>
+                </a:prstTxWarp>
+                <a:noAutofit/>
+              </a:bodyPr>
+              <a:lstStyle/>
+              <a:p>
+                <a:pPr algn="ctr" defTabSz="932472" fontAlgn="base">
+                  <a:lnSpc>
+                    <a:spcPct val="90000"/>
+                  </a:lnSpc>
+                  <a:spcBef>
+                    <a:spcPct val="0"/>
+                  </a:spcBef>
+                  <a:spcAft>
+                    <a:spcPct val="0"/>
+                  </a:spcAft>
+                </a:pPr>
+                <a:endParaRPr lang="en-US" sz="2400" dirty="0" err="1">
+                  <a:gradFill>
+                    <a:gsLst>
+                      <a:gs pos="0">
+                        <a:srgbClr val="FFFFFF"/>
+                      </a:gs>
+                      <a:gs pos="100000">
+                        <a:srgbClr val="FFFFFF"/>
+                      </a:gs>
+                    </a:gsLst>
+                    <a:lin ang="5400000" scaled="0"/>
+                  </a:gradFill>
+                  <a:ea typeface="Segoe UI" pitchFamily="34" charset="0"/>
+                  <a:cs typeface="Segoe UI" pitchFamily="34" charset="0"/>
+                </a:endParaRPr>
+              </a:p>
+            </p:txBody>
+          </p:sp>
+          <p:sp>
+            <p:nvSpPr>
+              <p:cNvPr id="10" name="TextBox 9">
+                <a:extLst>
+                  <a:ext uri="{FF2B5EF4-FFF2-40B4-BE49-F238E27FC236}">
+                    <a16:creationId xmlns:a16="http://schemas.microsoft.com/office/drawing/2014/main" id="{18746EAA-D046-7341-8BED-1BC369591172}"/>
+                  </a:ext>
+                </a:extLst>
+              </p:cNvPr>
+              <p:cNvSpPr txBox="1"/>
+              <p:nvPr/>
+            </p:nvSpPr>
+            <p:spPr>
+              <a:xfrm>
+                <a:off x="2957951" y="2331311"/>
+                <a:ext cx="3367168" cy="517065"/>
+              </a:xfrm>
+              <a:prstGeom prst="rect">
+                <a:avLst/>
+              </a:prstGeom>
+              <a:noFill/>
+            </p:spPr>
+            <p:txBody>
+              <a:bodyPr wrap="square" lIns="182880" tIns="146304" rIns="182880" bIns="146304" rtlCol="0">
+                <a:spAutoFit/>
+              </a:bodyPr>
+              <a:lstStyle/>
+              <a:p>
+                <a:pPr algn="ctr">
+                  <a:lnSpc>
+                    <a:spcPct val="90000"/>
+                  </a:lnSpc>
+                  <a:spcAft>
+                    <a:spcPts val="600"/>
+                  </a:spcAft>
+                </a:pPr>
+                <a:r>
+                  <a:rPr lang="en-US" sz="1600" b="1" dirty="0">
+                    <a:solidFill>
+                      <a:schemeClr val="bg1"/>
+                    </a:solidFill>
+                  </a:rPr>
+                  <a:t>Azure DevOps</a:t>
+                </a:r>
+              </a:p>
+            </p:txBody>
+          </p:sp>
+          <p:sp>
+            <p:nvSpPr>
+              <p:cNvPr id="11" name="TextBox 10">
+                <a:extLst>
+                  <a:ext uri="{FF2B5EF4-FFF2-40B4-BE49-F238E27FC236}">
+                    <a16:creationId xmlns:a16="http://schemas.microsoft.com/office/drawing/2014/main" id="{DB308826-5BE2-3242-8A8C-257A3BC048E3}"/>
+                  </a:ext>
+                </a:extLst>
+              </p:cNvPr>
+              <p:cNvSpPr txBox="1"/>
+              <p:nvPr/>
+            </p:nvSpPr>
+            <p:spPr>
+              <a:xfrm>
+                <a:off x="1176624" y="3547434"/>
+                <a:ext cx="1317555" cy="960263"/>
+              </a:xfrm>
+              <a:prstGeom prst="rect">
+                <a:avLst/>
+              </a:prstGeom>
+              <a:noFill/>
+            </p:spPr>
+            <p:txBody>
+              <a:bodyPr wrap="square" lIns="182880" tIns="146304" rIns="182880" bIns="146304" rtlCol="0">
+                <a:spAutoFit/>
+              </a:bodyPr>
+              <a:lstStyle/>
+              <a:p>
+                <a:pPr algn="ctr">
+                  <a:lnSpc>
+                    <a:spcPct val="90000"/>
+                  </a:lnSpc>
+                  <a:spcAft>
+                    <a:spcPts val="600"/>
+                  </a:spcAft>
+                </a:pPr>
+                <a:r>
+                  <a:rPr lang="en-US" sz="1200" b="1" dirty="0">
+                    <a:solidFill>
+                      <a:schemeClr val="bg1"/>
+                    </a:solidFill>
+                  </a:rPr>
+                  <a:t>Commit and push local branch to Azure DevOps</a:t>
+                </a:r>
+              </a:p>
+            </p:txBody>
+          </p:sp>
+          <p:pic>
+            <p:nvPicPr>
+              <p:cNvPr id="12" name="Picture 11">
+                <a:extLst>
+                  <a:ext uri="{FF2B5EF4-FFF2-40B4-BE49-F238E27FC236}">
+                    <a16:creationId xmlns:a16="http://schemas.microsoft.com/office/drawing/2014/main" id="{72685527-6428-5144-B53B-61596BAA5DC0}"/>
+                  </a:ext>
+                </a:extLst>
+              </p:cNvPr>
+              <p:cNvPicPr>
+                <a:picLocks noChangeAspect="1"/>
+              </p:cNvPicPr>
+              <p:nvPr/>
+            </p:nvPicPr>
+            <p:blipFill>
+              <a:blip r:embed="rId3" cstate="print">
+                <a:extLst>
+                  <a:ext uri="{28A0092B-C50C-407E-A947-70E740481C1C}">
+                    <a14:useLocalDpi xmlns:a14="http://schemas.microsoft.com/office/drawing/2010/main" val="0"/>
+                  </a:ext>
+                </a:extLst>
+              </a:blip>
+              <a:stretch>
+                <a:fillRect/>
+              </a:stretch>
+            </p:blipFill>
+            <p:spPr>
+              <a:xfrm>
+                <a:off x="1546180" y="3080444"/>
+                <a:ext cx="472161" cy="472161"/>
+              </a:xfrm>
+              <a:prstGeom prst="rect">
+                <a:avLst/>
+              </a:prstGeom>
+            </p:spPr>
+          </p:pic>
+          <p:pic>
+            <p:nvPicPr>
+              <p:cNvPr id="13" name="Picture 12">
+                <a:extLst>
+                  <a:ext uri="{FF2B5EF4-FFF2-40B4-BE49-F238E27FC236}">
+                    <a16:creationId xmlns:a16="http://schemas.microsoft.com/office/drawing/2014/main" id="{8C1E1896-9A16-6F48-B7D2-C019C31543A5}"/>
+                  </a:ext>
+                </a:extLst>
+              </p:cNvPr>
+              <p:cNvPicPr>
+                <a:picLocks noChangeAspect="1"/>
+              </p:cNvPicPr>
+              <p:nvPr/>
+            </p:nvPicPr>
+            <p:blipFill>
+              <a:blip r:embed="rId4" cstate="print">
+                <a:extLst>
+                  <a:ext uri="{28A0092B-C50C-407E-A947-70E740481C1C}">
+                    <a14:useLocalDpi xmlns:a14="http://schemas.microsoft.com/office/drawing/2010/main" val="0"/>
+                  </a:ext>
+                </a:extLst>
+              </a:blip>
+              <a:stretch>
+                <a:fillRect/>
+              </a:stretch>
+            </p:blipFill>
+            <p:spPr>
+              <a:xfrm>
+                <a:off x="548867" y="3127600"/>
+                <a:ext cx="417499" cy="417499"/>
+              </a:xfrm>
+              <a:prstGeom prst="rect">
+                <a:avLst/>
+              </a:prstGeom>
+            </p:spPr>
+          </p:pic>
+          <p:sp>
+            <p:nvSpPr>
+              <p:cNvPr id="14" name="TextBox 13">
+                <a:extLst>
+                  <a:ext uri="{FF2B5EF4-FFF2-40B4-BE49-F238E27FC236}">
+                    <a16:creationId xmlns:a16="http://schemas.microsoft.com/office/drawing/2014/main" id="{4F0E7CE0-C093-0A46-8827-57570A4B8317}"/>
+                  </a:ext>
+                </a:extLst>
+              </p:cNvPr>
+              <p:cNvSpPr txBox="1"/>
+              <p:nvPr/>
+            </p:nvSpPr>
+            <p:spPr>
+              <a:xfrm>
+                <a:off x="340550" y="3593674"/>
+                <a:ext cx="851333" cy="627864"/>
+              </a:xfrm>
+              <a:prstGeom prst="rect">
+                <a:avLst/>
+              </a:prstGeom>
+              <a:noFill/>
+            </p:spPr>
+            <p:txBody>
+              <a:bodyPr wrap="square" lIns="182880" tIns="146304" rIns="182880" bIns="146304" rtlCol="0">
+                <a:spAutoFit/>
+              </a:bodyPr>
+              <a:lstStyle/>
+              <a:p>
+                <a:pPr algn="ctr">
+                  <a:lnSpc>
+                    <a:spcPct val="90000"/>
+                  </a:lnSpc>
+                  <a:spcAft>
+                    <a:spcPts val="600"/>
+                  </a:spcAft>
+                </a:pPr>
+                <a:r>
+                  <a:rPr lang="en-US" sz="1200" b="1" dirty="0">
+                    <a:solidFill>
+                      <a:schemeClr val="bg1"/>
+                    </a:solidFill>
+                  </a:rPr>
+                  <a:t>Edit code</a:t>
+                </a:r>
+              </a:p>
+            </p:txBody>
+          </p:sp>
+          <p:sp>
+            <p:nvSpPr>
+              <p:cNvPr id="15" name="Rectangle 14">
+                <a:extLst>
+                  <a:ext uri="{FF2B5EF4-FFF2-40B4-BE49-F238E27FC236}">
+                    <a16:creationId xmlns:a16="http://schemas.microsoft.com/office/drawing/2014/main" id="{2AB80459-7BAF-6F48-9E77-9E87C7195F22}"/>
+                  </a:ext>
+                </a:extLst>
+              </p:cNvPr>
+              <p:cNvSpPr/>
+              <p:nvPr/>
+            </p:nvSpPr>
+            <p:spPr bwMode="auto">
+              <a:xfrm>
+                <a:off x="5092862" y="3121001"/>
+                <a:ext cx="959283" cy="767928"/>
+              </a:xfrm>
+              <a:prstGeom prst="rect">
+                <a:avLst/>
+              </a:prstGeom>
+              <a:solidFill>
+                <a:schemeClr val="bg2"/>
+              </a:solidFill>
+              <a:ln>
+                <a:noFill/>
+                <a:headEnd type="none" w="med" len="med"/>
+                <a:tailEnd type="none" w="med" len="med"/>
+              </a:ln>
+              <a:effectLst/>
+            </p:spPr>
+            <p:style>
+              <a:lnRef idx="1">
+                <a:schemeClr val="accent2"/>
+              </a:lnRef>
+              <a:fillRef idx="3">
+                <a:schemeClr val="accent2"/>
+              </a:fillRef>
+              <a:effectRef idx="2">
+                <a:schemeClr val="accent2"/>
+              </a:effectRef>
+              <a:fontRef idx="minor">
+                <a:schemeClr val="lt1"/>
+              </a:fontRef>
+            </p:style>
+            <p:txBody>
+              <a:bodyPr rot="0" spcFirstLastPara="0" vertOverflow="overflow" horzOverflow="overflow" vert="horz" wrap="square" lIns="182880" tIns="146304" rIns="182880" bIns="146304" numCol="1" spcCol="0" rtlCol="0" fromWordArt="0" anchor="ctr" anchorCtr="0" forceAA="0" compatLnSpc="1">
+                <a:prstTxWarp prst="textNoShape">
+                  <a:avLst/>
+                </a:prstTxWarp>
+                <a:noAutofit/>
+              </a:bodyPr>
+              <a:lstStyle/>
+              <a:p>
+                <a:pPr algn="ctr" defTabSz="932472" fontAlgn="base">
+                  <a:lnSpc>
+                    <a:spcPct val="90000"/>
+                  </a:lnSpc>
+                  <a:spcBef>
+                    <a:spcPct val="0"/>
+                  </a:spcBef>
+                  <a:spcAft>
+                    <a:spcPct val="0"/>
+                  </a:spcAft>
+                </a:pPr>
+                <a:r>
+                  <a:rPr lang="en-US" sz="1200" dirty="0">
+                    <a:gradFill>
+                      <a:gsLst>
+                        <a:gs pos="0">
+                          <a:srgbClr val="FFFFFF"/>
+                        </a:gs>
+                        <a:gs pos="100000">
+                          <a:srgbClr val="FFFFFF"/>
+                        </a:gs>
+                      </a:gsLst>
+                      <a:lin ang="5400000" scaled="0"/>
+                    </a:gradFill>
+                    <a:ea typeface="Segoe UI" pitchFamily="34" charset="0"/>
+                    <a:cs typeface="Segoe UI" pitchFamily="34" charset="0"/>
+                  </a:rPr>
+                  <a:t>Build (+tests)</a:t>
+                </a:r>
+              </a:p>
+            </p:txBody>
+          </p:sp>
+          <p:sp>
+            <p:nvSpPr>
+              <p:cNvPr id="16" name="Rectangle 15">
+                <a:extLst>
+                  <a:ext uri="{FF2B5EF4-FFF2-40B4-BE49-F238E27FC236}">
+                    <a16:creationId xmlns:a16="http://schemas.microsoft.com/office/drawing/2014/main" id="{BF0C8708-3017-D54E-BAB1-B7E47C976315}"/>
+                  </a:ext>
+                </a:extLst>
+              </p:cNvPr>
+              <p:cNvSpPr/>
+              <p:nvPr/>
+            </p:nvSpPr>
+            <p:spPr bwMode="auto">
+              <a:xfrm>
+                <a:off x="6441822" y="3118401"/>
+                <a:ext cx="1288876" cy="767928"/>
+              </a:xfrm>
+              <a:prstGeom prst="rect">
+                <a:avLst/>
+              </a:prstGeom>
+              <a:solidFill>
+                <a:schemeClr val="bg2"/>
+              </a:solidFill>
+              <a:ln>
+                <a:noFill/>
+                <a:headEnd type="none" w="med" len="med"/>
+                <a:tailEnd type="none" w="med" len="med"/>
+              </a:ln>
+              <a:effectLst/>
+            </p:spPr>
+            <p:style>
+              <a:lnRef idx="1">
+                <a:schemeClr val="accent2"/>
+              </a:lnRef>
+              <a:fillRef idx="3">
+                <a:schemeClr val="accent2"/>
+              </a:fillRef>
+              <a:effectRef idx="2">
+                <a:schemeClr val="accent2"/>
+              </a:effectRef>
+              <a:fontRef idx="minor">
+                <a:schemeClr val="lt1"/>
+              </a:fontRef>
+            </p:style>
+            <p:txBody>
+              <a:bodyPr rot="0" spcFirstLastPara="0" vertOverflow="overflow" horzOverflow="overflow" vert="horz" wrap="square" lIns="182880" tIns="146304" rIns="182880" bIns="146304" numCol="1" spcCol="0" rtlCol="0" fromWordArt="0" anchor="ctr" anchorCtr="0" forceAA="0" compatLnSpc="1">
+                <a:prstTxWarp prst="textNoShape">
+                  <a:avLst/>
+                </a:prstTxWarp>
+                <a:noAutofit/>
+              </a:bodyPr>
+              <a:lstStyle/>
+              <a:p>
+                <a:pPr algn="ctr" defTabSz="932472" fontAlgn="base">
+                  <a:lnSpc>
+                    <a:spcPct val="90000"/>
+                  </a:lnSpc>
+                  <a:spcBef>
+                    <a:spcPct val="0"/>
+                  </a:spcBef>
+                  <a:spcAft>
+                    <a:spcPct val="0"/>
+                  </a:spcAft>
+                </a:pPr>
+                <a:r>
+                  <a:rPr lang="en-US" sz="1200" dirty="0">
+                    <a:gradFill>
+                      <a:gsLst>
+                        <a:gs pos="0">
+                          <a:srgbClr val="FFFFFF"/>
+                        </a:gs>
+                        <a:gs pos="100000">
+                          <a:srgbClr val="FFFFFF"/>
+                        </a:gs>
+                      </a:gsLst>
+                      <a:lin ang="5400000" scaled="0"/>
+                    </a:gradFill>
+                    <a:ea typeface="Segoe UI" pitchFamily="34" charset="0"/>
+                    <a:cs typeface="Segoe UI" pitchFamily="34" charset="0"/>
+                  </a:rPr>
+                  <a:t>Release Management</a:t>
+                </a:r>
+              </a:p>
+            </p:txBody>
+          </p:sp>
+          <p:sp>
+            <p:nvSpPr>
+              <p:cNvPr id="17" name="TextBox 16">
+                <a:extLst>
+                  <a:ext uri="{FF2B5EF4-FFF2-40B4-BE49-F238E27FC236}">
+                    <a16:creationId xmlns:a16="http://schemas.microsoft.com/office/drawing/2014/main" id="{E351D218-BE04-F146-9B89-0A15A4CF6626}"/>
+                  </a:ext>
+                </a:extLst>
+              </p:cNvPr>
+              <p:cNvSpPr txBox="1"/>
+              <p:nvPr/>
+            </p:nvSpPr>
+            <p:spPr>
+              <a:xfrm>
+                <a:off x="5008146" y="3827099"/>
+                <a:ext cx="1128713" cy="627864"/>
+              </a:xfrm>
+              <a:prstGeom prst="rect">
+                <a:avLst/>
+              </a:prstGeom>
+              <a:noFill/>
+            </p:spPr>
+            <p:txBody>
+              <a:bodyPr wrap="square" lIns="182880" tIns="146304" rIns="182880" bIns="146304" rtlCol="0">
+                <a:spAutoFit/>
+              </a:bodyPr>
+              <a:lstStyle/>
+              <a:p>
+                <a:pPr algn="ctr">
+                  <a:lnSpc>
+                    <a:spcPct val="90000"/>
+                  </a:lnSpc>
+                  <a:spcAft>
+                    <a:spcPts val="600"/>
+                  </a:spcAft>
+                </a:pPr>
+                <a:r>
+                  <a:rPr lang="en-US" sz="1200" b="1" dirty="0">
+                    <a:solidFill>
+                      <a:schemeClr val="bg1"/>
+                    </a:solidFill>
+                  </a:rPr>
+                  <a:t>Continuous Integration</a:t>
+                </a:r>
+              </a:p>
+            </p:txBody>
+          </p:sp>
+          <p:sp>
+            <p:nvSpPr>
+              <p:cNvPr id="18" name="TextBox 17">
+                <a:extLst>
+                  <a:ext uri="{FF2B5EF4-FFF2-40B4-BE49-F238E27FC236}">
+                    <a16:creationId xmlns:a16="http://schemas.microsoft.com/office/drawing/2014/main" id="{AD2B13E0-0B5A-8C43-98EA-1E1663350B3F}"/>
+                  </a:ext>
+                </a:extLst>
+              </p:cNvPr>
+              <p:cNvSpPr txBox="1"/>
+              <p:nvPr/>
+            </p:nvSpPr>
+            <p:spPr>
+              <a:xfrm>
+                <a:off x="6496972" y="3827099"/>
+                <a:ext cx="1185717" cy="627864"/>
+              </a:xfrm>
+              <a:prstGeom prst="rect">
+                <a:avLst/>
+              </a:prstGeom>
+              <a:noFill/>
+            </p:spPr>
+            <p:txBody>
+              <a:bodyPr wrap="square" lIns="182880" tIns="146304" rIns="182880" bIns="146304" rtlCol="0">
+                <a:spAutoFit/>
+              </a:bodyPr>
+              <a:lstStyle/>
+              <a:p>
+                <a:pPr algn="ctr">
+                  <a:lnSpc>
+                    <a:spcPct val="90000"/>
+                  </a:lnSpc>
+                  <a:spcAft>
+                    <a:spcPts val="600"/>
+                  </a:spcAft>
+                </a:pPr>
+                <a:r>
+                  <a:rPr lang="en-US" sz="1200" b="1" dirty="0">
+                    <a:solidFill>
+                      <a:schemeClr val="bg1"/>
+                    </a:solidFill>
+                  </a:rPr>
+                  <a:t>Continuous Deployment</a:t>
+                </a:r>
+              </a:p>
+            </p:txBody>
+          </p:sp>
+          <p:cxnSp>
+            <p:nvCxnSpPr>
+              <p:cNvPr id="19" name="Straight Arrow Connector 18">
+                <a:extLst>
+                  <a:ext uri="{FF2B5EF4-FFF2-40B4-BE49-F238E27FC236}">
+                    <a16:creationId xmlns:a16="http://schemas.microsoft.com/office/drawing/2014/main" id="{2E614E4B-3125-3C41-8FAA-A20EDF22C35B}"/>
+                  </a:ext>
+                </a:extLst>
+              </p:cNvPr>
+              <p:cNvCxnSpPr>
+                <a:cxnSpLocks/>
+              </p:cNvCxnSpPr>
+              <p:nvPr/>
+            </p:nvCxnSpPr>
+            <p:spPr>
+              <a:xfrm>
+                <a:off x="6094260" y="3467581"/>
+                <a:ext cx="316506" cy="0"/>
+              </a:xfrm>
+              <a:prstGeom prst="straightConnector1">
+                <a:avLst/>
+              </a:prstGeom>
+              <a:ln>
+                <a:solidFill>
+                  <a:schemeClr val="bg1">
+                    <a:lumMod val="50000"/>
+                  </a:schemeClr>
+                </a:solidFill>
+                <a:headEnd type="none"/>
+                <a:tailEnd type="triangle"/>
+              </a:ln>
+            </p:spPr>
+            <p:style>
+              <a:lnRef idx="1">
+                <a:schemeClr val="accent1"/>
+              </a:lnRef>
+              <a:fillRef idx="0">
+                <a:schemeClr val="accent1"/>
+              </a:fillRef>
+              <a:effectRef idx="0">
+                <a:schemeClr val="accent1"/>
+              </a:effectRef>
+              <a:fontRef idx="minor">
+                <a:schemeClr val="tx1"/>
+              </a:fontRef>
+            </p:style>
+          </p:cxnSp>
+          <p:cxnSp>
+            <p:nvCxnSpPr>
+              <p:cNvPr id="20" name="Straight Arrow Connector 19">
+                <a:extLst>
+                  <a:ext uri="{FF2B5EF4-FFF2-40B4-BE49-F238E27FC236}">
+                    <a16:creationId xmlns:a16="http://schemas.microsoft.com/office/drawing/2014/main" id="{FAC3042D-87A2-A249-9588-B784212B0C76}"/>
+                  </a:ext>
+                </a:extLst>
+              </p:cNvPr>
+              <p:cNvCxnSpPr>
+                <a:cxnSpLocks/>
+              </p:cNvCxnSpPr>
+              <p:nvPr/>
+            </p:nvCxnSpPr>
+            <p:spPr>
+              <a:xfrm flipV="1">
+                <a:off x="7819102" y="3460726"/>
+                <a:ext cx="2197741" cy="1"/>
+              </a:xfrm>
+              <a:prstGeom prst="straightConnector1">
+                <a:avLst/>
+              </a:prstGeom>
+              <a:ln>
+                <a:solidFill>
+                  <a:schemeClr val="bg1">
+                    <a:lumMod val="50000"/>
+                  </a:schemeClr>
+                </a:solidFill>
+                <a:headEnd type="none"/>
+                <a:tailEnd type="triangle"/>
+              </a:ln>
+            </p:spPr>
+            <p:style>
+              <a:lnRef idx="1">
+                <a:schemeClr val="accent1"/>
+              </a:lnRef>
+              <a:fillRef idx="0">
+                <a:schemeClr val="accent1"/>
+              </a:fillRef>
+              <a:effectRef idx="0">
+                <a:schemeClr val="accent1"/>
+              </a:effectRef>
+              <a:fontRef idx="minor">
+                <a:schemeClr val="tx1"/>
+              </a:fontRef>
+            </p:style>
+          </p:cxnSp>
+          <p:grpSp>
+            <p:nvGrpSpPr>
+              <p:cNvPr id="21" name="Group 20">
+                <a:extLst>
+                  <a:ext uri="{FF2B5EF4-FFF2-40B4-BE49-F238E27FC236}">
+                    <a16:creationId xmlns:a16="http://schemas.microsoft.com/office/drawing/2014/main" id="{0DC47D44-6DE1-A343-965A-D5A1956E779E}"/>
+                  </a:ext>
+                </a:extLst>
+              </p:cNvPr>
+              <p:cNvGrpSpPr/>
+              <p:nvPr/>
+            </p:nvGrpSpPr>
+            <p:grpSpPr>
+              <a:xfrm>
+                <a:off x="8993508" y="1999561"/>
+                <a:ext cx="1591109" cy="517065"/>
+                <a:chOff x="9888112" y="2331311"/>
+                <a:chExt cx="1591109" cy="517065"/>
+              </a:xfrm>
+            </p:grpSpPr>
+            <p:sp>
+              <p:nvSpPr>
+                <p:cNvPr id="57" name="TextBox 56">
+                  <a:extLst>
+                    <a:ext uri="{FF2B5EF4-FFF2-40B4-BE49-F238E27FC236}">
+                      <a16:creationId xmlns:a16="http://schemas.microsoft.com/office/drawing/2014/main" id="{4CC3613B-75A8-9445-AA85-D2118666A285}"/>
+                    </a:ext>
+                  </a:extLst>
+                </p:cNvPr>
+                <p:cNvSpPr txBox="1"/>
+                <p:nvPr/>
+              </p:nvSpPr>
+              <p:spPr>
+                <a:xfrm>
+                  <a:off x="9888112" y="2331311"/>
+                  <a:ext cx="1591109" cy="517065"/>
+                </a:xfrm>
+                <a:prstGeom prst="rect">
+                  <a:avLst/>
+                </a:prstGeom>
+                <a:noFill/>
+              </p:spPr>
+              <p:txBody>
+                <a:bodyPr wrap="square" lIns="182880" tIns="146304" rIns="182880" bIns="146304" rtlCol="0">
+                  <a:spAutoFit/>
+                </a:bodyPr>
+                <a:lstStyle/>
+                <a:p>
+                  <a:pPr algn="ctr">
+                    <a:lnSpc>
+                      <a:spcPct val="90000"/>
+                    </a:lnSpc>
+                    <a:spcAft>
+                      <a:spcPts val="600"/>
+                    </a:spcAft>
+                  </a:pPr>
+                  <a:r>
+                    <a:rPr lang="en-US" sz="1600" b="1" dirty="0">
+                      <a:solidFill>
+                        <a:schemeClr val="bg1"/>
+                      </a:solidFill>
+                    </a:rPr>
+                    <a:t>Azure</a:t>
+                  </a:r>
+                </a:p>
+              </p:txBody>
+            </p:sp>
+            <p:pic>
+              <p:nvPicPr>
+                <p:cNvPr id="58" name="Picture 57">
+                  <a:extLst>
+                    <a:ext uri="{FF2B5EF4-FFF2-40B4-BE49-F238E27FC236}">
+                      <a16:creationId xmlns:a16="http://schemas.microsoft.com/office/drawing/2014/main" id="{62805ABE-1F97-F445-812E-8A4766D0E844}"/>
+                    </a:ext>
+                  </a:extLst>
+                </p:cNvPr>
+                <p:cNvPicPr>
+                  <a:picLocks noChangeAspect="1"/>
+                </p:cNvPicPr>
+                <p:nvPr/>
+              </p:nvPicPr>
+              <p:blipFill>
+                <a:blip r:embed="rId5" cstate="print">
+                  <a:extLst>
+                    <a:ext uri="{28A0092B-C50C-407E-A947-70E740481C1C}">
+                      <a14:useLocalDpi xmlns:a14="http://schemas.microsoft.com/office/drawing/2010/main" val="0"/>
+                    </a:ext>
+                  </a:extLst>
+                </a:blip>
+                <a:stretch>
+                  <a:fillRect/>
+                </a:stretch>
+              </p:blipFill>
+              <p:spPr>
+                <a:xfrm>
+                  <a:off x="10994412" y="2381342"/>
+                  <a:ext cx="382470" cy="382470"/>
+                </a:xfrm>
+                <a:prstGeom prst="rect">
+                  <a:avLst/>
+                </a:prstGeom>
+              </p:spPr>
+            </p:pic>
+          </p:grpSp>
+          <p:grpSp>
+            <p:nvGrpSpPr>
+              <p:cNvPr id="22" name="Group 21">
+                <a:extLst>
+                  <a:ext uri="{FF2B5EF4-FFF2-40B4-BE49-F238E27FC236}">
+                    <a16:creationId xmlns:a16="http://schemas.microsoft.com/office/drawing/2014/main" id="{F4B65E79-CB37-234C-8EA4-59626BCD7A6F}"/>
+                  </a:ext>
+                </a:extLst>
+              </p:cNvPr>
+              <p:cNvGrpSpPr/>
+              <p:nvPr/>
+            </p:nvGrpSpPr>
+            <p:grpSpPr>
+              <a:xfrm>
+                <a:off x="8577324" y="2486976"/>
+                <a:ext cx="1206390" cy="998405"/>
+                <a:chOff x="8577324" y="2506028"/>
+                <a:chExt cx="1206390" cy="998405"/>
+              </a:xfrm>
+            </p:grpSpPr>
+            <p:sp>
+              <p:nvSpPr>
+                <p:cNvPr id="52" name="Rectangle 51">
+                  <a:extLst>
+                    <a:ext uri="{FF2B5EF4-FFF2-40B4-BE49-F238E27FC236}">
+                      <a16:creationId xmlns:a16="http://schemas.microsoft.com/office/drawing/2014/main" id="{BD1348ED-1AB9-DF40-8C91-B5BE1477C2BE}"/>
+                    </a:ext>
+                  </a:extLst>
+                </p:cNvPr>
+                <p:cNvSpPr/>
+                <p:nvPr/>
+              </p:nvSpPr>
+              <p:spPr bwMode="auto">
+                <a:xfrm>
+                  <a:off x="8640135" y="2506028"/>
+                  <a:ext cx="1076276" cy="858017"/>
+                </a:xfrm>
+                <a:prstGeom prst="rect">
+                  <a:avLst/>
+                </a:prstGeom>
+                <a:solidFill>
+                  <a:schemeClr val="bg2">
+                    <a:lumMod val="60000"/>
+                    <a:lumOff val="40000"/>
+                  </a:schemeClr>
+                </a:solidFill>
+                <a:ln>
+                  <a:noFill/>
+                  <a:headEnd type="none" w="med" len="med"/>
+                  <a:tailEnd type="none" w="med" len="med"/>
+                </a:ln>
+                <a:effectLst/>
+              </p:spPr>
+              <p:style>
+                <a:lnRef idx="1">
+                  <a:schemeClr val="accent2"/>
+                </a:lnRef>
+                <a:fillRef idx="3">
+                  <a:schemeClr val="accent2"/>
+                </a:fillRef>
+                <a:effectRef idx="2">
+                  <a:schemeClr val="accent2"/>
+                </a:effectRef>
+                <a:fontRef idx="minor">
+                  <a:schemeClr val="lt1"/>
+                </a:fontRef>
+              </p:style>
+              <p:txBody>
+                <a:bodyPr rot="0" spcFirstLastPara="0" vertOverflow="overflow" horzOverflow="overflow" vert="horz" wrap="square" lIns="182880" tIns="146304" rIns="182880" bIns="146304" numCol="1" spcCol="0" rtlCol="0" fromWordArt="0" anchor="t" anchorCtr="0" forceAA="0" compatLnSpc="1">
+                  <a:prstTxWarp prst="textNoShape">
+                    <a:avLst/>
+                  </a:prstTxWarp>
+                  <a:noAutofit/>
+                </a:bodyPr>
+                <a:lstStyle/>
+                <a:p>
+                  <a:pPr algn="ctr" defTabSz="932472" fontAlgn="base">
+                    <a:lnSpc>
+                      <a:spcPct val="90000"/>
+                    </a:lnSpc>
+                    <a:spcBef>
+                      <a:spcPct val="0"/>
+                    </a:spcBef>
+                    <a:spcAft>
+                      <a:spcPct val="0"/>
+                    </a:spcAft>
+                  </a:pPr>
+                  <a:r>
+                    <a:rPr lang="en-US" sz="900" b="1" dirty="0">
+                      <a:gradFill>
+                        <a:gsLst>
+                          <a:gs pos="0">
+                            <a:srgbClr val="FFFFFF"/>
+                          </a:gs>
+                          <a:gs pos="100000">
+                            <a:srgbClr val="FFFFFF"/>
+                          </a:gs>
+                        </a:gsLst>
+                        <a:lin ang="5400000" scaled="0"/>
+                      </a:gradFill>
+                      <a:ea typeface="Segoe UI" pitchFamily="34" charset="0"/>
+                      <a:cs typeface="Segoe UI" pitchFamily="34" charset="0"/>
+                    </a:rPr>
+                    <a:t>development</a:t>
+                  </a:r>
+                </a:p>
+              </p:txBody>
+            </p:sp>
+            <p:sp>
+              <p:nvSpPr>
+                <p:cNvPr id="53" name="TextBox 52">
+                  <a:extLst>
+                    <a:ext uri="{FF2B5EF4-FFF2-40B4-BE49-F238E27FC236}">
+                      <a16:creationId xmlns:a16="http://schemas.microsoft.com/office/drawing/2014/main" id="{C4F85438-3E74-D940-BCC7-771ABA7454B2}"/>
+                    </a:ext>
+                  </a:extLst>
+                </p:cNvPr>
+                <p:cNvSpPr txBox="1"/>
+                <p:nvPr/>
+              </p:nvSpPr>
+              <p:spPr>
+                <a:xfrm>
+                  <a:off x="8577324" y="2959668"/>
+                  <a:ext cx="739729" cy="544765"/>
+                </a:xfrm>
+                <a:prstGeom prst="rect">
+                  <a:avLst/>
+                </a:prstGeom>
+                <a:noFill/>
+              </p:spPr>
+              <p:txBody>
+                <a:bodyPr wrap="square" lIns="182880" tIns="146304" rIns="182880" bIns="146304" rtlCol="0">
+                  <a:spAutoFit/>
+                </a:bodyPr>
+                <a:lstStyle/>
+                <a:p>
+                  <a:pPr algn="ctr">
+                    <a:lnSpc>
+                      <a:spcPct val="90000"/>
+                    </a:lnSpc>
+                    <a:spcAft>
+                      <a:spcPts val="600"/>
+                    </a:spcAft>
+                  </a:pPr>
+                  <a:r>
+                    <a:rPr lang="en-US" sz="900" b="1" dirty="0">
+                      <a:solidFill>
+                        <a:schemeClr val="bg1"/>
+                      </a:solidFill>
+                    </a:rPr>
+                    <a:t>App Service</a:t>
+                  </a:r>
+                </a:p>
+              </p:txBody>
+            </p:sp>
+            <p:pic>
+              <p:nvPicPr>
+                <p:cNvPr id="54" name="Picture 53">
+                  <a:extLst>
+                    <a:ext uri="{FF2B5EF4-FFF2-40B4-BE49-F238E27FC236}">
+                      <a16:creationId xmlns:a16="http://schemas.microsoft.com/office/drawing/2014/main" id="{DE95EF6B-EA2A-7E47-AEE5-9731AB386ACF}"/>
+                    </a:ext>
+                  </a:extLst>
+                </p:cNvPr>
+                <p:cNvPicPr>
+                  <a:picLocks noChangeAspect="1"/>
+                </p:cNvPicPr>
+                <p:nvPr/>
+              </p:nvPicPr>
+              <p:blipFill>
+                <a:blip r:embed="rId6" cstate="print">
+                  <a:extLst>
+                    <a:ext uri="{28A0092B-C50C-407E-A947-70E740481C1C}">
+                      <a14:useLocalDpi xmlns:a14="http://schemas.microsoft.com/office/drawing/2010/main" val="0"/>
+                    </a:ext>
+                  </a:extLst>
+                </a:blip>
+                <a:stretch>
+                  <a:fillRect/>
+                </a:stretch>
+              </p:blipFill>
+              <p:spPr>
+                <a:xfrm>
+                  <a:off x="8850393" y="2892169"/>
+                  <a:ext cx="193592" cy="193592"/>
+                </a:xfrm>
+                <a:prstGeom prst="rect">
+                  <a:avLst/>
+                </a:prstGeom>
+              </p:spPr>
+            </p:pic>
+            <p:sp>
+              <p:nvSpPr>
+                <p:cNvPr id="55" name="TextBox 54">
+                  <a:extLst>
+                    <a:ext uri="{FF2B5EF4-FFF2-40B4-BE49-F238E27FC236}">
+                      <a16:creationId xmlns:a16="http://schemas.microsoft.com/office/drawing/2014/main" id="{6176AF24-E184-6A43-B65A-E5864B55F89D}"/>
+                    </a:ext>
+                  </a:extLst>
+                </p:cNvPr>
+                <p:cNvSpPr txBox="1"/>
+                <p:nvPr/>
+              </p:nvSpPr>
+              <p:spPr>
+                <a:xfrm>
+                  <a:off x="9043985" y="2953869"/>
+                  <a:ext cx="739729" cy="544765"/>
+                </a:xfrm>
+                <a:prstGeom prst="rect">
+                  <a:avLst/>
+                </a:prstGeom>
+                <a:noFill/>
+              </p:spPr>
+              <p:txBody>
+                <a:bodyPr wrap="square" lIns="182880" tIns="146304" rIns="182880" bIns="146304" rtlCol="0">
+                  <a:spAutoFit/>
+                </a:bodyPr>
+                <a:lstStyle/>
+                <a:p>
+                  <a:pPr algn="ctr">
+                    <a:lnSpc>
+                      <a:spcPct val="90000"/>
+                    </a:lnSpc>
+                    <a:spcAft>
+                      <a:spcPts val="600"/>
+                    </a:spcAft>
+                  </a:pPr>
+                  <a:r>
+                    <a:rPr lang="en-US" sz="900" b="1" dirty="0">
+                      <a:solidFill>
+                        <a:schemeClr val="bg1"/>
+                      </a:solidFill>
+                    </a:rPr>
+                    <a:t>Azure SQL</a:t>
+                  </a:r>
+                </a:p>
+              </p:txBody>
+            </p:sp>
+            <p:pic>
+              <p:nvPicPr>
+                <p:cNvPr id="56" name="Picture 55">
+                  <a:extLst>
+                    <a:ext uri="{FF2B5EF4-FFF2-40B4-BE49-F238E27FC236}">
+                      <a16:creationId xmlns:a16="http://schemas.microsoft.com/office/drawing/2014/main" id="{2D877CD9-1550-424B-9CDC-02EF13EDA587}"/>
+                    </a:ext>
+                  </a:extLst>
+                </p:cNvPr>
+                <p:cNvPicPr>
+                  <a:picLocks noChangeAspect="1"/>
+                </p:cNvPicPr>
+                <p:nvPr/>
+              </p:nvPicPr>
+              <p:blipFill>
+                <a:blip r:embed="rId7" cstate="print">
+                  <a:extLst>
+                    <a:ext uri="{28A0092B-C50C-407E-A947-70E740481C1C}">
+                      <a14:useLocalDpi xmlns:a14="http://schemas.microsoft.com/office/drawing/2010/main" val="0"/>
+                    </a:ext>
+                  </a:extLst>
+                </a:blip>
+                <a:stretch>
+                  <a:fillRect/>
+                </a:stretch>
+              </p:blipFill>
+              <p:spPr>
+                <a:xfrm>
+                  <a:off x="9322911" y="2881361"/>
+                  <a:ext cx="204400" cy="204400"/>
+                </a:xfrm>
+                <a:prstGeom prst="rect">
+                  <a:avLst/>
+                </a:prstGeom>
+              </p:spPr>
+            </p:pic>
+          </p:grpSp>
+          <p:grpSp>
+            <p:nvGrpSpPr>
+              <p:cNvPr id="23" name="Group 22">
+                <a:extLst>
+                  <a:ext uri="{FF2B5EF4-FFF2-40B4-BE49-F238E27FC236}">
+                    <a16:creationId xmlns:a16="http://schemas.microsoft.com/office/drawing/2014/main" id="{7220DEF1-E3DF-2D42-A572-7C57A7BB6B6C}"/>
+                  </a:ext>
+                </a:extLst>
+              </p:cNvPr>
+              <p:cNvGrpSpPr/>
+              <p:nvPr/>
+            </p:nvGrpSpPr>
+            <p:grpSpPr>
+              <a:xfrm>
+                <a:off x="10016843" y="3013941"/>
+                <a:ext cx="1206390" cy="998405"/>
+                <a:chOff x="8577324" y="2506028"/>
+                <a:chExt cx="1206390" cy="998405"/>
+              </a:xfrm>
+            </p:grpSpPr>
+            <p:sp>
+              <p:nvSpPr>
+                <p:cNvPr id="47" name="Rectangle 46">
+                  <a:extLst>
+                    <a:ext uri="{FF2B5EF4-FFF2-40B4-BE49-F238E27FC236}">
+                      <a16:creationId xmlns:a16="http://schemas.microsoft.com/office/drawing/2014/main" id="{A4ACB039-9AEE-E84C-A0E7-919A368BD01C}"/>
+                    </a:ext>
+                  </a:extLst>
+                </p:cNvPr>
+                <p:cNvSpPr/>
+                <p:nvPr/>
+              </p:nvSpPr>
+              <p:spPr bwMode="auto">
+                <a:xfrm>
+                  <a:off x="8640135" y="2506028"/>
+                  <a:ext cx="1076276" cy="858017"/>
+                </a:xfrm>
+                <a:prstGeom prst="rect">
+                  <a:avLst/>
+                </a:prstGeom>
+                <a:solidFill>
+                  <a:schemeClr val="bg2">
+                    <a:lumMod val="60000"/>
+                    <a:lumOff val="40000"/>
+                  </a:schemeClr>
+                </a:solidFill>
+                <a:ln>
+                  <a:noFill/>
+                  <a:headEnd type="none" w="med" len="med"/>
+                  <a:tailEnd type="none" w="med" len="med"/>
+                </a:ln>
+                <a:effectLst/>
+              </p:spPr>
+              <p:style>
+                <a:lnRef idx="1">
+                  <a:schemeClr val="accent2"/>
+                </a:lnRef>
+                <a:fillRef idx="3">
+                  <a:schemeClr val="accent2"/>
+                </a:fillRef>
+                <a:effectRef idx="2">
+                  <a:schemeClr val="accent2"/>
+                </a:effectRef>
+                <a:fontRef idx="minor">
+                  <a:schemeClr val="lt1"/>
+                </a:fontRef>
+              </p:style>
+              <p:txBody>
+                <a:bodyPr rot="0" spcFirstLastPara="0" vertOverflow="overflow" horzOverflow="overflow" vert="horz" wrap="square" lIns="182880" tIns="146304" rIns="182880" bIns="146304" numCol="1" spcCol="0" rtlCol="0" fromWordArt="0" anchor="t" anchorCtr="0" forceAA="0" compatLnSpc="1">
+                  <a:prstTxWarp prst="textNoShape">
+                    <a:avLst/>
+                  </a:prstTxWarp>
+                  <a:noAutofit/>
+                </a:bodyPr>
+                <a:lstStyle/>
+                <a:p>
+                  <a:pPr algn="ctr" defTabSz="932472" fontAlgn="base">
+                    <a:lnSpc>
+                      <a:spcPct val="90000"/>
+                    </a:lnSpc>
+                    <a:spcBef>
+                      <a:spcPct val="0"/>
+                    </a:spcBef>
+                    <a:spcAft>
+                      <a:spcPct val="0"/>
+                    </a:spcAft>
+                  </a:pPr>
+                  <a:r>
+                    <a:rPr lang="en-US" sz="900" b="1" dirty="0">
+                      <a:gradFill>
+                        <a:gsLst>
+                          <a:gs pos="0">
+                            <a:srgbClr val="FFFFFF"/>
+                          </a:gs>
+                          <a:gs pos="100000">
+                            <a:srgbClr val="FFFFFF"/>
+                          </a:gs>
+                        </a:gsLst>
+                        <a:lin ang="5400000" scaled="0"/>
+                      </a:gradFill>
+                      <a:ea typeface="Segoe UI" pitchFamily="34" charset="0"/>
+                      <a:cs typeface="Segoe UI" pitchFamily="34" charset="0"/>
+                    </a:rPr>
+                    <a:t>test</a:t>
+                  </a:r>
+                </a:p>
+              </p:txBody>
+            </p:sp>
+            <p:sp>
+              <p:nvSpPr>
+                <p:cNvPr id="48" name="TextBox 47">
+                  <a:extLst>
+                    <a:ext uri="{FF2B5EF4-FFF2-40B4-BE49-F238E27FC236}">
+                      <a16:creationId xmlns:a16="http://schemas.microsoft.com/office/drawing/2014/main" id="{19BD3E98-808C-6E41-BEFC-288469B8FAE6}"/>
+                    </a:ext>
+                  </a:extLst>
+                </p:cNvPr>
+                <p:cNvSpPr txBox="1"/>
+                <p:nvPr/>
+              </p:nvSpPr>
+              <p:spPr>
+                <a:xfrm>
+                  <a:off x="8577324" y="2959668"/>
+                  <a:ext cx="739729" cy="544765"/>
+                </a:xfrm>
+                <a:prstGeom prst="rect">
+                  <a:avLst/>
+                </a:prstGeom>
+                <a:noFill/>
+              </p:spPr>
+              <p:txBody>
+                <a:bodyPr wrap="square" lIns="182880" tIns="146304" rIns="182880" bIns="146304" rtlCol="0">
+                  <a:spAutoFit/>
+                </a:bodyPr>
+                <a:lstStyle/>
+                <a:p>
+                  <a:pPr algn="ctr">
+                    <a:lnSpc>
+                      <a:spcPct val="90000"/>
+                    </a:lnSpc>
+                    <a:spcAft>
+                      <a:spcPts val="600"/>
+                    </a:spcAft>
+                  </a:pPr>
+                  <a:r>
+                    <a:rPr lang="en-US" sz="900" b="1" dirty="0">
+                      <a:solidFill>
+                        <a:schemeClr val="bg1"/>
+                      </a:solidFill>
+                    </a:rPr>
+                    <a:t>App Service</a:t>
+                  </a:r>
+                </a:p>
+              </p:txBody>
+            </p:sp>
+            <p:pic>
+              <p:nvPicPr>
+                <p:cNvPr id="49" name="Picture 48">
+                  <a:extLst>
+                    <a:ext uri="{FF2B5EF4-FFF2-40B4-BE49-F238E27FC236}">
+                      <a16:creationId xmlns:a16="http://schemas.microsoft.com/office/drawing/2014/main" id="{6E630210-8D7D-544D-AC48-BED1EDF32852}"/>
+                    </a:ext>
+                  </a:extLst>
+                </p:cNvPr>
+                <p:cNvPicPr>
+                  <a:picLocks noChangeAspect="1"/>
+                </p:cNvPicPr>
+                <p:nvPr/>
+              </p:nvPicPr>
+              <p:blipFill>
+                <a:blip r:embed="rId6" cstate="print">
+                  <a:extLst>
+                    <a:ext uri="{28A0092B-C50C-407E-A947-70E740481C1C}">
+                      <a14:useLocalDpi xmlns:a14="http://schemas.microsoft.com/office/drawing/2010/main" val="0"/>
+                    </a:ext>
+                  </a:extLst>
+                </a:blip>
+                <a:stretch>
+                  <a:fillRect/>
+                </a:stretch>
+              </p:blipFill>
+              <p:spPr>
+                <a:xfrm>
+                  <a:off x="8850393" y="2892169"/>
+                  <a:ext cx="193592" cy="193592"/>
+                </a:xfrm>
+                <a:prstGeom prst="rect">
+                  <a:avLst/>
+                </a:prstGeom>
+              </p:spPr>
+            </p:pic>
+            <p:sp>
+              <p:nvSpPr>
+                <p:cNvPr id="50" name="TextBox 49">
+                  <a:extLst>
+                    <a:ext uri="{FF2B5EF4-FFF2-40B4-BE49-F238E27FC236}">
+                      <a16:creationId xmlns:a16="http://schemas.microsoft.com/office/drawing/2014/main" id="{082E7906-5CCD-5446-960A-3550742F5EA2}"/>
+                    </a:ext>
+                  </a:extLst>
+                </p:cNvPr>
+                <p:cNvSpPr txBox="1"/>
+                <p:nvPr/>
+              </p:nvSpPr>
+              <p:spPr>
+                <a:xfrm>
+                  <a:off x="9043985" y="2953869"/>
+                  <a:ext cx="739729" cy="544765"/>
+                </a:xfrm>
+                <a:prstGeom prst="rect">
+                  <a:avLst/>
+                </a:prstGeom>
+                <a:noFill/>
+              </p:spPr>
+              <p:txBody>
+                <a:bodyPr wrap="square" lIns="182880" tIns="146304" rIns="182880" bIns="146304" rtlCol="0">
+                  <a:spAutoFit/>
+                </a:bodyPr>
+                <a:lstStyle/>
+                <a:p>
+                  <a:pPr algn="ctr">
+                    <a:lnSpc>
+                      <a:spcPct val="90000"/>
+                    </a:lnSpc>
+                    <a:spcAft>
+                      <a:spcPts val="600"/>
+                    </a:spcAft>
+                  </a:pPr>
+                  <a:r>
+                    <a:rPr lang="en-US" sz="900" b="1" dirty="0">
+                      <a:solidFill>
+                        <a:schemeClr val="bg1"/>
+                      </a:solidFill>
+                    </a:rPr>
+                    <a:t>Azure SQL</a:t>
+                  </a:r>
+                </a:p>
+              </p:txBody>
+            </p:sp>
+            <p:pic>
+              <p:nvPicPr>
+                <p:cNvPr id="51" name="Picture 50">
+                  <a:extLst>
+                    <a:ext uri="{FF2B5EF4-FFF2-40B4-BE49-F238E27FC236}">
+                      <a16:creationId xmlns:a16="http://schemas.microsoft.com/office/drawing/2014/main" id="{D349835B-DD15-C741-AAB9-6E8B04493DBB}"/>
+                    </a:ext>
+                  </a:extLst>
+                </p:cNvPr>
+                <p:cNvPicPr>
+                  <a:picLocks noChangeAspect="1"/>
+                </p:cNvPicPr>
+                <p:nvPr/>
+              </p:nvPicPr>
+              <p:blipFill>
+                <a:blip r:embed="rId7" cstate="print">
+                  <a:extLst>
+                    <a:ext uri="{28A0092B-C50C-407E-A947-70E740481C1C}">
+                      <a14:useLocalDpi xmlns:a14="http://schemas.microsoft.com/office/drawing/2010/main" val="0"/>
+                    </a:ext>
+                  </a:extLst>
+                </a:blip>
+                <a:stretch>
+                  <a:fillRect/>
+                </a:stretch>
+              </p:blipFill>
+              <p:spPr>
+                <a:xfrm>
+                  <a:off x="9322911" y="2881361"/>
+                  <a:ext cx="204400" cy="204400"/>
+                </a:xfrm>
+                <a:prstGeom prst="rect">
+                  <a:avLst/>
+                </a:prstGeom>
+              </p:spPr>
+            </p:pic>
+          </p:grpSp>
+          <p:grpSp>
+            <p:nvGrpSpPr>
+              <p:cNvPr id="24" name="Group 23">
+                <a:extLst>
+                  <a:ext uri="{FF2B5EF4-FFF2-40B4-BE49-F238E27FC236}">
+                    <a16:creationId xmlns:a16="http://schemas.microsoft.com/office/drawing/2014/main" id="{FC9D6DA9-8675-B744-A157-DEDA9D25E16D}"/>
+                  </a:ext>
+                </a:extLst>
+              </p:cNvPr>
+              <p:cNvGrpSpPr/>
+              <p:nvPr/>
+            </p:nvGrpSpPr>
+            <p:grpSpPr>
+              <a:xfrm>
+                <a:off x="8580705" y="3561298"/>
+                <a:ext cx="1206390" cy="998405"/>
+                <a:chOff x="8577324" y="2506028"/>
+                <a:chExt cx="1206390" cy="998405"/>
+              </a:xfrm>
+            </p:grpSpPr>
+            <p:sp>
+              <p:nvSpPr>
+                <p:cNvPr id="42" name="Rectangle 41">
+                  <a:extLst>
+                    <a:ext uri="{FF2B5EF4-FFF2-40B4-BE49-F238E27FC236}">
+                      <a16:creationId xmlns:a16="http://schemas.microsoft.com/office/drawing/2014/main" id="{408AED51-50B5-3A40-8FB9-A2BB7B5484ED}"/>
+                    </a:ext>
+                  </a:extLst>
+                </p:cNvPr>
+                <p:cNvSpPr/>
+                <p:nvPr/>
+              </p:nvSpPr>
+              <p:spPr bwMode="auto">
+                <a:xfrm>
+                  <a:off x="8640135" y="2506028"/>
+                  <a:ext cx="1076276" cy="858017"/>
+                </a:xfrm>
+                <a:prstGeom prst="rect">
+                  <a:avLst/>
+                </a:prstGeom>
+                <a:solidFill>
+                  <a:schemeClr val="bg2">
+                    <a:lumMod val="60000"/>
+                    <a:lumOff val="40000"/>
+                  </a:schemeClr>
+                </a:solidFill>
+                <a:ln>
+                  <a:noFill/>
+                  <a:headEnd type="none" w="med" len="med"/>
+                  <a:tailEnd type="none" w="med" len="med"/>
+                </a:ln>
+                <a:effectLst/>
+              </p:spPr>
+              <p:style>
+                <a:lnRef idx="1">
+                  <a:schemeClr val="accent2"/>
+                </a:lnRef>
+                <a:fillRef idx="3">
+                  <a:schemeClr val="accent2"/>
+                </a:fillRef>
+                <a:effectRef idx="2">
+                  <a:schemeClr val="accent2"/>
+                </a:effectRef>
+                <a:fontRef idx="minor">
+                  <a:schemeClr val="lt1"/>
+                </a:fontRef>
+              </p:style>
+              <p:txBody>
+                <a:bodyPr rot="0" spcFirstLastPara="0" vertOverflow="overflow" horzOverflow="overflow" vert="horz" wrap="square" lIns="182880" tIns="146304" rIns="182880" bIns="146304" numCol="1" spcCol="0" rtlCol="0" fromWordArt="0" anchor="t" anchorCtr="0" forceAA="0" compatLnSpc="1">
+                  <a:prstTxWarp prst="textNoShape">
+                    <a:avLst/>
+                  </a:prstTxWarp>
+                  <a:noAutofit/>
+                </a:bodyPr>
+                <a:lstStyle/>
+                <a:p>
+                  <a:pPr algn="ctr" defTabSz="932472" fontAlgn="base">
+                    <a:lnSpc>
+                      <a:spcPct val="90000"/>
+                    </a:lnSpc>
+                    <a:spcBef>
+                      <a:spcPct val="0"/>
+                    </a:spcBef>
+                    <a:spcAft>
+                      <a:spcPct val="0"/>
+                    </a:spcAft>
+                  </a:pPr>
+                  <a:r>
+                    <a:rPr lang="en-US" sz="900" b="1" dirty="0">
+                      <a:gradFill>
+                        <a:gsLst>
+                          <a:gs pos="0">
+                            <a:srgbClr val="FFFFFF"/>
+                          </a:gs>
+                          <a:gs pos="100000">
+                            <a:srgbClr val="FFFFFF"/>
+                          </a:gs>
+                        </a:gsLst>
+                        <a:lin ang="5400000" scaled="0"/>
+                      </a:gradFill>
+                      <a:ea typeface="Segoe UI" pitchFamily="34" charset="0"/>
+                      <a:cs typeface="Segoe UI" pitchFamily="34" charset="0"/>
+                    </a:rPr>
+                    <a:t>production</a:t>
+                  </a:r>
+                </a:p>
+              </p:txBody>
+            </p:sp>
+            <p:sp>
+              <p:nvSpPr>
+                <p:cNvPr id="43" name="TextBox 42">
+                  <a:extLst>
+                    <a:ext uri="{FF2B5EF4-FFF2-40B4-BE49-F238E27FC236}">
+                      <a16:creationId xmlns:a16="http://schemas.microsoft.com/office/drawing/2014/main" id="{D5A0E335-323C-884E-BC4A-414CCA10B09C}"/>
+                    </a:ext>
+                  </a:extLst>
+                </p:cNvPr>
+                <p:cNvSpPr txBox="1"/>
+                <p:nvPr/>
+              </p:nvSpPr>
+              <p:spPr>
+                <a:xfrm>
+                  <a:off x="8577324" y="2959668"/>
+                  <a:ext cx="739729" cy="544765"/>
+                </a:xfrm>
+                <a:prstGeom prst="rect">
+                  <a:avLst/>
+                </a:prstGeom>
+                <a:noFill/>
+              </p:spPr>
+              <p:txBody>
+                <a:bodyPr wrap="square" lIns="182880" tIns="146304" rIns="182880" bIns="146304" rtlCol="0">
+                  <a:spAutoFit/>
+                </a:bodyPr>
+                <a:lstStyle/>
+                <a:p>
+                  <a:pPr algn="ctr">
+                    <a:lnSpc>
+                      <a:spcPct val="90000"/>
+                    </a:lnSpc>
+                    <a:spcAft>
+                      <a:spcPts val="600"/>
+                    </a:spcAft>
+                  </a:pPr>
+                  <a:r>
+                    <a:rPr lang="en-US" sz="900" b="1" dirty="0">
+                      <a:solidFill>
+                        <a:schemeClr val="bg1"/>
+                      </a:solidFill>
+                    </a:rPr>
+                    <a:t>App Service</a:t>
+                  </a:r>
+                </a:p>
+              </p:txBody>
+            </p:sp>
+            <p:pic>
+              <p:nvPicPr>
+                <p:cNvPr id="44" name="Picture 43">
+                  <a:extLst>
+                    <a:ext uri="{FF2B5EF4-FFF2-40B4-BE49-F238E27FC236}">
+                      <a16:creationId xmlns:a16="http://schemas.microsoft.com/office/drawing/2014/main" id="{0724E354-3ECB-C84D-B0B4-40B5866DE92B}"/>
+                    </a:ext>
+                  </a:extLst>
+                </p:cNvPr>
+                <p:cNvPicPr>
+                  <a:picLocks noChangeAspect="1"/>
+                </p:cNvPicPr>
+                <p:nvPr/>
+              </p:nvPicPr>
+              <p:blipFill>
+                <a:blip r:embed="rId6" cstate="print">
+                  <a:extLst>
+                    <a:ext uri="{28A0092B-C50C-407E-A947-70E740481C1C}">
+                      <a14:useLocalDpi xmlns:a14="http://schemas.microsoft.com/office/drawing/2010/main" val="0"/>
+                    </a:ext>
+                  </a:extLst>
+                </a:blip>
+                <a:stretch>
+                  <a:fillRect/>
+                </a:stretch>
+              </p:blipFill>
+              <p:spPr>
+                <a:xfrm>
+                  <a:off x="8850393" y="2892169"/>
+                  <a:ext cx="193592" cy="193592"/>
+                </a:xfrm>
+                <a:prstGeom prst="rect">
+                  <a:avLst/>
+                </a:prstGeom>
+              </p:spPr>
+            </p:pic>
+            <p:sp>
+              <p:nvSpPr>
+                <p:cNvPr id="45" name="TextBox 44">
+                  <a:extLst>
+                    <a:ext uri="{FF2B5EF4-FFF2-40B4-BE49-F238E27FC236}">
+                      <a16:creationId xmlns:a16="http://schemas.microsoft.com/office/drawing/2014/main" id="{301DE1DF-7060-8D41-94BE-6EDFC4D0F75F}"/>
+                    </a:ext>
+                  </a:extLst>
+                </p:cNvPr>
+                <p:cNvSpPr txBox="1"/>
+                <p:nvPr/>
+              </p:nvSpPr>
+              <p:spPr>
+                <a:xfrm>
+                  <a:off x="9043985" y="2953869"/>
+                  <a:ext cx="739729" cy="544765"/>
+                </a:xfrm>
+                <a:prstGeom prst="rect">
+                  <a:avLst/>
+                </a:prstGeom>
+                <a:noFill/>
+              </p:spPr>
+              <p:txBody>
+                <a:bodyPr wrap="square" lIns="182880" tIns="146304" rIns="182880" bIns="146304" rtlCol="0">
+                  <a:spAutoFit/>
+                </a:bodyPr>
+                <a:lstStyle/>
+                <a:p>
+                  <a:pPr algn="ctr">
+                    <a:lnSpc>
+                      <a:spcPct val="90000"/>
+                    </a:lnSpc>
+                    <a:spcAft>
+                      <a:spcPts val="600"/>
+                    </a:spcAft>
+                  </a:pPr>
+                  <a:r>
+                    <a:rPr lang="en-US" sz="900" b="1" dirty="0">
+                      <a:solidFill>
+                        <a:schemeClr val="bg1"/>
+                      </a:solidFill>
+                    </a:rPr>
+                    <a:t>Azure SQL</a:t>
+                  </a:r>
+                </a:p>
+              </p:txBody>
+            </p:sp>
+            <p:pic>
+              <p:nvPicPr>
+                <p:cNvPr id="46" name="Picture 45">
+                  <a:extLst>
+                    <a:ext uri="{FF2B5EF4-FFF2-40B4-BE49-F238E27FC236}">
+                      <a16:creationId xmlns:a16="http://schemas.microsoft.com/office/drawing/2014/main" id="{8C2EED98-EE07-B74B-9C3E-C4C13C7F8474}"/>
+                    </a:ext>
+                  </a:extLst>
+                </p:cNvPr>
+                <p:cNvPicPr>
+                  <a:picLocks noChangeAspect="1"/>
+                </p:cNvPicPr>
+                <p:nvPr/>
+              </p:nvPicPr>
+              <p:blipFill>
+                <a:blip r:embed="rId7" cstate="print">
+                  <a:extLst>
+                    <a:ext uri="{28A0092B-C50C-407E-A947-70E740481C1C}">
+                      <a14:useLocalDpi xmlns:a14="http://schemas.microsoft.com/office/drawing/2010/main" val="0"/>
+                    </a:ext>
+                  </a:extLst>
+                </a:blip>
+                <a:stretch>
+                  <a:fillRect/>
+                </a:stretch>
+              </p:blipFill>
+              <p:spPr>
+                <a:xfrm>
+                  <a:off x="9322911" y="2881361"/>
+                  <a:ext cx="204400" cy="204400"/>
+                </a:xfrm>
+                <a:prstGeom prst="rect">
+                  <a:avLst/>
+                </a:prstGeom>
+              </p:spPr>
+            </p:pic>
+          </p:grpSp>
+          <p:grpSp>
+            <p:nvGrpSpPr>
+              <p:cNvPr id="25" name="Group 24">
+                <a:extLst>
+                  <a:ext uri="{FF2B5EF4-FFF2-40B4-BE49-F238E27FC236}">
+                    <a16:creationId xmlns:a16="http://schemas.microsoft.com/office/drawing/2014/main" id="{53EB7A8D-27A7-B34A-A70F-A846CA41E60B}"/>
+                  </a:ext>
+                </a:extLst>
+              </p:cNvPr>
+              <p:cNvGrpSpPr/>
+              <p:nvPr/>
+            </p:nvGrpSpPr>
+            <p:grpSpPr>
+              <a:xfrm>
+                <a:off x="8821295" y="4589707"/>
+                <a:ext cx="1924498" cy="461665"/>
+                <a:chOff x="9298735" y="4498682"/>
+                <a:chExt cx="1924498" cy="461665"/>
+              </a:xfrm>
+            </p:grpSpPr>
+            <p:sp>
+              <p:nvSpPr>
+                <p:cNvPr id="40" name="TextBox 39">
+                  <a:extLst>
+                    <a:ext uri="{FF2B5EF4-FFF2-40B4-BE49-F238E27FC236}">
+                      <a16:creationId xmlns:a16="http://schemas.microsoft.com/office/drawing/2014/main" id="{3AB8B778-CCF9-6A47-82D0-ACE6AF05EC18}"/>
+                    </a:ext>
+                  </a:extLst>
+                </p:cNvPr>
+                <p:cNvSpPr txBox="1"/>
+                <p:nvPr/>
+              </p:nvSpPr>
+              <p:spPr>
+                <a:xfrm>
+                  <a:off x="9298735" y="4498682"/>
+                  <a:ext cx="1924498" cy="461665"/>
+                </a:xfrm>
+                <a:prstGeom prst="rect">
+                  <a:avLst/>
+                </a:prstGeom>
+                <a:noFill/>
+              </p:spPr>
+              <p:txBody>
+                <a:bodyPr wrap="square" lIns="182880" tIns="146304" rIns="182880" bIns="146304" rtlCol="0">
+                  <a:spAutoFit/>
+                </a:bodyPr>
+                <a:lstStyle/>
+                <a:p>
+                  <a:pPr algn="ctr">
+                    <a:lnSpc>
+                      <a:spcPct val="90000"/>
+                    </a:lnSpc>
+                    <a:spcAft>
+                      <a:spcPts val="600"/>
+                    </a:spcAft>
+                  </a:pPr>
+                  <a:r>
+                    <a:rPr lang="en-US" sz="1100" b="1" dirty="0">
+                      <a:solidFill>
+                        <a:schemeClr val="bg1"/>
+                      </a:solidFill>
+                    </a:rPr>
+                    <a:t>Application Insights</a:t>
+                  </a:r>
+                </a:p>
+              </p:txBody>
+            </p:sp>
+            <p:pic>
+              <p:nvPicPr>
+                <p:cNvPr id="41" name="Picture 40">
+                  <a:extLst>
+                    <a:ext uri="{FF2B5EF4-FFF2-40B4-BE49-F238E27FC236}">
+                      <a16:creationId xmlns:a16="http://schemas.microsoft.com/office/drawing/2014/main" id="{5DDD3BBC-6E38-F54F-9388-3152177D2FB7}"/>
+                    </a:ext>
+                  </a:extLst>
+                </p:cNvPr>
+                <p:cNvPicPr>
+                  <a:picLocks noChangeAspect="1"/>
+                </p:cNvPicPr>
+                <p:nvPr/>
+              </p:nvPicPr>
+              <p:blipFill>
+                <a:blip r:embed="rId8" cstate="print">
+                  <a:extLst>
+                    <a:ext uri="{28A0092B-C50C-407E-A947-70E740481C1C}">
+                      <a14:useLocalDpi xmlns:a14="http://schemas.microsoft.com/office/drawing/2010/main" val="0"/>
+                    </a:ext>
+                  </a:extLst>
+                </a:blip>
+                <a:stretch>
+                  <a:fillRect/>
+                </a:stretch>
+              </p:blipFill>
+              <p:spPr>
+                <a:xfrm>
+                  <a:off x="10853368" y="4603762"/>
+                  <a:ext cx="251503" cy="251503"/>
+                </a:xfrm>
+                <a:prstGeom prst="rect">
+                  <a:avLst/>
+                </a:prstGeom>
+              </p:spPr>
+            </p:pic>
+          </p:grpSp>
+          <p:cxnSp>
+            <p:nvCxnSpPr>
+              <p:cNvPr id="26" name="Straight Arrow Connector 25">
+                <a:extLst>
+                  <a:ext uri="{FF2B5EF4-FFF2-40B4-BE49-F238E27FC236}">
+                    <a16:creationId xmlns:a16="http://schemas.microsoft.com/office/drawing/2014/main" id="{6EAB19A1-5896-5046-985A-E2E99F29AD25}"/>
+                  </a:ext>
+                </a:extLst>
+              </p:cNvPr>
+              <p:cNvCxnSpPr>
+                <a:cxnSpLocks/>
+              </p:cNvCxnSpPr>
+              <p:nvPr/>
+            </p:nvCxnSpPr>
+            <p:spPr>
+              <a:xfrm>
+                <a:off x="7819101" y="3500801"/>
+                <a:ext cx="794720" cy="534430"/>
+              </a:xfrm>
+              <a:prstGeom prst="straightConnector1">
+                <a:avLst/>
+              </a:prstGeom>
+              <a:ln>
+                <a:solidFill>
+                  <a:schemeClr val="bg1">
+                    <a:lumMod val="50000"/>
+                  </a:schemeClr>
+                </a:solidFill>
+                <a:headEnd type="none"/>
+                <a:tailEnd type="triangle"/>
+              </a:ln>
+            </p:spPr>
+            <p:style>
+              <a:lnRef idx="1">
+                <a:schemeClr val="accent1"/>
+              </a:lnRef>
+              <a:fillRef idx="0">
+                <a:schemeClr val="accent1"/>
+              </a:fillRef>
+              <a:effectRef idx="0">
+                <a:schemeClr val="accent1"/>
+              </a:effectRef>
+              <a:fontRef idx="minor">
+                <a:schemeClr val="tx1"/>
+              </a:fontRef>
+            </p:style>
+          </p:cxnSp>
+          <p:cxnSp>
+            <p:nvCxnSpPr>
+              <p:cNvPr id="27" name="Straight Arrow Connector 26">
+                <a:extLst>
+                  <a:ext uri="{FF2B5EF4-FFF2-40B4-BE49-F238E27FC236}">
+                    <a16:creationId xmlns:a16="http://schemas.microsoft.com/office/drawing/2014/main" id="{F4A2187D-5FEF-EB41-A900-9BED1051D921}"/>
+                  </a:ext>
+                </a:extLst>
+              </p:cNvPr>
+              <p:cNvCxnSpPr>
+                <a:cxnSpLocks/>
+              </p:cNvCxnSpPr>
+              <p:nvPr/>
+            </p:nvCxnSpPr>
+            <p:spPr>
+              <a:xfrm flipV="1">
+                <a:off x="7821658" y="2925196"/>
+                <a:ext cx="765886" cy="476542"/>
+              </a:xfrm>
+              <a:prstGeom prst="straightConnector1">
+                <a:avLst/>
+              </a:prstGeom>
+              <a:ln>
+                <a:solidFill>
+                  <a:schemeClr val="bg1">
+                    <a:lumMod val="50000"/>
+                  </a:schemeClr>
+                </a:solidFill>
+                <a:headEnd type="none"/>
+                <a:tailEnd type="triangle"/>
+              </a:ln>
+            </p:spPr>
+            <p:style>
+              <a:lnRef idx="1">
+                <a:schemeClr val="accent1"/>
+              </a:lnRef>
+              <a:fillRef idx="0">
+                <a:schemeClr val="accent1"/>
+              </a:fillRef>
+              <a:effectRef idx="0">
+                <a:schemeClr val="accent1"/>
+              </a:effectRef>
+              <a:fontRef idx="minor">
+                <a:schemeClr val="tx1"/>
+              </a:fontRef>
+            </p:style>
+          </p:cxnSp>
+          <p:grpSp>
+            <p:nvGrpSpPr>
+              <p:cNvPr id="28" name="Group 27">
+                <a:extLst>
+                  <a:ext uri="{FF2B5EF4-FFF2-40B4-BE49-F238E27FC236}">
+                    <a16:creationId xmlns:a16="http://schemas.microsoft.com/office/drawing/2014/main" id="{CBDB3CA1-1C5D-654E-8236-8D55730F9D09}"/>
+                  </a:ext>
+                </a:extLst>
+              </p:cNvPr>
+              <p:cNvGrpSpPr/>
+              <p:nvPr/>
+            </p:nvGrpSpPr>
+            <p:grpSpPr>
+              <a:xfrm>
+                <a:off x="8587544" y="4525877"/>
+                <a:ext cx="2635689" cy="121755"/>
+                <a:chOff x="8587544" y="4373477"/>
+                <a:chExt cx="2635689" cy="121755"/>
+              </a:xfrm>
+            </p:grpSpPr>
+            <p:cxnSp>
+              <p:nvCxnSpPr>
+                <p:cNvPr id="37" name="Straight Connector 36">
+                  <a:extLst>
+                    <a:ext uri="{FF2B5EF4-FFF2-40B4-BE49-F238E27FC236}">
+                      <a16:creationId xmlns:a16="http://schemas.microsoft.com/office/drawing/2014/main" id="{2EE45808-5423-284E-A69F-CC788E5FE318}"/>
+                    </a:ext>
+                  </a:extLst>
+                </p:cNvPr>
+                <p:cNvCxnSpPr>
+                  <a:cxnSpLocks/>
+                </p:cNvCxnSpPr>
+                <p:nvPr/>
+              </p:nvCxnSpPr>
+              <p:spPr>
+                <a:xfrm>
+                  <a:off x="8587544" y="4495232"/>
+                  <a:ext cx="2635689" cy="0"/>
+                </a:xfrm>
+                <a:prstGeom prst="line">
+                  <a:avLst/>
+                </a:prstGeom>
+                <a:ln w="19050">
+                  <a:solidFill>
+                    <a:schemeClr val="bg1"/>
+                  </a:solidFill>
+                  <a:headEnd type="none"/>
+                  <a:tailEnd type="none"/>
+                </a:ln>
+              </p:spPr>
+              <p:style>
+                <a:lnRef idx="1">
+                  <a:schemeClr val="accent1"/>
+                </a:lnRef>
+                <a:fillRef idx="0">
+                  <a:schemeClr val="accent1"/>
+                </a:fillRef>
+                <a:effectRef idx="0">
+                  <a:schemeClr val="accent1"/>
+                </a:effectRef>
+                <a:fontRef idx="minor">
+                  <a:schemeClr val="tx1"/>
+                </a:fontRef>
+              </p:style>
+            </p:cxnSp>
+            <p:cxnSp>
+              <p:nvCxnSpPr>
+                <p:cNvPr id="38" name="Straight Connector 37">
+                  <a:extLst>
+                    <a:ext uri="{FF2B5EF4-FFF2-40B4-BE49-F238E27FC236}">
+                      <a16:creationId xmlns:a16="http://schemas.microsoft.com/office/drawing/2014/main" id="{C9827F1A-CE9A-D04C-96F4-DBE97FD2DEF6}"/>
+                    </a:ext>
+                  </a:extLst>
+                </p:cNvPr>
+                <p:cNvCxnSpPr>
+                  <a:cxnSpLocks/>
+                </p:cNvCxnSpPr>
+                <p:nvPr/>
+              </p:nvCxnSpPr>
+              <p:spPr>
+                <a:xfrm flipV="1">
+                  <a:off x="8588814" y="4373477"/>
+                  <a:ext cx="0" cy="117945"/>
+                </a:xfrm>
+                <a:prstGeom prst="line">
+                  <a:avLst/>
+                </a:prstGeom>
+                <a:ln w="19050">
+                  <a:solidFill>
+                    <a:schemeClr val="bg1"/>
+                  </a:solidFill>
+                  <a:headEnd type="none"/>
+                  <a:tailEnd type="none"/>
+                </a:ln>
+              </p:spPr>
+              <p:style>
+                <a:lnRef idx="1">
+                  <a:schemeClr val="accent1"/>
+                </a:lnRef>
+                <a:fillRef idx="0">
+                  <a:schemeClr val="accent1"/>
+                </a:fillRef>
+                <a:effectRef idx="0">
+                  <a:schemeClr val="accent1"/>
+                </a:effectRef>
+                <a:fontRef idx="minor">
+                  <a:schemeClr val="tx1"/>
+                </a:fontRef>
+              </p:style>
+            </p:cxnSp>
+            <p:cxnSp>
+              <p:nvCxnSpPr>
+                <p:cNvPr id="39" name="Straight Connector 38">
+                  <a:extLst>
+                    <a:ext uri="{FF2B5EF4-FFF2-40B4-BE49-F238E27FC236}">
+                      <a16:creationId xmlns:a16="http://schemas.microsoft.com/office/drawing/2014/main" id="{B62DBFA4-3690-B54A-B03D-968157400D4C}"/>
+                    </a:ext>
+                  </a:extLst>
+                </p:cNvPr>
+                <p:cNvCxnSpPr>
+                  <a:cxnSpLocks/>
+                </p:cNvCxnSpPr>
+                <p:nvPr/>
+              </p:nvCxnSpPr>
+              <p:spPr>
+                <a:xfrm flipV="1">
+                  <a:off x="11215417" y="4377287"/>
+                  <a:ext cx="0" cy="117945"/>
+                </a:xfrm>
+                <a:prstGeom prst="line">
+                  <a:avLst/>
+                </a:prstGeom>
+                <a:ln w="19050">
+                  <a:solidFill>
+                    <a:schemeClr val="bg1"/>
+                  </a:solidFill>
+                  <a:headEnd type="none"/>
+                  <a:tailEnd type="none"/>
+                </a:ln>
+              </p:spPr>
+              <p:style>
+                <a:lnRef idx="1">
+                  <a:schemeClr val="accent1"/>
+                </a:lnRef>
+                <a:fillRef idx="0">
+                  <a:schemeClr val="accent1"/>
+                </a:fillRef>
+                <a:effectRef idx="0">
+                  <a:schemeClr val="accent1"/>
+                </a:effectRef>
+                <a:fontRef idx="minor">
+                  <a:schemeClr val="tx1"/>
+                </a:fontRef>
+              </p:style>
+            </p:cxnSp>
+          </p:grpSp>
+          <p:cxnSp>
+            <p:nvCxnSpPr>
+              <p:cNvPr id="29" name="Straight Arrow Connector 28">
+                <a:extLst>
+                  <a:ext uri="{FF2B5EF4-FFF2-40B4-BE49-F238E27FC236}">
+                    <a16:creationId xmlns:a16="http://schemas.microsoft.com/office/drawing/2014/main" id="{1530615A-BE92-EF43-B649-83F68426BF28}"/>
+                  </a:ext>
+                </a:extLst>
+              </p:cNvPr>
+              <p:cNvCxnSpPr>
+                <a:cxnSpLocks/>
+              </p:cNvCxnSpPr>
+              <p:nvPr/>
+            </p:nvCxnSpPr>
+            <p:spPr>
+              <a:xfrm flipV="1">
+                <a:off x="4529418" y="3467199"/>
+                <a:ext cx="549631" cy="382"/>
+              </a:xfrm>
+              <a:prstGeom prst="straightConnector1">
+                <a:avLst/>
+              </a:prstGeom>
+              <a:ln>
+                <a:solidFill>
+                  <a:schemeClr val="bg1">
+                    <a:lumMod val="50000"/>
+                  </a:schemeClr>
+                </a:solidFill>
+                <a:headEnd type="none"/>
+                <a:tailEnd type="triangle"/>
+              </a:ln>
+            </p:spPr>
+            <p:style>
+              <a:lnRef idx="1">
+                <a:schemeClr val="accent1"/>
+              </a:lnRef>
+              <a:fillRef idx="0">
+                <a:schemeClr val="accent1"/>
+              </a:fillRef>
+              <a:effectRef idx="0">
+                <a:schemeClr val="accent1"/>
+              </a:effectRef>
+              <a:fontRef idx="minor">
+                <a:schemeClr val="tx1"/>
+              </a:fontRef>
+            </p:style>
+          </p:cxnSp>
+          <p:sp>
+            <p:nvSpPr>
+              <p:cNvPr id="30" name="TextBox 29">
+                <a:extLst>
+                  <a:ext uri="{FF2B5EF4-FFF2-40B4-BE49-F238E27FC236}">
+                    <a16:creationId xmlns:a16="http://schemas.microsoft.com/office/drawing/2014/main" id="{75AA3EBC-46E5-D344-9C85-0AF1393F5E0D}"/>
+                  </a:ext>
+                </a:extLst>
+              </p:cNvPr>
+              <p:cNvSpPr txBox="1"/>
+              <p:nvPr/>
+            </p:nvSpPr>
+            <p:spPr>
+              <a:xfrm>
+                <a:off x="2479144" y="3539599"/>
+                <a:ext cx="1320599" cy="794064"/>
+              </a:xfrm>
+              <a:prstGeom prst="rect">
+                <a:avLst/>
+              </a:prstGeom>
+              <a:noFill/>
+            </p:spPr>
+            <p:txBody>
+              <a:bodyPr wrap="square" lIns="182880" tIns="146304" rIns="182880" bIns="146304" rtlCol="0">
+                <a:spAutoFit/>
+              </a:bodyPr>
+              <a:lstStyle/>
+              <a:p>
+                <a:pPr algn="ctr">
+                  <a:lnSpc>
+                    <a:spcPct val="90000"/>
+                  </a:lnSpc>
+                  <a:spcAft>
+                    <a:spcPts val="600"/>
+                  </a:spcAft>
+                </a:pPr>
+                <a:r>
+                  <a:rPr lang="en-US" sz="1200" b="1" dirty="0">
+                    <a:solidFill>
+                      <a:schemeClr val="bg1"/>
+                    </a:solidFill>
+                  </a:rPr>
+                  <a:t>Create a Pull Request for peer review</a:t>
+                </a:r>
+              </a:p>
+            </p:txBody>
+          </p:sp>
+          <p:pic>
+            <p:nvPicPr>
+              <p:cNvPr id="31" name="Picture 30">
+                <a:extLst>
+                  <a:ext uri="{FF2B5EF4-FFF2-40B4-BE49-F238E27FC236}">
+                    <a16:creationId xmlns:a16="http://schemas.microsoft.com/office/drawing/2014/main" id="{FCF83D72-0F6C-F540-94DC-1B676BD30E91}"/>
+                  </a:ext>
+                </a:extLst>
+              </p:cNvPr>
+              <p:cNvPicPr>
+                <a:picLocks noChangeAspect="1"/>
+              </p:cNvPicPr>
+              <p:nvPr/>
+            </p:nvPicPr>
+            <p:blipFill>
+              <a:blip r:embed="rId3" cstate="print">
+                <a:extLst>
+                  <a:ext uri="{28A0092B-C50C-407E-A947-70E740481C1C}">
+                    <a14:useLocalDpi xmlns:a14="http://schemas.microsoft.com/office/drawing/2010/main" val="0"/>
+                  </a:ext>
+                </a:extLst>
+              </a:blip>
+              <a:stretch>
+                <a:fillRect/>
+              </a:stretch>
+            </p:blipFill>
+            <p:spPr>
+              <a:xfrm>
+                <a:off x="2883857" y="3072609"/>
+                <a:ext cx="472161" cy="472161"/>
+              </a:xfrm>
+              <a:prstGeom prst="rect">
+                <a:avLst/>
+              </a:prstGeom>
+            </p:spPr>
+          </p:pic>
+          <p:sp>
+            <p:nvSpPr>
+              <p:cNvPr id="32" name="TextBox 31">
+                <a:extLst>
+                  <a:ext uri="{FF2B5EF4-FFF2-40B4-BE49-F238E27FC236}">
+                    <a16:creationId xmlns:a16="http://schemas.microsoft.com/office/drawing/2014/main" id="{50C9A822-DB0B-5245-9EFF-F425F7D2A63D}"/>
+                  </a:ext>
+                </a:extLst>
+              </p:cNvPr>
+              <p:cNvSpPr txBox="1"/>
+              <p:nvPr/>
+            </p:nvSpPr>
+            <p:spPr>
+              <a:xfrm>
+                <a:off x="3564140" y="3550407"/>
+                <a:ext cx="1320599" cy="627864"/>
+              </a:xfrm>
+              <a:prstGeom prst="rect">
+                <a:avLst/>
+              </a:prstGeom>
+              <a:noFill/>
+            </p:spPr>
+            <p:txBody>
+              <a:bodyPr wrap="square" lIns="182880" tIns="146304" rIns="182880" bIns="146304" rtlCol="0">
+                <a:spAutoFit/>
+              </a:bodyPr>
+              <a:lstStyle/>
+              <a:p>
+                <a:pPr algn="ctr">
+                  <a:lnSpc>
+                    <a:spcPct val="90000"/>
+                  </a:lnSpc>
+                  <a:spcAft>
+                    <a:spcPts val="600"/>
+                  </a:spcAft>
+                </a:pPr>
+                <a:r>
+                  <a:rPr lang="en-US" sz="1200" b="1" dirty="0">
+                    <a:solidFill>
+                      <a:schemeClr val="bg1"/>
+                    </a:solidFill>
+                  </a:rPr>
+                  <a:t>Merge to master</a:t>
+                </a:r>
+              </a:p>
+            </p:txBody>
+          </p:sp>
+          <p:pic>
+            <p:nvPicPr>
+              <p:cNvPr id="33" name="Picture 32">
+                <a:extLst>
+                  <a:ext uri="{FF2B5EF4-FFF2-40B4-BE49-F238E27FC236}">
+                    <a16:creationId xmlns:a16="http://schemas.microsoft.com/office/drawing/2014/main" id="{6B155AF1-D45F-4B4F-99AD-5D0E71713D2B}"/>
+                  </a:ext>
+                </a:extLst>
+              </p:cNvPr>
+              <p:cNvPicPr>
+                <a:picLocks noChangeAspect="1"/>
+              </p:cNvPicPr>
+              <p:nvPr/>
+            </p:nvPicPr>
+            <p:blipFill>
+              <a:blip r:embed="rId3" cstate="print">
+                <a:extLst>
+                  <a:ext uri="{28A0092B-C50C-407E-A947-70E740481C1C}">
+                    <a14:useLocalDpi xmlns:a14="http://schemas.microsoft.com/office/drawing/2010/main" val="0"/>
+                  </a:ext>
+                </a:extLst>
+              </a:blip>
+              <a:stretch>
+                <a:fillRect/>
+              </a:stretch>
+            </p:blipFill>
+            <p:spPr>
+              <a:xfrm>
+                <a:off x="3968853" y="3083417"/>
+                <a:ext cx="472161" cy="472161"/>
+              </a:xfrm>
+              <a:prstGeom prst="rect">
+                <a:avLst/>
+              </a:prstGeom>
+            </p:spPr>
+          </p:pic>
+          <p:cxnSp>
+            <p:nvCxnSpPr>
+              <p:cNvPr id="34" name="Straight Arrow Connector 33">
+                <a:extLst>
+                  <a:ext uri="{FF2B5EF4-FFF2-40B4-BE49-F238E27FC236}">
+                    <a16:creationId xmlns:a16="http://schemas.microsoft.com/office/drawing/2014/main" id="{A1290841-BA7E-1E44-AF89-16F5A04AE988}"/>
+                  </a:ext>
+                </a:extLst>
+              </p:cNvPr>
+              <p:cNvCxnSpPr>
+                <a:cxnSpLocks/>
+              </p:cNvCxnSpPr>
+              <p:nvPr/>
+            </p:nvCxnSpPr>
+            <p:spPr>
+              <a:xfrm flipV="1">
+                <a:off x="3448050" y="3466817"/>
+                <a:ext cx="469576" cy="382"/>
+              </a:xfrm>
+              <a:prstGeom prst="straightConnector1">
+                <a:avLst/>
+              </a:prstGeom>
+              <a:ln>
+                <a:solidFill>
+                  <a:schemeClr val="bg1">
+                    <a:lumMod val="50000"/>
+                  </a:schemeClr>
+                </a:solidFill>
+                <a:headEnd type="none"/>
+                <a:tailEnd type="triangle"/>
+              </a:ln>
+            </p:spPr>
+            <p:style>
+              <a:lnRef idx="1">
+                <a:schemeClr val="accent1"/>
+              </a:lnRef>
+              <a:fillRef idx="0">
+                <a:schemeClr val="accent1"/>
+              </a:fillRef>
+              <a:effectRef idx="0">
+                <a:schemeClr val="accent1"/>
+              </a:effectRef>
+              <a:fontRef idx="minor">
+                <a:schemeClr val="tx1"/>
+              </a:fontRef>
+            </p:style>
+          </p:cxnSp>
+          <p:cxnSp>
+            <p:nvCxnSpPr>
+              <p:cNvPr id="35" name="Straight Arrow Connector 34">
+                <a:extLst>
+                  <a:ext uri="{FF2B5EF4-FFF2-40B4-BE49-F238E27FC236}">
+                    <a16:creationId xmlns:a16="http://schemas.microsoft.com/office/drawing/2014/main" id="{92AEC0EB-E469-BC49-8D97-92E2DCD59016}"/>
+                  </a:ext>
+                </a:extLst>
+              </p:cNvPr>
+              <p:cNvCxnSpPr>
+                <a:cxnSpLocks/>
+              </p:cNvCxnSpPr>
+              <p:nvPr/>
+            </p:nvCxnSpPr>
+            <p:spPr>
+              <a:xfrm>
+                <a:off x="2264878" y="3467199"/>
+                <a:ext cx="468797" cy="0"/>
+              </a:xfrm>
+              <a:prstGeom prst="straightConnector1">
+                <a:avLst/>
+              </a:prstGeom>
+              <a:ln>
+                <a:solidFill>
+                  <a:schemeClr val="bg1">
+                    <a:lumMod val="50000"/>
+                  </a:schemeClr>
+                </a:solidFill>
+                <a:headEnd type="none"/>
+                <a:tailEnd type="triangle"/>
+              </a:ln>
+            </p:spPr>
+            <p:style>
+              <a:lnRef idx="1">
+                <a:schemeClr val="accent1"/>
+              </a:lnRef>
+              <a:fillRef idx="0">
+                <a:schemeClr val="accent1"/>
+              </a:fillRef>
+              <a:effectRef idx="0">
+                <a:schemeClr val="accent1"/>
+              </a:effectRef>
+              <a:fontRef idx="minor">
+                <a:schemeClr val="tx1"/>
+              </a:fontRef>
+            </p:style>
+          </p:cxnSp>
+          <p:cxnSp>
+            <p:nvCxnSpPr>
+              <p:cNvPr id="36" name="Straight Arrow Connector 35">
+                <a:extLst>
+                  <a:ext uri="{FF2B5EF4-FFF2-40B4-BE49-F238E27FC236}">
+                    <a16:creationId xmlns:a16="http://schemas.microsoft.com/office/drawing/2014/main" id="{D22CA443-A067-4B4F-BE58-8805309F90B0}"/>
+                  </a:ext>
+                </a:extLst>
+              </p:cNvPr>
+              <p:cNvCxnSpPr>
+                <a:cxnSpLocks/>
+              </p:cNvCxnSpPr>
+              <p:nvPr/>
+            </p:nvCxnSpPr>
+            <p:spPr>
+              <a:xfrm>
+                <a:off x="1031385" y="3467199"/>
+                <a:ext cx="468797" cy="0"/>
+              </a:xfrm>
+              <a:prstGeom prst="straightConnector1">
+                <a:avLst/>
+              </a:prstGeom>
+              <a:ln>
+                <a:solidFill>
+                  <a:schemeClr val="bg1">
+                    <a:lumMod val="50000"/>
+                  </a:schemeClr>
+                </a:solidFill>
+                <a:headEnd type="none"/>
+                <a:tailEnd type="triangle"/>
+              </a:ln>
+            </p:spPr>
+            <p:style>
+              <a:lnRef idx="1">
+                <a:schemeClr val="accent1"/>
+              </a:lnRef>
+              <a:fillRef idx="0">
+                <a:schemeClr val="accent1"/>
+              </a:fillRef>
+              <a:effectRef idx="0">
+                <a:schemeClr val="accent1"/>
+              </a:effectRef>
+              <a:fontRef idx="minor">
+                <a:schemeClr val="tx1"/>
+              </a:fontRef>
+            </p:style>
+          </p:cxnSp>
+        </p:grpSp>
+        <p:pic>
+          <p:nvPicPr>
+            <p:cNvPr id="7" name="Picture 6">
+              <a:extLst>
+                <a:ext uri="{FF2B5EF4-FFF2-40B4-BE49-F238E27FC236}">
+                  <a16:creationId xmlns:a16="http://schemas.microsoft.com/office/drawing/2014/main" id="{0C61721A-E7B7-7E4E-A019-B8D6DC669898}"/>
+                </a:ext>
+              </a:extLst>
+            </p:cNvPr>
+            <p:cNvPicPr>
+              <a:picLocks noChangeAspect="1"/>
+            </p:cNvPicPr>
+            <p:nvPr/>
+          </p:nvPicPr>
+          <p:blipFill>
+            <a:blip r:embed="rId9"/>
+            <a:stretch>
+              <a:fillRect/>
+            </a:stretch>
+          </p:blipFill>
+          <p:spPr>
+            <a:xfrm>
+              <a:off x="5413287" y="2449522"/>
+              <a:ext cx="318430" cy="318430"/>
+            </a:xfrm>
+            <a:prstGeom prst="rect">
+              <a:avLst/>
+            </a:prstGeom>
+          </p:spPr>
+        </p:pic>
+      </p:grpSp>
     </p:spTree>
     <p:extLst>
       <p:ext uri="{BB962C8B-B14F-4D97-AF65-F5344CB8AC3E}">
@@ -19052,7 +24206,7 @@
         <p:spPr>
           <a:xfrm>
             <a:off x="340285" y="1284044"/>
-            <a:ext cx="11584795" cy="4173450"/>
+            <a:ext cx="11584795" cy="3742563"/>
           </a:xfrm>
           <a:prstGeom prst="rect">
             <a:avLst/>
@@ -19078,7 +24232,7 @@
           <a:p>
             <a:r>
               <a:rPr lang="en-US" sz="2800" dirty="0"/>
-              <a:t>This solution would remove the need to provide access to these specific environments from the developers. The company could provide other access (i.e. MSDN subscriptions) that developers could use to explore the features of the platform.</a:t>
+              <a:t>This solution would remove the need to provide access to these specific environments from the developers. The company could provide other access (i.e. Enterprise DevTest Subscriptions) that developers could use to explore the features of the platform.</a:t>
             </a:r>
           </a:p>
           <a:p>
@@ -19722,7 +24876,7 @@
           <a:p>
             <a:r>
               <a:rPr lang="en-US" sz="2800" i="1" dirty="0"/>
-              <a:t>“By implementing continuous integration, configuration management, and better logging, we are able to decrease the time between new feature releases and bug fixes in production. We are finally able to complete online in the way that we have dreamed of for a long time.</a:t>
+              <a:t>“By implementing continuous integration, configuration management, and better logging, we are able to decrease the time between new feature releases and bug fixes in production. We are finally able to compete online in the way that we have dreamed of for a long time.</a:t>
             </a:r>
             <a:br>
               <a:rPr lang="en-US" sz="2800" i="1" dirty="0"/>

--- a/Whiteboard design session/WDS trainer presentation - Continuous delivery in VSTS and Azure.pptx
+++ b/Whiteboard design session/WDS trainer presentation - Continuous delivery in VSTS and Azure.pptx
@@ -232,7 +232,7 @@
           <a:p>
             <a:fld id="{52A13B17-C506-4D51-BB37-16B365906619}" type="datetimeFigureOut">
               <a:rPr lang="en-US" smtClean="0"/>
-              <a:t>1/15/19</a:t>
+              <a:t>1/19/19</a:t>
             </a:fld>
             <a:endParaRPr lang="en-US" dirty="0"/>
           </a:p>
@@ -3248,7 +3248,7 @@
                   <a:prstClr val="black"/>
                 </a:solidFill>
               </a:rPr>
-              <a:t>1/15/19 10:53 AM</a:t>
+              <a:t>1/19/19 3:09 PM</a:t>
             </a:fld>
             <a:endParaRPr lang="en-US" dirty="0">
               <a:solidFill>
@@ -15874,8 +15874,13 @@
           <a:p>
             <a:r>
               <a:rPr lang="en-US" dirty="0"/>
-              <a:t>Continuous delivery in Azure DevOps and Azure</a:t>
-            </a:r>
+              <a:t>Continuous delivery in </a:t>
+            </a:r>
+            <a:r>
+              <a:rPr lang="en-US"/>
+              <a:t>Azure DevOps</a:t>
+            </a:r>
+            <a:endParaRPr lang="en-US" dirty="0"/>
           </a:p>
         </p:txBody>
       </p:sp>

--- a/Whiteboard design session/WDS trainer presentation - Continuous delivery in VSTS and Azure.pptx
+++ b/Whiteboard design session/WDS trainer presentation - Continuous delivery in VSTS and Azure.pptx
@@ -3248,7 +3248,7 @@
                   <a:prstClr val="black"/>
                 </a:solidFill>
               </a:rPr>
-              <a:t>1/19/19 3:09 PM</a:t>
+              <a:t>1/19/19 4:03 PM</a:t>
             </a:fld>
             <a:endParaRPr lang="en-US" dirty="0">
               <a:solidFill>
@@ -16066,7 +16066,7 @@
           </p:grpSpPr>
           <p:sp>
             <p:nvSpPr>
-              <p:cNvPr id="75" name="Rectangle 74">
+              <p:cNvPr id="75" name="Rectangle 74" descr="Tailspin Toys current process. Code is hosted in Azure DevOps, but manual processes are used to deploy the code to Azure.">
                 <a:extLst>
                   <a:ext uri="{FF2B5EF4-FFF2-40B4-BE49-F238E27FC236}">
                     <a16:creationId xmlns:a16="http://schemas.microsoft.com/office/drawing/2014/main" id="{1FD0B547-9CF5-B745-A273-5CF66CCD3AE7}"/>
@@ -18019,7 +18019,7 @@
       </p:sp>
       <p:grpSp>
         <p:nvGrpSpPr>
-          <p:cNvPr id="27" name="Group 26">
+          <p:cNvPr id="27" name="Group 26" descr="Common scenarios include the use of: Azure DevOps, Azure Repos, Azure DevOps with GitHub, Application Insights, Azure Web Apps, Azure SQL Database.">
             <a:extLst>
               <a:ext uri="{FF2B5EF4-FFF2-40B4-BE49-F238E27FC236}">
                 <a16:creationId xmlns:a16="http://schemas.microsoft.com/office/drawing/2014/main" id="{2A1C7CCD-5964-1047-B006-860517D05ADB}"/>
@@ -20632,7 +20632,7 @@
           </p:grpSpPr>
           <p:sp>
             <p:nvSpPr>
-              <p:cNvPr id="8" name="Rectangle 7">
+              <p:cNvPr id="8" name="Rectangle 7" descr="Preferred solution includes editing the code and pushing it to a branch in Azure DevOps. Then, we could create a pull request and merge the code into master to kickoff the build and release pipelines.">
                 <a:extLst>
                   <a:ext uri="{FF2B5EF4-FFF2-40B4-BE49-F238E27FC236}">
                     <a16:creationId xmlns:a16="http://schemas.microsoft.com/office/drawing/2014/main" id="{D7E7982A-8965-C64D-9A2E-E86AC50EA2F0}"/>
@@ -23838,7 +23838,7 @@
       </p:sp>
       <p:pic>
         <p:nvPicPr>
-          <p:cNvPr id="4" name="Picture 3" descr="Commit and pull icon">
+          <p:cNvPr id="4" name="Picture 3" descr="Git icon">
             <a:extLst>
               <a:ext uri="{FF2B5EF4-FFF2-40B4-BE49-F238E27FC236}">
                 <a16:creationId xmlns:a16="http://schemas.microsoft.com/office/drawing/2014/main" id="{8E52B167-72E3-4899-AA4C-C58157C4AD1B}"/>
@@ -23984,7 +23984,7 @@
       </p:sp>
       <p:pic>
         <p:nvPicPr>
-          <p:cNvPr id="4" name="Picture 3" descr="Light bulb icon">
+          <p:cNvPr id="4" name="Picture 3" descr="Application Insights icon">
             <a:extLst>
               <a:ext uri="{FF2B5EF4-FFF2-40B4-BE49-F238E27FC236}">
                 <a16:creationId xmlns:a16="http://schemas.microsoft.com/office/drawing/2014/main" id="{3775F861-57F8-4478-B34F-C8FDD455D486}"/>
